--- a/Presentations/NOBUGS 2012/Posters/Muon/Muon_Poster.pptx
+++ b/Presentations/NOBUGS 2012/Posters/Muon/Muon_Poster.pptx
@@ -14,7 +14,7 @@
     <p:sldId id="256" r:id="rId6"/>
   </p:sldIdLst>
   <p:sldSz cx="30238700" cy="42803763"/>
-  <p:notesSz cx="9931400" cy="14351000"/>
+  <p:notesSz cx="6794500" cy="9906000"/>
   <p:defaultTextStyle>
     <a:defPPr>
       <a:defRPr lang="en-US"/>
@@ -178,17 +178,17 @@
         <p:spPr>
           <a:xfrm>
             <a:off x="0" y="1"/>
-            <a:ext cx="4303608" cy="717550"/>
+            <a:ext cx="2944284" cy="495300"/>
           </a:xfrm>
           <a:prstGeom prst="rect">
             <a:avLst/>
           </a:prstGeom>
         </p:spPr>
         <p:txBody>
-          <a:bodyPr vert="horz" lIns="138735" tIns="69369" rIns="138735" bIns="69369" rtlCol="0"/>
+          <a:bodyPr vert="horz" lIns="95408" tIns="47705" rIns="95408" bIns="47705" rtlCol="0"/>
           <a:lstStyle>
             <a:lvl1pPr algn="l">
-              <a:defRPr sz="1800"/>
+              <a:defRPr sz="1200"/>
             </a:lvl1pPr>
           </a:lstStyle>
           <a:p>
@@ -208,25 +208,25 @@
         </p:nvSpPr>
         <p:spPr>
           <a:xfrm>
-            <a:off x="5625495" y="1"/>
-            <a:ext cx="4303608" cy="717550"/>
+            <a:off x="3848644" y="1"/>
+            <a:ext cx="2944284" cy="495300"/>
           </a:xfrm>
           <a:prstGeom prst="rect">
             <a:avLst/>
           </a:prstGeom>
         </p:spPr>
         <p:txBody>
-          <a:bodyPr vert="horz" lIns="138735" tIns="69369" rIns="138735" bIns="69369" rtlCol="0"/>
+          <a:bodyPr vert="horz" lIns="95408" tIns="47705" rIns="95408" bIns="47705" rtlCol="0"/>
           <a:lstStyle>
             <a:lvl1pPr algn="r">
-              <a:defRPr sz="1800"/>
+              <a:defRPr sz="1200"/>
             </a:lvl1pPr>
           </a:lstStyle>
           <a:p>
             <a:fld id="{E78E1D5F-7523-4815-A670-60864F601D30}" type="datetimeFigureOut">
               <a:rPr lang="en-GB" smtClean="0"/>
               <a:pPr/>
-              <a:t>06/09/2012</a:t>
+              <a:t>14/09/2012</a:t>
             </a:fld>
             <a:endParaRPr lang="en-GB"/>
           </a:p>
@@ -244,18 +244,18 @@
         </p:nvSpPr>
         <p:spPr>
           <a:xfrm>
-            <a:off x="0" y="13630960"/>
-            <a:ext cx="4303608" cy="717550"/>
+            <a:off x="0" y="9408981"/>
+            <a:ext cx="2944284" cy="495300"/>
           </a:xfrm>
           <a:prstGeom prst="rect">
             <a:avLst/>
           </a:prstGeom>
         </p:spPr>
         <p:txBody>
-          <a:bodyPr vert="horz" lIns="138735" tIns="69369" rIns="138735" bIns="69369" rtlCol="0" anchor="b"/>
+          <a:bodyPr vert="horz" lIns="95408" tIns="47705" rIns="95408" bIns="47705" rtlCol="0" anchor="b"/>
           <a:lstStyle>
             <a:lvl1pPr algn="l">
-              <a:defRPr sz="1800"/>
+              <a:defRPr sz="1200"/>
             </a:lvl1pPr>
           </a:lstStyle>
           <a:p>
@@ -275,18 +275,18 @@
         </p:nvSpPr>
         <p:spPr>
           <a:xfrm>
-            <a:off x="5625495" y="13630960"/>
-            <a:ext cx="4303608" cy="717550"/>
+            <a:off x="3848644" y="9408981"/>
+            <a:ext cx="2944284" cy="495300"/>
           </a:xfrm>
           <a:prstGeom prst="rect">
             <a:avLst/>
           </a:prstGeom>
         </p:spPr>
         <p:txBody>
-          <a:bodyPr vert="horz" lIns="138735" tIns="69369" rIns="138735" bIns="69369" rtlCol="0" anchor="b"/>
+          <a:bodyPr vert="horz" lIns="95408" tIns="47705" rIns="95408" bIns="47705" rtlCol="0" anchor="b"/>
           <a:lstStyle>
             <a:lvl1pPr algn="r">
-              <a:defRPr sz="1800"/>
+              <a:defRPr sz="1200"/>
             </a:lvl1pPr>
           </a:lstStyle>
           <a:p>
@@ -340,17 +340,17 @@
         <p:spPr>
           <a:xfrm>
             <a:off x="0" y="1"/>
-            <a:ext cx="4303608" cy="717550"/>
+            <a:ext cx="2944284" cy="495300"/>
           </a:xfrm>
           <a:prstGeom prst="rect">
             <a:avLst/>
           </a:prstGeom>
         </p:spPr>
         <p:txBody>
-          <a:bodyPr vert="horz" lIns="138735" tIns="69369" rIns="138735" bIns="69369" rtlCol="0"/>
+          <a:bodyPr vert="horz" lIns="95408" tIns="47705" rIns="95408" bIns="47705" rtlCol="0"/>
           <a:lstStyle>
             <a:lvl1pPr algn="l">
-              <a:defRPr sz="1800"/>
+              <a:defRPr sz="1200"/>
             </a:lvl1pPr>
           </a:lstStyle>
           <a:p>
@@ -370,25 +370,25 @@
         </p:nvSpPr>
         <p:spPr>
           <a:xfrm>
-            <a:off x="5625495" y="1"/>
-            <a:ext cx="4303608" cy="717550"/>
+            <a:off x="3848644" y="1"/>
+            <a:ext cx="2944284" cy="495300"/>
           </a:xfrm>
           <a:prstGeom prst="rect">
             <a:avLst/>
           </a:prstGeom>
         </p:spPr>
         <p:txBody>
-          <a:bodyPr vert="horz" lIns="138735" tIns="69369" rIns="138735" bIns="69369" rtlCol="0"/>
+          <a:bodyPr vert="horz" lIns="95408" tIns="47705" rIns="95408" bIns="47705" rtlCol="0"/>
           <a:lstStyle>
             <a:lvl1pPr algn="r">
-              <a:defRPr sz="1800"/>
+              <a:defRPr sz="1200"/>
             </a:lvl1pPr>
           </a:lstStyle>
           <a:p>
             <a:fld id="{376B4F07-E738-4DFD-883D-BE3839CD703B}" type="datetimeFigureOut">
               <a:rPr lang="en-GB" smtClean="0"/>
               <a:pPr/>
-              <a:t>06/09/2012</a:t>
+              <a:t>14/09/2012</a:t>
             </a:fld>
             <a:endParaRPr lang="en-GB"/>
           </a:p>
@@ -406,8 +406,8 @@
         </p:nvSpPr>
         <p:spPr>
           <a:xfrm>
-            <a:off x="3065463" y="1077913"/>
-            <a:ext cx="3800475" cy="5380037"/>
+            <a:off x="2085975" y="744538"/>
+            <a:ext cx="2622550" cy="3713162"/>
           </a:xfrm>
           <a:prstGeom prst="rect">
             <a:avLst/>
@@ -420,7 +420,7 @@
           </a:ln>
         </p:spPr>
         <p:txBody>
-          <a:bodyPr vert="horz" lIns="138735" tIns="69369" rIns="138735" bIns="69369" rtlCol="0" anchor="ctr"/>
+          <a:bodyPr vert="horz" lIns="95408" tIns="47705" rIns="95408" bIns="47705" rtlCol="0" anchor="ctr"/>
           <a:lstStyle/>
           <a:p>
             <a:endParaRPr lang="en-GB"/>
@@ -439,15 +439,15 @@
         </p:nvSpPr>
         <p:spPr>
           <a:xfrm>
-            <a:off x="993140" y="6816725"/>
-            <a:ext cx="7945120" cy="6457950"/>
+            <a:off x="679450" y="4705350"/>
+            <a:ext cx="5435600" cy="4457700"/>
           </a:xfrm>
           <a:prstGeom prst="rect">
             <a:avLst/>
           </a:prstGeom>
         </p:spPr>
         <p:txBody>
-          <a:bodyPr vert="horz" lIns="138735" tIns="69369" rIns="138735" bIns="69369" rtlCol="0">
+          <a:bodyPr vert="horz" lIns="95408" tIns="47705" rIns="95408" bIns="47705" rtlCol="0">
             <a:normAutofit/>
           </a:bodyPr>
           <a:lstStyle/>
@@ -501,18 +501,18 @@
         </p:nvSpPr>
         <p:spPr>
           <a:xfrm>
-            <a:off x="0" y="13630960"/>
-            <a:ext cx="4303608" cy="717550"/>
+            <a:off x="0" y="9408981"/>
+            <a:ext cx="2944284" cy="495300"/>
           </a:xfrm>
           <a:prstGeom prst="rect">
             <a:avLst/>
           </a:prstGeom>
         </p:spPr>
         <p:txBody>
-          <a:bodyPr vert="horz" lIns="138735" tIns="69369" rIns="138735" bIns="69369" rtlCol="0" anchor="b"/>
+          <a:bodyPr vert="horz" lIns="95408" tIns="47705" rIns="95408" bIns="47705" rtlCol="0" anchor="b"/>
           <a:lstStyle>
             <a:lvl1pPr algn="l">
-              <a:defRPr sz="1800"/>
+              <a:defRPr sz="1200"/>
             </a:lvl1pPr>
           </a:lstStyle>
           <a:p>
@@ -532,18 +532,18 @@
         </p:nvSpPr>
         <p:spPr>
           <a:xfrm>
-            <a:off x="5625495" y="13630960"/>
-            <a:ext cx="4303608" cy="717550"/>
+            <a:off x="3848644" y="9408981"/>
+            <a:ext cx="2944284" cy="495300"/>
           </a:xfrm>
           <a:prstGeom prst="rect">
             <a:avLst/>
           </a:prstGeom>
         </p:spPr>
         <p:txBody>
-          <a:bodyPr vert="horz" lIns="138735" tIns="69369" rIns="138735" bIns="69369" rtlCol="0" anchor="b"/>
+          <a:bodyPr vert="horz" lIns="95408" tIns="47705" rIns="95408" bIns="47705" rtlCol="0" anchor="b"/>
           <a:lstStyle>
             <a:lvl1pPr algn="r">
-              <a:defRPr sz="1800"/>
+              <a:defRPr sz="1200"/>
             </a:lvl1pPr>
           </a:lstStyle>
           <a:p>
@@ -3144,7 +3144,7 @@
         </p:nvGraphicFramePr>
         <p:xfrm>
           <a:off x="1066800" y="8610599"/>
-          <a:ext cx="28194000" cy="30505249"/>
+          <a:ext cx="28194000" cy="31138368"/>
         </p:xfrm>
         <a:graphic>
           <a:graphicData uri="http://schemas.openxmlformats.org/drawingml/2006/table">
@@ -3190,16 +3190,6 @@
                         </a:rPr>
                         <a:t>Introduction</a:t>
                       </a:r>
-                      <a:endParaRPr kumimoji="0" lang="en-US" sz="5000" b="0" i="0" u="none" strike="noStrike" kern="0" cap="none" normalizeH="0" baseline="0" dirty="0" smtClean="0">
-                        <a:ln>
-                          <a:noFill/>
-                        </a:ln>
-                        <a:solidFill>
-                          <a:srgbClr val="002D55"/>
-                        </a:solidFill>
-                        <a:effectLst/>
-                        <a:latin typeface="Corisande" pitchFamily="2" charset="0"/>
-                      </a:endParaRPr>
                     </a:p>
                     <a:p>
                       <a:pPr marL="0" marR="0" lvl="0" indent="0" algn="l" defTabSz="4173538" rtl="0" eaLnBrk="1" fontAlgn="base" latinLnBrk="0" hangingPunct="1">
@@ -3259,7 +3249,7 @@
                           <a:latin typeface="Arial" pitchFamily="34" charset="0"/>
                           <a:cs typeface="Arial" pitchFamily="34" charset="0"/>
                         </a:rPr>
-                        <a:t>) [see, for example also, the posters entitled “Continuous Build, Test and Deployment – the Mantid Model” and “Deep Integration With Python - The New Mantid API”] offers the </a:t>
+                        <a:t>) [see also the other Mantid posters] offers the </a:t>
                       </a:r>
                       <a:r>
                         <a:rPr kumimoji="0" lang="en-GB" sz="2400" b="0" i="0" u="none" strike="noStrike" kern="0" cap="none" normalizeH="0" baseline="0" dirty="0" err="1" smtClean="0">
@@ -3404,7 +3394,35 @@
                           <a:latin typeface="Arial" pitchFamily="34" charset="0"/>
                           <a:cs typeface="Arial" pitchFamily="34" charset="0"/>
                         </a:rPr>
-                        <a:t> group, to analysis data collected on the instruments EMU, ARGUS, </a:t>
+                        <a:t> group, to </a:t>
+                      </a:r>
+                      <a:r>
+                        <a:rPr kumimoji="0" lang="en-GB" sz="2400" b="0" i="0" u="none" strike="noStrike" kern="0" cap="none" normalizeH="0" baseline="0" dirty="0" smtClean="0">
+                          <a:ln>
+                            <a:noFill/>
+                          </a:ln>
+                          <a:solidFill>
+                            <a:schemeClr val="tx1"/>
+                          </a:solidFill>
+                          <a:effectLst/>
+                          <a:latin typeface="Arial" pitchFamily="34" charset="0"/>
+                          <a:cs typeface="Arial" pitchFamily="34" charset="0"/>
+                        </a:rPr>
+                        <a:t>analyse </a:t>
+                      </a:r>
+                      <a:r>
+                        <a:rPr kumimoji="0" lang="en-GB" sz="2400" b="0" i="0" u="none" strike="noStrike" kern="0" cap="none" normalizeH="0" baseline="0" dirty="0" smtClean="0">
+                          <a:ln>
+                            <a:noFill/>
+                          </a:ln>
+                          <a:solidFill>
+                            <a:schemeClr val="tx1"/>
+                          </a:solidFill>
+                          <a:effectLst/>
+                          <a:latin typeface="Arial" pitchFamily="34" charset="0"/>
+                          <a:cs typeface="Arial" pitchFamily="34" charset="0"/>
+                        </a:rPr>
+                        <a:t>data collected on the instruments EMU, ARGUS, </a:t>
                       </a:r>
                       <a:r>
                         <a:rPr kumimoji="0" lang="en-GB" sz="2400" b="0" i="0" u="none" strike="noStrike" kern="0" cap="none" normalizeH="0" baseline="0" dirty="0" err="1" smtClean="0">
@@ -3434,31 +3452,15 @@
                         </a:rPr>
                         <a:t> and HIFI.</a:t>
                       </a:r>
-                    </a:p>
-                    <a:p>
-                      <a:pPr marL="0" marR="0" lvl="0" indent="0" algn="l" defTabSz="4173538" rtl="0" eaLnBrk="1" fontAlgn="base" latinLnBrk="0" hangingPunct="1">
-                        <a:lnSpc>
-                          <a:spcPct val="100000"/>
-                        </a:lnSpc>
-                        <a:spcBef>
-                          <a:spcPct val="20000"/>
-                        </a:spcBef>
-                        <a:spcAft>
-                          <a:spcPct val="0"/>
-                        </a:spcAft>
-                        <a:buClrTx/>
-                        <a:buSzTx/>
-                        <a:buFontTx/>
-                        <a:buNone/>
-                        <a:tabLst/>
-                      </a:pPr>
-                      <a:endParaRPr lang="en-GB" sz="2400" i="1" kern="1200" dirty="0" smtClean="0">
+                      <a:endParaRPr kumimoji="0" lang="en-US" sz="5000" b="0" i="0" u="none" strike="noStrike" kern="0" cap="none" normalizeH="0" baseline="0" dirty="0" smtClean="0">
+                        <a:ln>
+                          <a:noFill/>
+                        </a:ln>
                         <a:solidFill>
-                          <a:schemeClr val="tx1"/>
+                          <a:srgbClr val="002D55"/>
                         </a:solidFill>
-                        <a:latin typeface="Corisande"/>
-                        <a:ea typeface="+mn-ea"/>
-                        <a:cs typeface="+mn-cs"/>
+                        <a:effectLst/>
+                        <a:latin typeface="Corisande" pitchFamily="2" charset="0"/>
                       </a:endParaRPr>
                     </a:p>
                     <a:p>
@@ -3477,14 +3479,146 @@
                         <a:buFontTx/>
                         <a:buNone/>
                         <a:tabLst/>
+                        <a:defRPr/>
                       </a:pPr>
-                      <a:endParaRPr lang="en-GB" sz="2400" i="1" kern="1200" dirty="0" smtClean="0">
+                      <a:r>
+                        <a:rPr kumimoji="0" lang="en-GB" sz="2400" b="0" i="0" u="none" strike="noStrike" kern="0" cap="none" normalizeH="0" baseline="0" dirty="0" smtClean="0">
+                          <a:ln>
+                            <a:noFill/>
+                          </a:ln>
+                          <a:solidFill>
+                            <a:schemeClr val="tx1"/>
+                          </a:solidFill>
+                          <a:effectLst/>
+                          <a:latin typeface="Arial" pitchFamily="34" charset="0"/>
+                          <a:cs typeface="Arial" pitchFamily="34" charset="0"/>
+                        </a:rPr>
+                        <a:t> </a:t>
+                      </a:r>
+                    </a:p>
+                    <a:p>
+                      <a:pPr marL="0" marR="0" lvl="0" indent="0" algn="l" defTabSz="4173538" rtl="0" eaLnBrk="1" fontAlgn="base" latinLnBrk="0" hangingPunct="1">
+                        <a:lnSpc>
+                          <a:spcPct val="100000"/>
+                        </a:lnSpc>
+                        <a:spcBef>
+                          <a:spcPct val="20000"/>
+                        </a:spcBef>
+                        <a:spcAft>
+                          <a:spcPct val="0"/>
+                        </a:spcAft>
+                        <a:buClrTx/>
+                        <a:buSzTx/>
+                        <a:buFontTx/>
+                        <a:buNone/>
+                        <a:tabLst/>
+                        <a:defRPr/>
+                      </a:pPr>
+                      <a:r>
+                        <a:rPr kumimoji="0" lang="en-US" sz="5000" b="0" i="0" u="none" strike="noStrike" kern="0" cap="none" normalizeH="0" baseline="0" dirty="0" smtClean="0">
+                          <a:ln>
+                            <a:noFill/>
+                          </a:ln>
+                          <a:solidFill>
+                            <a:srgbClr val="002D55"/>
+                          </a:solidFill>
+                          <a:effectLst/>
+                          <a:latin typeface="+mj-lt"/>
+                          <a:ea typeface="+mn-ea"/>
+                          <a:cs typeface="Arial" pitchFamily="34" charset="0"/>
+                        </a:rPr>
+                        <a:t>Scripting</a:t>
+                      </a:r>
+                    </a:p>
+                    <a:p>
+                      <a:pPr marL="0" marR="0" lvl="0" indent="0" algn="l" defTabSz="4173538" rtl="0" eaLnBrk="1" fontAlgn="base" latinLnBrk="0" hangingPunct="1">
+                        <a:lnSpc>
+                          <a:spcPct val="100000"/>
+                        </a:lnSpc>
+                        <a:spcBef>
+                          <a:spcPct val="20000"/>
+                        </a:spcBef>
+                        <a:spcAft>
+                          <a:spcPct val="0"/>
+                        </a:spcAft>
+                        <a:buClrTx/>
+                        <a:buSzTx/>
+                        <a:buFontTx/>
+                        <a:buNone/>
+                        <a:tabLst/>
+                        <a:defRPr/>
+                      </a:pPr>
+                      <a:r>
+                        <a:rPr kumimoji="0" lang="en-GB" sz="2400" b="0" i="0" u="none" strike="noStrike" kern="0" cap="none" normalizeH="0" baseline="0" dirty="0" smtClean="0">
+                          <a:ln>
+                            <a:noFill/>
+                          </a:ln>
+                          <a:solidFill>
+                            <a:schemeClr val="tx1"/>
+                          </a:solidFill>
+                          <a:effectLst/>
+                          <a:latin typeface="Arial" pitchFamily="34" charset="0"/>
+                          <a:cs typeface="Arial" pitchFamily="34" charset="0"/>
+                        </a:rPr>
+                        <a:t>All Mantid interfaces, including the Muon interface, </a:t>
+                      </a:r>
+                      <a:r>
+                        <a:rPr kumimoji="0" lang="en-GB" sz="2400" b="0" i="0" u="none" strike="noStrike" kern="0" cap="none" normalizeH="0" baseline="0" dirty="0" smtClean="0">
+                          <a:ln>
+                            <a:noFill/>
+                          </a:ln>
+                          <a:solidFill>
+                            <a:schemeClr val="tx1"/>
+                          </a:solidFill>
+                          <a:effectLst/>
+                          <a:latin typeface="Arial" pitchFamily="34" charset="0"/>
+                          <a:cs typeface="Arial" pitchFamily="34" charset="0"/>
+                        </a:rPr>
+                        <a:t>work </a:t>
+                      </a:r>
+                      <a:r>
+                        <a:rPr kumimoji="0" lang="en-GB" sz="2400" b="0" i="0" u="none" strike="noStrike" kern="0" cap="none" normalizeH="0" baseline="0" dirty="0" smtClean="0">
+                          <a:ln>
+                            <a:noFill/>
+                          </a:ln>
+                          <a:solidFill>
+                            <a:schemeClr val="tx1"/>
+                          </a:solidFill>
+                          <a:effectLst/>
+                          <a:latin typeface="Arial" pitchFamily="34" charset="0"/>
+                          <a:cs typeface="Arial" pitchFamily="34" charset="0"/>
+                        </a:rPr>
+                        <a:t>by making calls to Mantid algorithms that are designed and coded to perform specific tasks. Hence, behind the scenes, all that is happening when using an interface is that a sequence of algorithms are executed by the Mantid Framework. Any such sequence can alternatively be executed using a script, since the Mantid framework is exposed through a Python API. </a:t>
+                      </a:r>
+                    </a:p>
+                    <a:p>
+                      <a:pPr marL="0" marR="0" lvl="0" indent="0" algn="l" defTabSz="4173538" rtl="0" eaLnBrk="1" fontAlgn="base" latinLnBrk="0" hangingPunct="1">
+                        <a:lnSpc>
+                          <a:spcPct val="100000"/>
+                        </a:lnSpc>
+                        <a:spcBef>
+                          <a:spcPct val="20000"/>
+                        </a:spcBef>
+                        <a:spcAft>
+                          <a:spcPct val="0"/>
+                        </a:spcAft>
+                        <a:buClrTx/>
+                        <a:buSzTx/>
+                        <a:buFontTx/>
+                        <a:buNone/>
+                        <a:tabLst/>
+                        <a:defRPr/>
+                      </a:pPr>
+                      <a:endParaRPr kumimoji="0" lang="en-GB" sz="2400" b="0" i="0" u="none" strike="noStrike" kern="0" cap="none" normalizeH="0" baseline="0" dirty="0" smtClean="0">
+                        <a:ln>
+                          <a:noFill/>
+                        </a:ln>
                         <a:solidFill>
                           <a:schemeClr val="tx1"/>
                         </a:solidFill>
-                        <a:latin typeface="Corisande"/>
-                        <a:ea typeface="+mn-ea"/>
-                        <a:cs typeface="+mn-cs"/>
+                        <a:effectLst/>
+                        <a:latin typeface="Arial" pitchFamily="34" charset="0"/>
+                        <a:cs typeface="Arial" pitchFamily="34" charset="0"/>
                       </a:endParaRPr>
                     </a:p>
                     <a:p>
@@ -3503,14 +3637,51 @@
                         <a:buFontTx/>
                         <a:buNone/>
                         <a:tabLst/>
+                        <a:defRPr/>
                       </a:pPr>
-                      <a:endParaRPr lang="en-GB" sz="2400" i="1" kern="1200" dirty="0" smtClean="0">
+                      <a:r>
+                        <a:rPr kumimoji="0" lang="en-GB" sz="2400" b="0" i="0" u="none" strike="noStrike" kern="0" cap="none" normalizeH="0" baseline="0" dirty="0" smtClean="0">
+                          <a:ln>
+                            <a:noFill/>
+                          </a:ln>
+                          <a:solidFill>
+                            <a:schemeClr val="tx1"/>
+                          </a:solidFill>
+                          <a:effectLst/>
+                          <a:latin typeface="Arial" pitchFamily="34" charset="0"/>
+                          <a:cs typeface="Arial" pitchFamily="34" charset="0"/>
+                        </a:rPr>
+                        <a:t>The scripting interface enables advanced users to carry out automated data reduction and to build customised analysis scripts for specialised experiments. </a:t>
+                      </a:r>
+                    </a:p>
+                    <a:p>
+                      <a:pPr marL="0" marR="0" lvl="0" indent="0" algn="l" defTabSz="4173538" rtl="0" eaLnBrk="1" fontAlgn="base" latinLnBrk="0" hangingPunct="1">
+                        <a:lnSpc>
+                          <a:spcPct val="100000"/>
+                        </a:lnSpc>
+                        <a:spcBef>
+                          <a:spcPct val="20000"/>
+                        </a:spcBef>
+                        <a:spcAft>
+                          <a:spcPct val="0"/>
+                        </a:spcAft>
+                        <a:buClrTx/>
+                        <a:buSzTx/>
+                        <a:buFontTx/>
+                        <a:buNone/>
+                        <a:tabLst/>
+                        <a:defRPr/>
+                      </a:pPr>
+                      <a:endParaRPr kumimoji="0" lang="en-GB" sz="2400" b="0" i="0" u="none" strike="noStrike" kern="0" cap="none" normalizeH="0" baseline="0" dirty="0" smtClean="0">
+                        <a:ln>
+                          <a:noFill/>
+                        </a:ln>
                         <a:solidFill>
                           <a:schemeClr val="tx1"/>
                         </a:solidFill>
-                        <a:latin typeface="Corisande"/>
-                        <a:ea typeface="+mn-ea"/>
-                        <a:cs typeface="+mn-cs"/>
+                        <a:effectLst/>
+                        <a:latin typeface="Arial" pitchFamily="34" charset="0"/>
+                        <a:cs typeface="Arial" pitchFamily="34" charset="0"/>
                       </a:endParaRPr>
                     </a:p>
                     <a:p>
@@ -3529,16 +3700,169 @@
                         <a:buFontTx/>
                         <a:buNone/>
                         <a:tabLst/>
+                        <a:defRPr/>
                       </a:pPr>
-                      <a:endParaRPr kumimoji="0" lang="en-US" sz="5000" b="0" i="0" u="none" strike="noStrike" kern="0" cap="none" normalizeH="0" baseline="0" dirty="0" smtClean="0">
+                      <a:r>
+                        <a:rPr kumimoji="0" lang="en-GB" sz="2400" b="0" i="0" u="none" strike="noStrike" kern="0" cap="none" normalizeH="0" baseline="0" dirty="0" smtClean="0">
+                          <a:ln>
+                            <a:noFill/>
+                          </a:ln>
+                          <a:solidFill>
+                            <a:schemeClr val="tx1"/>
+                          </a:solidFill>
+                          <a:effectLst/>
+                          <a:latin typeface="Arial" pitchFamily="34" charset="0"/>
+                          <a:cs typeface="Arial" pitchFamily="34" charset="0"/>
+                        </a:rPr>
+                        <a:t>Below is shown an example where two datasets are loaded and one of these are corrected for </a:t>
+                      </a:r>
+                      <a:r>
+                        <a:rPr kumimoji="0" lang="en-GB" sz="2400" b="0" i="0" u="none" strike="noStrike" kern="0" cap="none" normalizeH="0" baseline="0" dirty="0" err="1" smtClean="0">
+                          <a:ln>
+                            <a:noFill/>
+                          </a:ln>
+                          <a:solidFill>
+                            <a:schemeClr val="tx1"/>
+                          </a:solidFill>
+                          <a:effectLst/>
+                          <a:latin typeface="Arial" pitchFamily="34" charset="0"/>
+                          <a:cs typeface="Arial" pitchFamily="34" charset="0"/>
+                        </a:rPr>
+                        <a:t>deadtimes</a:t>
+                      </a:r>
+                      <a:r>
+                        <a:rPr kumimoji="0" lang="en-GB" sz="2400" b="0" i="0" u="none" strike="noStrike" kern="0" cap="none" normalizeH="0" baseline="0" dirty="0" smtClean="0">
+                          <a:ln>
+                            <a:noFill/>
+                          </a:ln>
+                          <a:solidFill>
+                            <a:schemeClr val="tx1"/>
+                          </a:solidFill>
+                          <a:effectLst/>
+                          <a:latin typeface="Arial" pitchFamily="34" charset="0"/>
+                          <a:cs typeface="Arial" pitchFamily="34" charset="0"/>
+                        </a:rPr>
+                        <a:t>.</a:t>
+                      </a:r>
+                    </a:p>
+                    <a:p>
+                      <a:pPr marL="0" marR="0" lvl="0" indent="0" algn="l" defTabSz="4173538" rtl="0" eaLnBrk="1" fontAlgn="base" latinLnBrk="0" hangingPunct="1">
+                        <a:lnSpc>
+                          <a:spcPct val="100000"/>
+                        </a:lnSpc>
+                        <a:spcBef>
+                          <a:spcPct val="20000"/>
+                        </a:spcBef>
+                        <a:spcAft>
+                          <a:spcPct val="0"/>
+                        </a:spcAft>
+                        <a:buClrTx/>
+                        <a:buSzTx/>
+                        <a:buFontTx/>
+                        <a:buNone/>
+                        <a:tabLst/>
+                        <a:defRPr/>
+                      </a:pPr>
+                      <a:endParaRPr kumimoji="0" lang="en-GB" sz="2400" b="0" i="0" u="none" strike="noStrike" kern="0" cap="none" normalizeH="0" baseline="0" dirty="0" smtClean="0">
                         <a:ln>
                           <a:noFill/>
                         </a:ln>
                         <a:solidFill>
-                          <a:srgbClr val="002D55"/>
+                          <a:schemeClr val="tx1"/>
                         </a:solidFill>
                         <a:effectLst/>
-                        <a:latin typeface="Corisande" pitchFamily="2" charset="0"/>
+                        <a:latin typeface="Arial" pitchFamily="34" charset="0"/>
+                        <a:cs typeface="Arial" pitchFamily="34" charset="0"/>
+                      </a:endParaRPr>
+                    </a:p>
+                    <a:p>
+                      <a:pPr marL="0" marR="0" lvl="0" indent="0" algn="l" defTabSz="4173538" rtl="0" eaLnBrk="1" fontAlgn="base" latinLnBrk="0" hangingPunct="1">
+                        <a:lnSpc>
+                          <a:spcPct val="100000"/>
+                        </a:lnSpc>
+                        <a:spcBef>
+                          <a:spcPct val="20000"/>
+                        </a:spcBef>
+                        <a:spcAft>
+                          <a:spcPct val="0"/>
+                        </a:spcAft>
+                        <a:buClrTx/>
+                        <a:buSzTx/>
+                        <a:buFontTx/>
+                        <a:buNone/>
+                        <a:tabLst/>
+                        <a:defRPr/>
+                      </a:pPr>
+                      <a:endParaRPr kumimoji="0" lang="en-GB" sz="2400" b="0" i="0" u="none" strike="noStrike" kern="0" cap="none" normalizeH="0" baseline="0" dirty="0" smtClean="0">
+                        <a:ln>
+                          <a:noFill/>
+                        </a:ln>
+                        <a:solidFill>
+                          <a:schemeClr val="tx1"/>
+                        </a:solidFill>
+                        <a:effectLst/>
+                        <a:latin typeface="Arial" pitchFamily="34" charset="0"/>
+                        <a:cs typeface="Arial" pitchFamily="34" charset="0"/>
+                      </a:endParaRPr>
+                    </a:p>
+                    <a:p>
+                      <a:pPr marL="0" marR="0" lvl="0" indent="0" algn="l" defTabSz="4173538" rtl="0" eaLnBrk="1" fontAlgn="base" latinLnBrk="0" hangingPunct="1">
+                        <a:lnSpc>
+                          <a:spcPct val="100000"/>
+                        </a:lnSpc>
+                        <a:spcBef>
+                          <a:spcPct val="20000"/>
+                        </a:spcBef>
+                        <a:spcAft>
+                          <a:spcPct val="0"/>
+                        </a:spcAft>
+                        <a:buClrTx/>
+                        <a:buSzTx/>
+                        <a:buFontTx/>
+                        <a:buNone/>
+                        <a:tabLst/>
+                        <a:defRPr/>
+                      </a:pPr>
+                      <a:endParaRPr kumimoji="0" lang="en-GB" sz="2400" b="0" i="0" u="none" strike="noStrike" kern="0" cap="none" normalizeH="0" baseline="0" dirty="0" smtClean="0">
+                        <a:ln>
+                          <a:noFill/>
+                        </a:ln>
+                        <a:solidFill>
+                          <a:schemeClr val="tx1"/>
+                        </a:solidFill>
+                        <a:effectLst/>
+                        <a:latin typeface="Arial" pitchFamily="34" charset="0"/>
+                        <a:cs typeface="Arial" pitchFamily="34" charset="0"/>
+                      </a:endParaRPr>
+                    </a:p>
+                    <a:p>
+                      <a:pPr marL="0" marR="0" lvl="0" indent="0" algn="l" defTabSz="4173538" rtl="0" eaLnBrk="1" fontAlgn="base" latinLnBrk="0" hangingPunct="1">
+                        <a:lnSpc>
+                          <a:spcPct val="100000"/>
+                        </a:lnSpc>
+                        <a:spcBef>
+                          <a:spcPct val="20000"/>
+                        </a:spcBef>
+                        <a:spcAft>
+                          <a:spcPct val="0"/>
+                        </a:spcAft>
+                        <a:buClrTx/>
+                        <a:buSzTx/>
+                        <a:buFontTx/>
+                        <a:buNone/>
+                        <a:tabLst/>
+                        <a:defRPr/>
+                      </a:pPr>
+                      <a:endParaRPr kumimoji="0" lang="en-GB" sz="2400" b="0" i="0" u="none" strike="noStrike" kern="0" cap="none" normalizeH="0" baseline="0" dirty="0" smtClean="0">
+                        <a:ln>
+                          <a:noFill/>
+                        </a:ln>
+                        <a:solidFill>
+                          <a:schemeClr val="tx1"/>
+                        </a:solidFill>
+                        <a:effectLst/>
+                        <a:latin typeface="Arial" pitchFamily="34" charset="0"/>
+                        <a:cs typeface="Arial" pitchFamily="34" charset="0"/>
                       </a:endParaRPr>
                     </a:p>
                     <a:p>
@@ -3567,9 +3891,1214 @@
                             <a:srgbClr val="002D55"/>
                           </a:solidFill>
                           <a:effectLst/>
+                          <a:latin typeface="+mj-lt"/>
+                          <a:ea typeface="+mn-ea"/>
+                          <a:cs typeface="Arial" pitchFamily="34" charset="0"/>
+                        </a:rPr>
+                        <a:t>Adding Fitting Functions</a:t>
+                      </a:r>
+                    </a:p>
+                    <a:p>
+                      <a:pPr marL="0" marR="0" lvl="0" indent="0" algn="l" defTabSz="4173538" rtl="0" eaLnBrk="1" fontAlgn="base" latinLnBrk="0" hangingPunct="1">
+                        <a:lnSpc>
+                          <a:spcPct val="100000"/>
+                        </a:lnSpc>
+                        <a:spcBef>
+                          <a:spcPct val="20000"/>
+                        </a:spcBef>
+                        <a:spcAft>
+                          <a:spcPct val="0"/>
+                        </a:spcAft>
+                        <a:buClrTx/>
+                        <a:buSzTx/>
+                        <a:buFontTx/>
+                        <a:buNone/>
+                        <a:tabLst/>
+                      </a:pPr>
+                      <a:r>
+                        <a:rPr kumimoji="0" lang="en-GB" sz="2400" b="0" i="0" u="none" strike="noStrike" kern="0" cap="none" normalizeH="0" baseline="0" dirty="0" smtClean="0">
+                          <a:ln>
+                            <a:noFill/>
+                          </a:ln>
+                          <a:solidFill>
+                            <a:schemeClr val="tx1"/>
+                          </a:solidFill>
+                          <a:effectLst/>
+                          <a:latin typeface="Arial" pitchFamily="34" charset="0"/>
+                          <a:cs typeface="Arial" pitchFamily="34" charset="0"/>
+                        </a:rPr>
+                        <a:t>An essential part of </a:t>
+                      </a:r>
+                      <a:r>
+                        <a:rPr kumimoji="0" lang="en-GB" sz="2400" b="0" i="0" u="none" strike="noStrike" kern="0" cap="none" normalizeH="0" baseline="0" dirty="0" err="1" smtClean="0">
+                          <a:ln>
+                            <a:noFill/>
+                          </a:ln>
+                          <a:solidFill>
+                            <a:schemeClr val="tx1"/>
+                          </a:solidFill>
+                          <a:effectLst/>
+                          <a:latin typeface="Arial" pitchFamily="34" charset="0"/>
+                          <a:cs typeface="Arial" pitchFamily="34" charset="0"/>
+                        </a:rPr>
+                        <a:t>muon</a:t>
+                      </a:r>
+                      <a:r>
+                        <a:rPr kumimoji="0" lang="en-GB" sz="2400" b="0" i="0" u="none" strike="noStrike" kern="0" cap="none" normalizeH="0" baseline="0" dirty="0" smtClean="0">
+                          <a:ln>
+                            <a:noFill/>
+                          </a:ln>
+                          <a:solidFill>
+                            <a:schemeClr val="tx1"/>
+                          </a:solidFill>
+                          <a:effectLst/>
+                          <a:latin typeface="Arial" pitchFamily="34" charset="0"/>
+                          <a:cs typeface="Arial" pitchFamily="34" charset="0"/>
+                        </a:rPr>
+                        <a:t> analysis involves fitting of data. Mantid ships with a fitting module that contain a number of fit minimisers and a </a:t>
+                      </a:r>
+                      <a:r>
+                        <a:rPr kumimoji="0" lang="en-GB" sz="2400" b="0" i="0" u="none" strike="noStrike" kern="0" cap="none" normalizeH="0" baseline="0" dirty="0" err="1" smtClean="0">
+                          <a:ln>
+                            <a:noFill/>
+                          </a:ln>
+                          <a:solidFill>
+                            <a:schemeClr val="tx1"/>
+                          </a:solidFill>
+                          <a:effectLst/>
+                          <a:latin typeface="Arial" pitchFamily="34" charset="0"/>
+                          <a:cs typeface="Arial" pitchFamily="34" charset="0"/>
+                        </a:rPr>
+                        <a:t>plugin</a:t>
+                      </a:r>
+                      <a:r>
+                        <a:rPr kumimoji="0" lang="en-GB" sz="2400" b="0" i="0" u="none" strike="noStrike" kern="0" cap="none" normalizeH="0" baseline="0" dirty="0" smtClean="0">
+                          <a:ln>
+                            <a:noFill/>
+                          </a:ln>
+                          <a:solidFill>
+                            <a:schemeClr val="tx1"/>
+                          </a:solidFill>
+                          <a:effectLst/>
+                          <a:latin typeface="Arial" pitchFamily="34" charset="0"/>
+                          <a:cs typeface="Arial" pitchFamily="34" charset="0"/>
+                        </a:rPr>
+                        <a:t> architecture that makes it is easy for a user to add their own fitting functions. </a:t>
+                      </a:r>
+                    </a:p>
+                    <a:p>
+                      <a:pPr marL="0" marR="0" lvl="0" indent="0" algn="l" defTabSz="4173538" rtl="0" eaLnBrk="1" fontAlgn="base" latinLnBrk="0" hangingPunct="1">
+                        <a:lnSpc>
+                          <a:spcPct val="100000"/>
+                        </a:lnSpc>
+                        <a:spcBef>
+                          <a:spcPct val="20000"/>
+                        </a:spcBef>
+                        <a:spcAft>
+                          <a:spcPct val="0"/>
+                        </a:spcAft>
+                        <a:buClrTx/>
+                        <a:buSzTx/>
+                        <a:buFontTx/>
+                        <a:buNone/>
+                        <a:tabLst/>
+                      </a:pPr>
+                      <a:endParaRPr kumimoji="0" lang="en-GB" sz="2400" b="0" i="0" u="none" strike="noStrike" kern="0" cap="none" normalizeH="0" baseline="0" dirty="0" smtClean="0">
+                        <a:ln>
+                          <a:noFill/>
+                        </a:ln>
+                        <a:solidFill>
+                          <a:schemeClr val="tx1"/>
+                        </a:solidFill>
+                        <a:effectLst/>
+                        <a:latin typeface="Arial" pitchFamily="34" charset="0"/>
+                        <a:cs typeface="Arial" pitchFamily="34" charset="0"/>
+                      </a:endParaRPr>
+                    </a:p>
+                    <a:p>
+                      <a:pPr marL="0" marR="0" lvl="0" indent="0" algn="l" defTabSz="4173538" rtl="0" eaLnBrk="1" fontAlgn="base" latinLnBrk="0" hangingPunct="1">
+                        <a:lnSpc>
+                          <a:spcPct val="100000"/>
+                        </a:lnSpc>
+                        <a:spcBef>
+                          <a:spcPct val="20000"/>
+                        </a:spcBef>
+                        <a:spcAft>
+                          <a:spcPct val="0"/>
+                        </a:spcAft>
+                        <a:buClrTx/>
+                        <a:buSzTx/>
+                        <a:buFontTx/>
+                        <a:buNone/>
+                        <a:tabLst/>
+                      </a:pPr>
+                      <a:r>
+                        <a:rPr kumimoji="0" lang="en-GB" sz="2400" b="0" i="0" u="none" strike="noStrike" kern="0" cap="none" normalizeH="0" baseline="0" dirty="0" smtClean="0">
+                          <a:ln>
+                            <a:noFill/>
+                          </a:ln>
+                          <a:solidFill>
+                            <a:schemeClr val="tx1"/>
+                          </a:solidFill>
+                          <a:effectLst/>
+                          <a:latin typeface="Arial" pitchFamily="34" charset="0"/>
+                          <a:cs typeface="Arial" pitchFamily="34" charset="0"/>
+                        </a:rPr>
+                        <a:t>In words all that a user needs to do to add a fit function is to know the mathematical expression of the fit function and the names of its parameters. To </a:t>
+                      </a:r>
+                      <a:r>
+                        <a:rPr kumimoji="0" lang="en-GB" sz="2400" b="0" i="0" u="none" strike="noStrike" kern="0" cap="none" normalizeH="0" baseline="0" dirty="0" smtClean="0">
+                          <a:ln>
+                            <a:noFill/>
+                          </a:ln>
+                          <a:solidFill>
+                            <a:schemeClr val="tx1"/>
+                          </a:solidFill>
+                          <a:effectLst/>
+                          <a:latin typeface="Arial" pitchFamily="34" charset="0"/>
+                          <a:cs typeface="Arial" pitchFamily="34" charset="0"/>
+                        </a:rPr>
+                        <a:t>increase </a:t>
+                      </a:r>
+                      <a:r>
+                        <a:rPr kumimoji="0" lang="en-GB" sz="2400" b="0" i="0" u="none" strike="noStrike" kern="0" cap="none" normalizeH="0" baseline="0" dirty="0" smtClean="0">
+                          <a:ln>
+                            <a:noFill/>
+                          </a:ln>
+                          <a:solidFill>
+                            <a:schemeClr val="tx1"/>
+                          </a:solidFill>
+                          <a:effectLst/>
+                          <a:latin typeface="Arial" pitchFamily="34" charset="0"/>
+                          <a:cs typeface="Arial" pitchFamily="34" charset="0"/>
+                        </a:rPr>
+                        <a:t>speed the user can optionally provide the mathematical expression for the function derivatives. If this is not provided numerical derivatives are used for the minimisers </a:t>
+                      </a:r>
+                      <a:r>
+                        <a:rPr kumimoji="0" lang="en-GB" sz="2400" b="0" i="0" u="none" strike="noStrike" kern="0" cap="none" normalizeH="0" baseline="0" dirty="0" smtClean="0">
+                          <a:ln>
+                            <a:noFill/>
+                          </a:ln>
+                          <a:solidFill>
+                            <a:schemeClr val="tx1"/>
+                          </a:solidFill>
+                          <a:effectLst/>
+                          <a:latin typeface="Arial" pitchFamily="34" charset="0"/>
+                          <a:cs typeface="Arial" pitchFamily="34" charset="0"/>
+                        </a:rPr>
+                        <a:t>which are </a:t>
+                      </a:r>
+                      <a:r>
+                        <a:rPr kumimoji="0" lang="en-GB" sz="2400" b="0" i="0" u="none" strike="noStrike" kern="0" cap="none" normalizeH="0" baseline="0" dirty="0" smtClean="0">
+                          <a:ln>
+                            <a:noFill/>
+                          </a:ln>
+                          <a:solidFill>
+                            <a:schemeClr val="tx1"/>
+                          </a:solidFill>
+                          <a:effectLst/>
+                          <a:latin typeface="Arial" pitchFamily="34" charset="0"/>
+                          <a:cs typeface="Arial" pitchFamily="34" charset="0"/>
+                        </a:rPr>
+                        <a:t>relevant. </a:t>
+                      </a:r>
+                    </a:p>
+                    <a:p>
+                      <a:pPr marL="0" marR="0" lvl="0" indent="0" algn="l" defTabSz="4173538" rtl="0" eaLnBrk="1" fontAlgn="base" latinLnBrk="0" hangingPunct="1">
+                        <a:lnSpc>
+                          <a:spcPct val="100000"/>
+                        </a:lnSpc>
+                        <a:spcBef>
+                          <a:spcPct val="20000"/>
+                        </a:spcBef>
+                        <a:spcAft>
+                          <a:spcPct val="0"/>
+                        </a:spcAft>
+                        <a:buClrTx/>
+                        <a:buSzTx/>
+                        <a:buFontTx/>
+                        <a:buNone/>
+                        <a:tabLst/>
+                      </a:pPr>
+                      <a:endParaRPr kumimoji="0" lang="en-GB" sz="2400" b="0" i="0" u="none" strike="noStrike" kern="0" cap="none" normalizeH="0" baseline="0" dirty="0" smtClean="0">
+                        <a:ln>
+                          <a:noFill/>
+                        </a:ln>
+                        <a:solidFill>
+                          <a:schemeClr val="tx1"/>
+                        </a:solidFill>
+                        <a:effectLst/>
+                        <a:latin typeface="Arial" pitchFamily="34" charset="0"/>
+                        <a:cs typeface="Arial" pitchFamily="34" charset="0"/>
+                      </a:endParaRPr>
+                    </a:p>
+                    <a:p>
+                      <a:pPr marL="0" marR="0" lvl="0" indent="0" algn="l" defTabSz="4173538" rtl="0" eaLnBrk="1" fontAlgn="base" latinLnBrk="0" hangingPunct="1">
+                        <a:lnSpc>
+                          <a:spcPct val="100000"/>
+                        </a:lnSpc>
+                        <a:spcBef>
+                          <a:spcPct val="20000"/>
+                        </a:spcBef>
+                        <a:spcAft>
+                          <a:spcPct val="0"/>
+                        </a:spcAft>
+                        <a:buClrTx/>
+                        <a:buSzTx/>
+                        <a:buFontTx/>
+                        <a:buNone/>
+                        <a:tabLst/>
+                      </a:pPr>
+                      <a:r>
+                        <a:rPr kumimoji="0" lang="en-GB" sz="2400" b="0" i="0" u="none" strike="noStrike" kern="0" cap="none" normalizeH="0" baseline="0" dirty="0" smtClean="0">
+                          <a:ln>
+                            <a:noFill/>
+                          </a:ln>
+                          <a:solidFill>
+                            <a:schemeClr val="tx1"/>
+                          </a:solidFill>
+                          <a:effectLst/>
+                          <a:latin typeface="Arial" pitchFamily="34" charset="0"/>
+                          <a:cs typeface="Arial" pitchFamily="34" charset="0"/>
+                        </a:rPr>
+                        <a:t>In code below is shown what is takes to add a fit function (here </a:t>
+                      </a:r>
+                      <a:r>
+                        <a:rPr kumimoji="0" lang="en-GB" sz="2400" b="0" i="0" u="none" strike="noStrike" kern="0" cap="none" normalizeH="0" baseline="0" dirty="0" err="1" smtClean="0">
+                          <a:ln>
+                            <a:noFill/>
+                          </a:ln>
+                          <a:solidFill>
+                            <a:schemeClr val="tx1"/>
+                          </a:solidFill>
+                          <a:effectLst/>
+                          <a:latin typeface="Arial" pitchFamily="34" charset="0"/>
+                          <a:cs typeface="Arial" pitchFamily="34" charset="0"/>
+                        </a:rPr>
+                        <a:t>Lorentzian</a:t>
+                      </a:r>
+                      <a:r>
+                        <a:rPr kumimoji="0" lang="en-GB" sz="2400" b="0" i="0" u="none" strike="noStrike" kern="0" cap="none" normalizeH="0" baseline="0" dirty="0" smtClean="0">
+                          <a:ln>
+                            <a:noFill/>
+                          </a:ln>
+                          <a:solidFill>
+                            <a:schemeClr val="tx1"/>
+                          </a:solidFill>
+                          <a:effectLst/>
+                          <a:latin typeface="Arial" pitchFamily="34" charset="0"/>
+                          <a:cs typeface="Arial" pitchFamily="34" charset="0"/>
+                        </a:rPr>
+                        <a:t> fit function)</a:t>
+                      </a:r>
+                    </a:p>
+                    <a:p>
+                      <a:pPr marL="0" marR="0" lvl="0" indent="0" algn="l" defTabSz="4173538" rtl="0" eaLnBrk="1" fontAlgn="base" latinLnBrk="0" hangingPunct="1">
+                        <a:lnSpc>
+                          <a:spcPct val="100000"/>
+                        </a:lnSpc>
+                        <a:spcBef>
+                          <a:spcPct val="20000"/>
+                        </a:spcBef>
+                        <a:spcAft>
+                          <a:spcPct val="0"/>
+                        </a:spcAft>
+                        <a:buClrTx/>
+                        <a:buSzTx/>
+                        <a:buFontTx/>
+                        <a:buNone/>
+                        <a:tabLst/>
+                      </a:pPr>
+                      <a:r>
+                        <a:rPr kumimoji="0" lang="en-GB" sz="2400" b="0" i="0" u="none" strike="noStrike" kern="0" cap="none" normalizeH="0" baseline="0" dirty="0" smtClean="0">
+                          <a:ln>
+                            <a:noFill/>
+                          </a:ln>
+                          <a:solidFill>
+                            <a:schemeClr val="tx1"/>
+                          </a:solidFill>
+                          <a:effectLst/>
+                          <a:latin typeface="Arial" pitchFamily="34" charset="0"/>
+                          <a:cs typeface="Arial" pitchFamily="34" charset="0"/>
+                        </a:rPr>
+                        <a:t> </a:t>
+                      </a:r>
+                    </a:p>
+                    <a:p>
+                      <a:pPr marL="0" marR="0" lvl="0" indent="0" algn="l" defTabSz="4173538" rtl="0" eaLnBrk="1" fontAlgn="base" latinLnBrk="0" hangingPunct="1">
+                        <a:lnSpc>
+                          <a:spcPct val="100000"/>
+                        </a:lnSpc>
+                        <a:spcBef>
+                          <a:spcPct val="20000"/>
+                        </a:spcBef>
+                        <a:spcAft>
+                          <a:spcPct val="0"/>
+                        </a:spcAft>
+                        <a:buClrTx/>
+                        <a:buSzTx/>
+                        <a:buFontTx/>
+                        <a:buNone/>
+                        <a:tabLst/>
+                      </a:pPr>
+                      <a:endParaRPr kumimoji="0" lang="en-GB" sz="2400" b="0" i="0" u="none" strike="noStrike" kern="0" cap="none" normalizeH="0" baseline="0" dirty="0" smtClean="0">
+                        <a:ln>
+                          <a:noFill/>
+                        </a:ln>
+                        <a:solidFill>
+                          <a:schemeClr val="tx1"/>
+                        </a:solidFill>
+                        <a:effectLst/>
+                        <a:latin typeface="Arial" pitchFamily="34" charset="0"/>
+                        <a:cs typeface="Arial" pitchFamily="34" charset="0"/>
+                      </a:endParaRPr>
+                    </a:p>
+                    <a:p>
+                      <a:pPr marL="0" marR="0" lvl="0" indent="0" algn="l" defTabSz="4173538" rtl="0" eaLnBrk="1" fontAlgn="base" latinLnBrk="0" hangingPunct="1">
+                        <a:lnSpc>
+                          <a:spcPct val="100000"/>
+                        </a:lnSpc>
+                        <a:spcBef>
+                          <a:spcPct val="20000"/>
+                        </a:spcBef>
+                        <a:spcAft>
+                          <a:spcPct val="0"/>
+                        </a:spcAft>
+                        <a:buClrTx/>
+                        <a:buSzTx/>
+                        <a:buFontTx/>
+                        <a:buNone/>
+                        <a:tabLst/>
+                      </a:pPr>
+                      <a:endParaRPr kumimoji="0" lang="en-GB" sz="2400" b="0" i="0" u="none" strike="noStrike" kern="0" cap="none" normalizeH="0" baseline="0" dirty="0" smtClean="0">
+                        <a:ln>
+                          <a:noFill/>
+                        </a:ln>
+                        <a:solidFill>
+                          <a:schemeClr val="tx1"/>
+                        </a:solidFill>
+                        <a:effectLst/>
+                        <a:latin typeface="Arial" pitchFamily="34" charset="0"/>
+                        <a:cs typeface="Arial" pitchFamily="34" charset="0"/>
+                      </a:endParaRPr>
+                    </a:p>
+                    <a:p>
+                      <a:pPr marL="0" marR="0" lvl="0" indent="0" algn="l" defTabSz="4173538" rtl="0" eaLnBrk="1" fontAlgn="base" latinLnBrk="0" hangingPunct="1">
+                        <a:lnSpc>
+                          <a:spcPct val="100000"/>
+                        </a:lnSpc>
+                        <a:spcBef>
+                          <a:spcPct val="20000"/>
+                        </a:spcBef>
+                        <a:spcAft>
+                          <a:spcPct val="0"/>
+                        </a:spcAft>
+                        <a:buClrTx/>
+                        <a:buSzTx/>
+                        <a:buFontTx/>
+                        <a:buNone/>
+                        <a:tabLst/>
+                      </a:pPr>
+                      <a:endParaRPr kumimoji="0" lang="en-GB" sz="2400" b="0" i="0" u="none" strike="noStrike" kern="0" cap="none" normalizeH="0" baseline="0" dirty="0" smtClean="0">
+                        <a:ln>
+                          <a:noFill/>
+                        </a:ln>
+                        <a:solidFill>
+                          <a:schemeClr val="tx1"/>
+                        </a:solidFill>
+                        <a:effectLst/>
+                        <a:latin typeface="Arial" pitchFamily="34" charset="0"/>
+                        <a:cs typeface="Arial" pitchFamily="34" charset="0"/>
+                      </a:endParaRPr>
+                    </a:p>
+                    <a:p>
+                      <a:pPr marL="0" marR="0" lvl="0" indent="0" algn="l" defTabSz="4173538" rtl="0" eaLnBrk="1" fontAlgn="base" latinLnBrk="0" hangingPunct="1">
+                        <a:lnSpc>
+                          <a:spcPct val="100000"/>
+                        </a:lnSpc>
+                        <a:spcBef>
+                          <a:spcPct val="20000"/>
+                        </a:spcBef>
+                        <a:spcAft>
+                          <a:spcPct val="0"/>
+                        </a:spcAft>
+                        <a:buClrTx/>
+                        <a:buSzTx/>
+                        <a:buFontTx/>
+                        <a:buNone/>
+                        <a:tabLst/>
+                      </a:pPr>
+                      <a:endParaRPr kumimoji="0" lang="en-GB" sz="2400" b="0" i="0" u="none" strike="noStrike" kern="0" cap="none" normalizeH="0" baseline="0" dirty="0" smtClean="0">
+                        <a:ln>
+                          <a:noFill/>
+                        </a:ln>
+                        <a:solidFill>
+                          <a:schemeClr val="tx1"/>
+                        </a:solidFill>
+                        <a:effectLst/>
+                        <a:latin typeface="Arial" pitchFamily="34" charset="0"/>
+                        <a:cs typeface="Arial" pitchFamily="34" charset="0"/>
+                      </a:endParaRPr>
+                    </a:p>
+                    <a:p>
+                      <a:pPr marL="0" marR="0" lvl="0" indent="0" algn="l" defTabSz="4173538" rtl="0" eaLnBrk="1" fontAlgn="base" latinLnBrk="0" hangingPunct="1">
+                        <a:lnSpc>
+                          <a:spcPct val="100000"/>
+                        </a:lnSpc>
+                        <a:spcBef>
+                          <a:spcPct val="20000"/>
+                        </a:spcBef>
+                        <a:spcAft>
+                          <a:spcPct val="0"/>
+                        </a:spcAft>
+                        <a:buClrTx/>
+                        <a:buSzTx/>
+                        <a:buFontTx/>
+                        <a:buNone/>
+                        <a:tabLst/>
+                      </a:pPr>
+                      <a:endParaRPr kumimoji="0" lang="en-GB" sz="2400" b="0" i="0" u="none" strike="noStrike" kern="0" cap="none" normalizeH="0" baseline="0" dirty="0" smtClean="0">
+                        <a:ln>
+                          <a:noFill/>
+                        </a:ln>
+                        <a:solidFill>
+                          <a:schemeClr val="tx1"/>
+                        </a:solidFill>
+                        <a:effectLst/>
+                        <a:latin typeface="Arial" pitchFamily="34" charset="0"/>
+                        <a:cs typeface="Arial" pitchFamily="34" charset="0"/>
+                      </a:endParaRPr>
+                    </a:p>
+                    <a:p>
+                      <a:pPr marL="0" marR="0" lvl="0" indent="0" algn="l" defTabSz="4173538" rtl="0" eaLnBrk="1" fontAlgn="base" latinLnBrk="0" hangingPunct="1">
+                        <a:lnSpc>
+                          <a:spcPct val="100000"/>
+                        </a:lnSpc>
+                        <a:spcBef>
+                          <a:spcPct val="20000"/>
+                        </a:spcBef>
+                        <a:spcAft>
+                          <a:spcPct val="0"/>
+                        </a:spcAft>
+                        <a:buClrTx/>
+                        <a:buSzTx/>
+                        <a:buFontTx/>
+                        <a:buNone/>
+                        <a:tabLst/>
+                      </a:pPr>
+                      <a:endParaRPr kumimoji="0" lang="en-GB" sz="2400" b="0" i="0" u="none" strike="noStrike" kern="0" cap="none" normalizeH="0" baseline="0" dirty="0" smtClean="0">
+                        <a:ln>
+                          <a:noFill/>
+                        </a:ln>
+                        <a:solidFill>
+                          <a:schemeClr val="tx1"/>
+                        </a:solidFill>
+                        <a:effectLst/>
+                        <a:latin typeface="Arial" pitchFamily="34" charset="0"/>
+                        <a:cs typeface="Arial" pitchFamily="34" charset="0"/>
+                      </a:endParaRPr>
+                    </a:p>
+                    <a:p>
+                      <a:pPr marL="0" marR="0" lvl="0" indent="0" algn="l" defTabSz="4173538" rtl="0" eaLnBrk="1" fontAlgn="base" latinLnBrk="0" hangingPunct="1">
+                        <a:lnSpc>
+                          <a:spcPct val="100000"/>
+                        </a:lnSpc>
+                        <a:spcBef>
+                          <a:spcPct val="20000"/>
+                        </a:spcBef>
+                        <a:spcAft>
+                          <a:spcPct val="0"/>
+                        </a:spcAft>
+                        <a:buClrTx/>
+                        <a:buSzTx/>
+                        <a:buFontTx/>
+                        <a:buNone/>
+                        <a:tabLst/>
+                      </a:pPr>
+                      <a:endParaRPr kumimoji="0" lang="en-GB" sz="2400" b="0" i="0" u="none" strike="noStrike" kern="0" cap="none" normalizeH="0" baseline="0" dirty="0" smtClean="0">
+                        <a:ln>
+                          <a:noFill/>
+                        </a:ln>
+                        <a:solidFill>
+                          <a:schemeClr val="tx1"/>
+                        </a:solidFill>
+                        <a:effectLst/>
+                        <a:latin typeface="Arial" pitchFamily="34" charset="0"/>
+                        <a:cs typeface="Arial" pitchFamily="34" charset="0"/>
+                      </a:endParaRPr>
+                    </a:p>
+                    <a:p>
+                      <a:pPr marL="0" marR="0" lvl="0" indent="0" algn="l" defTabSz="4173538" rtl="0" eaLnBrk="1" fontAlgn="base" latinLnBrk="0" hangingPunct="1">
+                        <a:lnSpc>
+                          <a:spcPct val="100000"/>
+                        </a:lnSpc>
+                        <a:spcBef>
+                          <a:spcPct val="20000"/>
+                        </a:spcBef>
+                        <a:spcAft>
+                          <a:spcPct val="0"/>
+                        </a:spcAft>
+                        <a:buClrTx/>
+                        <a:buSzTx/>
+                        <a:buFontTx/>
+                        <a:buNone/>
+                        <a:tabLst/>
+                      </a:pPr>
+                      <a:endParaRPr kumimoji="0" lang="en-GB" sz="2400" b="0" i="0" u="none" strike="noStrike" kern="0" cap="none" normalizeH="0" baseline="0" dirty="0" smtClean="0">
+                        <a:ln>
+                          <a:noFill/>
+                        </a:ln>
+                        <a:solidFill>
+                          <a:schemeClr val="tx1"/>
+                        </a:solidFill>
+                        <a:effectLst/>
+                        <a:latin typeface="Arial" pitchFamily="34" charset="0"/>
+                        <a:cs typeface="Arial" pitchFamily="34" charset="0"/>
+                      </a:endParaRPr>
+                    </a:p>
+                    <a:p>
+                      <a:pPr marL="0" marR="0" lvl="0" indent="0" algn="l" defTabSz="4173538" rtl="0" eaLnBrk="1" fontAlgn="base" latinLnBrk="0" hangingPunct="1">
+                        <a:lnSpc>
+                          <a:spcPct val="100000"/>
+                        </a:lnSpc>
+                        <a:spcBef>
+                          <a:spcPct val="20000"/>
+                        </a:spcBef>
+                        <a:spcAft>
+                          <a:spcPct val="0"/>
+                        </a:spcAft>
+                        <a:buClrTx/>
+                        <a:buSzTx/>
+                        <a:buFontTx/>
+                        <a:buNone/>
+                        <a:tabLst/>
+                      </a:pPr>
+                      <a:endParaRPr kumimoji="0" lang="en-GB" sz="2400" b="0" i="0" u="none" strike="noStrike" kern="0" cap="none" normalizeH="0" baseline="0" dirty="0" smtClean="0">
+                        <a:ln>
+                          <a:noFill/>
+                        </a:ln>
+                        <a:solidFill>
+                          <a:schemeClr val="tx1"/>
+                        </a:solidFill>
+                        <a:effectLst/>
+                        <a:latin typeface="Arial" pitchFamily="34" charset="0"/>
+                        <a:cs typeface="Arial" pitchFamily="34" charset="0"/>
+                      </a:endParaRPr>
+                    </a:p>
+                    <a:p>
+                      <a:pPr marL="0" marR="0" lvl="0" indent="0" algn="l" defTabSz="4173538" rtl="0" eaLnBrk="1" fontAlgn="base" latinLnBrk="0" hangingPunct="1">
+                        <a:lnSpc>
+                          <a:spcPct val="100000"/>
+                        </a:lnSpc>
+                        <a:spcBef>
+                          <a:spcPct val="20000"/>
+                        </a:spcBef>
+                        <a:spcAft>
+                          <a:spcPct val="0"/>
+                        </a:spcAft>
+                        <a:buClrTx/>
+                        <a:buSzTx/>
+                        <a:buFontTx/>
+                        <a:buNone/>
+                        <a:tabLst/>
+                      </a:pPr>
+                      <a:endParaRPr kumimoji="0" lang="en-GB" sz="2400" b="0" i="0" u="none" strike="noStrike" kern="0" cap="none" normalizeH="0" baseline="0" dirty="0" smtClean="0">
+                        <a:ln>
+                          <a:noFill/>
+                        </a:ln>
+                        <a:solidFill>
+                          <a:schemeClr val="tx1"/>
+                        </a:solidFill>
+                        <a:effectLst/>
+                        <a:latin typeface="Arial" pitchFamily="34" charset="0"/>
+                        <a:cs typeface="Arial" pitchFamily="34" charset="0"/>
+                      </a:endParaRPr>
+                    </a:p>
+                    <a:p>
+                      <a:pPr marL="0" marR="0" lvl="0" indent="0" algn="l" defTabSz="4173538" rtl="0" eaLnBrk="1" fontAlgn="base" latinLnBrk="0" hangingPunct="1">
+                        <a:lnSpc>
+                          <a:spcPct val="100000"/>
+                        </a:lnSpc>
+                        <a:spcBef>
+                          <a:spcPct val="20000"/>
+                        </a:spcBef>
+                        <a:spcAft>
+                          <a:spcPct val="0"/>
+                        </a:spcAft>
+                        <a:buClrTx/>
+                        <a:buSzTx/>
+                        <a:buFontTx/>
+                        <a:buNone/>
+                        <a:tabLst/>
+                      </a:pPr>
+                      <a:endParaRPr kumimoji="0" lang="en-GB" sz="2400" b="0" i="0" u="none" strike="noStrike" kern="0" cap="none" normalizeH="0" baseline="0" dirty="0" smtClean="0">
+                        <a:ln>
+                          <a:noFill/>
+                        </a:ln>
+                        <a:solidFill>
+                          <a:schemeClr val="tx1"/>
+                        </a:solidFill>
+                        <a:effectLst/>
+                        <a:latin typeface="Arial" pitchFamily="34" charset="0"/>
+                        <a:cs typeface="Arial" pitchFamily="34" charset="0"/>
+                      </a:endParaRPr>
+                    </a:p>
+                    <a:p>
+                      <a:pPr marL="0" marR="0" lvl="0" indent="0" algn="l" defTabSz="4173538" rtl="0" eaLnBrk="1" fontAlgn="base" latinLnBrk="0" hangingPunct="1">
+                        <a:lnSpc>
+                          <a:spcPct val="100000"/>
+                        </a:lnSpc>
+                        <a:spcBef>
+                          <a:spcPct val="20000"/>
+                        </a:spcBef>
+                        <a:spcAft>
+                          <a:spcPct val="0"/>
+                        </a:spcAft>
+                        <a:buClrTx/>
+                        <a:buSzTx/>
+                        <a:buFontTx/>
+                        <a:buNone/>
+                        <a:tabLst/>
+                      </a:pPr>
+                      <a:endParaRPr kumimoji="0" lang="en-GB" sz="2400" b="0" i="0" u="none" strike="noStrike" kern="0" cap="none" normalizeH="0" baseline="0" dirty="0" smtClean="0">
+                        <a:ln>
+                          <a:noFill/>
+                        </a:ln>
+                        <a:solidFill>
+                          <a:schemeClr val="tx1"/>
+                        </a:solidFill>
+                        <a:effectLst/>
+                        <a:latin typeface="Arial" pitchFamily="34" charset="0"/>
+                        <a:cs typeface="Arial" pitchFamily="34" charset="0"/>
+                      </a:endParaRPr>
+                    </a:p>
+                    <a:p>
+                      <a:pPr marL="0" marR="0" lvl="0" indent="0" algn="l" defTabSz="4173538" rtl="0" eaLnBrk="1" fontAlgn="base" latinLnBrk="0" hangingPunct="1">
+                        <a:lnSpc>
+                          <a:spcPct val="100000"/>
+                        </a:lnSpc>
+                        <a:spcBef>
+                          <a:spcPct val="20000"/>
+                        </a:spcBef>
+                        <a:spcAft>
+                          <a:spcPct val="0"/>
+                        </a:spcAft>
+                        <a:buClrTx/>
+                        <a:buSzTx/>
+                        <a:buFontTx/>
+                        <a:buNone/>
+                        <a:tabLst/>
+                      </a:pPr>
+                      <a:endParaRPr kumimoji="0" lang="en-GB" sz="2400" b="0" i="0" u="none" strike="noStrike" kern="0" cap="none" normalizeH="0" baseline="0" dirty="0" smtClean="0">
+                        <a:ln>
+                          <a:noFill/>
+                        </a:ln>
+                        <a:solidFill>
+                          <a:schemeClr val="tx1"/>
+                        </a:solidFill>
+                        <a:effectLst/>
+                        <a:latin typeface="Arial" pitchFamily="34" charset="0"/>
+                        <a:cs typeface="Arial" pitchFamily="34" charset="0"/>
+                      </a:endParaRPr>
+                    </a:p>
+                    <a:p>
+                      <a:pPr marL="0" marR="0" lvl="0" indent="0" algn="l" defTabSz="4173538" rtl="0" eaLnBrk="1" fontAlgn="base" latinLnBrk="0" hangingPunct="1">
+                        <a:lnSpc>
+                          <a:spcPct val="100000"/>
+                        </a:lnSpc>
+                        <a:spcBef>
+                          <a:spcPct val="20000"/>
+                        </a:spcBef>
+                        <a:spcAft>
+                          <a:spcPct val="0"/>
+                        </a:spcAft>
+                        <a:buClrTx/>
+                        <a:buSzTx/>
+                        <a:buFontTx/>
+                        <a:buNone/>
+                        <a:tabLst/>
+                      </a:pPr>
+                      <a:endParaRPr kumimoji="0" lang="en-GB" sz="2400" b="0" i="0" u="none" strike="noStrike" kern="0" cap="none" normalizeH="0" baseline="0" dirty="0" smtClean="0">
+                        <a:ln>
+                          <a:noFill/>
+                        </a:ln>
+                        <a:solidFill>
+                          <a:schemeClr val="tx1"/>
+                        </a:solidFill>
+                        <a:effectLst/>
+                        <a:latin typeface="Arial" pitchFamily="34" charset="0"/>
+                        <a:cs typeface="Arial" pitchFamily="34" charset="0"/>
+                      </a:endParaRPr>
+                    </a:p>
+                    <a:p>
+                      <a:pPr marL="0" marR="0" lvl="0" indent="0" algn="l" defTabSz="4173538" rtl="0" eaLnBrk="1" fontAlgn="base" latinLnBrk="0" hangingPunct="1">
+                        <a:lnSpc>
+                          <a:spcPct val="100000"/>
+                        </a:lnSpc>
+                        <a:spcBef>
+                          <a:spcPct val="20000"/>
+                        </a:spcBef>
+                        <a:spcAft>
+                          <a:spcPct val="0"/>
+                        </a:spcAft>
+                        <a:buClrTx/>
+                        <a:buSzTx/>
+                        <a:buFontTx/>
+                        <a:buNone/>
+                        <a:tabLst/>
+                      </a:pPr>
+                      <a:endParaRPr kumimoji="0" lang="en-GB" sz="2400" b="0" i="0" u="none" strike="noStrike" kern="0" cap="none" normalizeH="0" baseline="0" dirty="0" smtClean="0">
+                        <a:ln>
+                          <a:noFill/>
+                        </a:ln>
+                        <a:solidFill>
+                          <a:schemeClr val="tx1"/>
+                        </a:solidFill>
+                        <a:effectLst/>
+                        <a:latin typeface="Arial" pitchFamily="34" charset="0"/>
+                        <a:cs typeface="Arial" pitchFamily="34" charset="0"/>
+                      </a:endParaRPr>
+                    </a:p>
+                    <a:p>
+                      <a:pPr marL="0" marR="0" lvl="0" indent="0" algn="l" defTabSz="4173538" rtl="0" eaLnBrk="1" fontAlgn="base" latinLnBrk="0" hangingPunct="1">
+                        <a:lnSpc>
+                          <a:spcPct val="100000"/>
+                        </a:lnSpc>
+                        <a:spcBef>
+                          <a:spcPct val="20000"/>
+                        </a:spcBef>
+                        <a:spcAft>
+                          <a:spcPct val="0"/>
+                        </a:spcAft>
+                        <a:buClrTx/>
+                        <a:buSzTx/>
+                        <a:buFontTx/>
+                        <a:buNone/>
+                        <a:tabLst/>
+                      </a:pPr>
+                      <a:endParaRPr kumimoji="0" lang="en-GB" sz="2400" b="0" i="0" u="none" strike="noStrike" kern="0" cap="none" normalizeH="0" baseline="0" dirty="0" smtClean="0">
+                        <a:ln>
+                          <a:noFill/>
+                        </a:ln>
+                        <a:solidFill>
+                          <a:schemeClr val="tx1"/>
+                        </a:solidFill>
+                        <a:effectLst/>
+                        <a:latin typeface="Arial" pitchFamily="34" charset="0"/>
+                        <a:cs typeface="Arial" pitchFamily="34" charset="0"/>
+                      </a:endParaRPr>
+                    </a:p>
+                    <a:p>
+                      <a:pPr marL="0" marR="0" lvl="0" indent="0" algn="l" defTabSz="4173538" rtl="0" eaLnBrk="1" fontAlgn="base" latinLnBrk="0" hangingPunct="1">
+                        <a:lnSpc>
+                          <a:spcPct val="100000"/>
+                        </a:lnSpc>
+                        <a:spcBef>
+                          <a:spcPct val="20000"/>
+                        </a:spcBef>
+                        <a:spcAft>
+                          <a:spcPct val="0"/>
+                        </a:spcAft>
+                        <a:buClrTx/>
+                        <a:buSzTx/>
+                        <a:buFontTx/>
+                        <a:buNone/>
+                        <a:tabLst/>
+                      </a:pPr>
+                      <a:endParaRPr kumimoji="0" lang="en-GB" sz="2400" b="0" i="0" u="none" strike="noStrike" kern="0" cap="none" normalizeH="0" baseline="0" dirty="0" smtClean="0">
+                        <a:ln>
+                          <a:noFill/>
+                        </a:ln>
+                        <a:solidFill>
+                          <a:schemeClr val="tx1"/>
+                        </a:solidFill>
+                        <a:effectLst/>
+                        <a:latin typeface="Arial" pitchFamily="34" charset="0"/>
+                        <a:cs typeface="Arial" pitchFamily="34" charset="0"/>
+                      </a:endParaRPr>
+                    </a:p>
+                    <a:p>
+                      <a:pPr marL="0" marR="0" lvl="0" indent="0" algn="l" defTabSz="4173538" rtl="0" eaLnBrk="1" fontAlgn="base" latinLnBrk="0" hangingPunct="1">
+                        <a:lnSpc>
+                          <a:spcPct val="100000"/>
+                        </a:lnSpc>
+                        <a:spcBef>
+                          <a:spcPct val="20000"/>
+                        </a:spcBef>
+                        <a:spcAft>
+                          <a:spcPct val="0"/>
+                        </a:spcAft>
+                        <a:buClrTx/>
+                        <a:buSzTx/>
+                        <a:buFontTx/>
+                        <a:buNone/>
+                        <a:tabLst/>
+                      </a:pPr>
+                      <a:endParaRPr kumimoji="0" lang="en-GB" sz="2400" b="0" i="0" u="none" strike="noStrike" kern="0" cap="none" normalizeH="0" baseline="0" dirty="0" smtClean="0">
+                        <a:ln>
+                          <a:noFill/>
+                        </a:ln>
+                        <a:solidFill>
+                          <a:schemeClr val="tx1"/>
+                        </a:solidFill>
+                        <a:effectLst/>
+                        <a:latin typeface="Arial" pitchFamily="34" charset="0"/>
+                        <a:cs typeface="Arial" pitchFamily="34" charset="0"/>
+                      </a:endParaRPr>
+                    </a:p>
+                    <a:p>
+                      <a:pPr marL="0" marR="0" lvl="0" indent="0" algn="l" defTabSz="4173538" rtl="0" eaLnBrk="1" fontAlgn="base" latinLnBrk="0" hangingPunct="1">
+                        <a:lnSpc>
+                          <a:spcPct val="100000"/>
+                        </a:lnSpc>
+                        <a:spcBef>
+                          <a:spcPct val="20000"/>
+                        </a:spcBef>
+                        <a:spcAft>
+                          <a:spcPct val="0"/>
+                        </a:spcAft>
+                        <a:buClrTx/>
+                        <a:buSzTx/>
+                        <a:buFontTx/>
+                        <a:buNone/>
+                        <a:tabLst/>
+                      </a:pPr>
+                      <a:endParaRPr kumimoji="0" lang="en-GB" sz="2400" b="0" i="0" u="none" strike="noStrike" kern="0" cap="none" normalizeH="0" baseline="0" dirty="0" smtClean="0">
+                        <a:ln>
+                          <a:noFill/>
+                        </a:ln>
+                        <a:solidFill>
+                          <a:schemeClr val="tx1"/>
+                        </a:solidFill>
+                        <a:effectLst/>
+                        <a:latin typeface="Arial" pitchFamily="34" charset="0"/>
+                        <a:cs typeface="Arial" pitchFamily="34" charset="0"/>
+                      </a:endParaRPr>
+                    </a:p>
+                    <a:p>
+                      <a:pPr marL="0" marR="0" lvl="0" indent="0" algn="l" defTabSz="4173538" rtl="0" eaLnBrk="1" fontAlgn="base" latinLnBrk="0" hangingPunct="1">
+                        <a:lnSpc>
+                          <a:spcPct val="100000"/>
+                        </a:lnSpc>
+                        <a:spcBef>
+                          <a:spcPct val="20000"/>
+                        </a:spcBef>
+                        <a:spcAft>
+                          <a:spcPct val="0"/>
+                        </a:spcAft>
+                        <a:buClrTx/>
+                        <a:buSzTx/>
+                        <a:buFontTx/>
+                        <a:buNone/>
+                        <a:tabLst/>
+                      </a:pPr>
+                      <a:r>
+                        <a:rPr kumimoji="0" lang="en-GB" sz="2400" b="0" i="0" u="none" strike="noStrike" kern="0" cap="none" normalizeH="0" baseline="0" dirty="0" smtClean="0">
+                          <a:ln>
+                            <a:noFill/>
+                          </a:ln>
+                          <a:solidFill>
+                            <a:schemeClr val="tx1"/>
+                          </a:solidFill>
+                          <a:effectLst/>
+                          <a:latin typeface="Arial" pitchFamily="34" charset="0"/>
+                          <a:cs typeface="Arial" pitchFamily="34" charset="0"/>
+                        </a:rPr>
+                        <a:t>At an early stage of this project, a student, not otherwise familiar with the Mantid code, was able to create the first set of Muon fitting functions. This library of functions was further tested by members of the </a:t>
+                      </a:r>
+                      <a:r>
+                        <a:rPr kumimoji="0" lang="en-GB" sz="2400" b="0" i="0" u="none" strike="noStrike" kern="0" cap="none" normalizeH="0" baseline="0" dirty="0" err="1" smtClean="0">
+                          <a:ln>
+                            <a:noFill/>
+                          </a:ln>
+                          <a:solidFill>
+                            <a:schemeClr val="tx1"/>
+                          </a:solidFill>
+                          <a:effectLst/>
+                          <a:latin typeface="Arial" pitchFamily="34" charset="0"/>
+                          <a:cs typeface="Arial" pitchFamily="34" charset="0"/>
+                        </a:rPr>
+                        <a:t>muon</a:t>
+                      </a:r>
+                      <a:r>
+                        <a:rPr kumimoji="0" lang="en-GB" sz="2400" b="0" i="0" u="none" strike="noStrike" kern="0" cap="none" normalizeH="0" baseline="0" dirty="0" smtClean="0">
+                          <a:ln>
+                            <a:noFill/>
+                          </a:ln>
+                          <a:solidFill>
+                            <a:schemeClr val="tx1"/>
+                          </a:solidFill>
+                          <a:effectLst/>
+                          <a:latin typeface="Arial" pitchFamily="34" charset="0"/>
+                          <a:cs typeface="Arial" pitchFamily="34" charset="0"/>
+                        </a:rPr>
+                        <a:t> group, and then added to the Mantid code base together with unit tests. </a:t>
+                      </a:r>
+                    </a:p>
+                  </a:txBody>
+                  <a:tcPr horzOverflow="overflow">
+                    <a:lnL cap="flat">
+                      <a:noFill/>
+                    </a:lnL>
+                    <a:lnR>
+                      <a:noFill/>
+                    </a:lnR>
+                    <a:lnT cap="flat">
+                      <a:noFill/>
+                    </a:lnT>
+                    <a:lnB cap="flat">
+                      <a:noFill/>
+                    </a:lnB>
+                    <a:lnTlToBr>
+                      <a:noFill/>
+                    </a:lnTlToBr>
+                    <a:lnBlToTr>
+                      <a:noFill/>
+                    </a:lnBlToTr>
+                    <a:noFill/>
+                  </a:tcPr>
+                </a:tc>
+                <a:tc>
+                  <a:txBody>
+                    <a:bodyPr/>
+                    <a:lstStyle/>
+                    <a:p>
+                      <a:pPr marL="0" marR="0" lvl="0" indent="0" algn="l" defTabSz="4173538" rtl="0" eaLnBrk="1" fontAlgn="base" latinLnBrk="0" hangingPunct="1">
+                        <a:lnSpc>
+                          <a:spcPct val="100000"/>
+                        </a:lnSpc>
+                        <a:spcBef>
+                          <a:spcPct val="20000"/>
+                        </a:spcBef>
+                        <a:spcAft>
+                          <a:spcPct val="0"/>
+                        </a:spcAft>
+                        <a:buClrTx/>
+                        <a:buSzTx/>
+                        <a:buFontTx/>
+                        <a:buNone/>
+                        <a:tabLst/>
+                      </a:pPr>
+                      <a:r>
+                        <a:rPr kumimoji="0" lang="en-US" sz="5000" b="0" i="0" u="none" strike="noStrike" kern="0" cap="none" normalizeH="0" baseline="0" dirty="0" smtClean="0">
+                          <a:ln>
+                            <a:noFill/>
+                          </a:ln>
+                          <a:solidFill>
+                            <a:srgbClr val="002D55"/>
+                          </a:solidFill>
+                          <a:effectLst/>
                           <a:latin typeface="Corisande" pitchFamily="2" charset="0"/>
                         </a:rPr>
-                        <a:t>In action</a:t>
+                        <a:t>The User Interface</a:t>
+                      </a:r>
+                    </a:p>
+                    <a:p>
+                      <a:pPr marL="0" marR="0" lvl="0" indent="0" algn="l" defTabSz="4173538" rtl="0" eaLnBrk="1" fontAlgn="base" latinLnBrk="0" hangingPunct="1">
+                        <a:lnSpc>
+                          <a:spcPct val="100000"/>
+                        </a:lnSpc>
+                        <a:spcBef>
+                          <a:spcPct val="20000"/>
+                        </a:spcBef>
+                        <a:spcAft>
+                          <a:spcPct val="0"/>
+                        </a:spcAft>
+                        <a:buClrTx/>
+                        <a:buSzTx/>
+                        <a:buFontTx/>
+                        <a:buNone/>
+                        <a:tabLst/>
+                        <a:defRPr/>
+                      </a:pPr>
+                      <a:r>
+                        <a:rPr kumimoji="0" lang="en-GB" sz="2400" b="0" i="0" u="none" strike="noStrike" kern="0" cap="none" normalizeH="0" baseline="0" dirty="0" smtClean="0">
+                          <a:ln>
+                            <a:noFill/>
+                          </a:ln>
+                          <a:solidFill>
+                            <a:schemeClr val="tx1"/>
+                          </a:solidFill>
+                          <a:effectLst/>
+                          <a:latin typeface="Arial" pitchFamily="34" charset="0"/>
+                          <a:cs typeface="Arial" pitchFamily="34" charset="0"/>
+                        </a:rPr>
+                        <a:t>The Muon user interface is the gateway to Mantid analysis on the Muon </a:t>
+                      </a:r>
+                      <a:r>
+                        <a:rPr kumimoji="0" lang="en-GB" sz="2400" b="0" i="0" u="none" strike="noStrike" kern="0" cap="none" normalizeH="0" baseline="0" dirty="0" err="1" smtClean="0">
+                          <a:ln>
+                            <a:noFill/>
+                          </a:ln>
+                          <a:solidFill>
+                            <a:schemeClr val="tx1"/>
+                          </a:solidFill>
+                          <a:effectLst/>
+                          <a:latin typeface="Arial" pitchFamily="34" charset="0"/>
+                          <a:cs typeface="Arial" pitchFamily="34" charset="0"/>
+                        </a:rPr>
+                        <a:t>beamlines</a:t>
+                      </a:r>
+                      <a:r>
+                        <a:rPr kumimoji="0" lang="en-GB" sz="2400" b="0" i="0" u="none" strike="noStrike" kern="0" cap="none" normalizeH="0" baseline="0" dirty="0" smtClean="0">
+                          <a:ln>
+                            <a:noFill/>
+                          </a:ln>
+                          <a:solidFill>
+                            <a:schemeClr val="tx1"/>
+                          </a:solidFill>
+                          <a:effectLst/>
+                          <a:latin typeface="Arial" pitchFamily="34" charset="0"/>
+                          <a:cs typeface="Arial" pitchFamily="34" charset="0"/>
+                        </a:rPr>
+                        <a:t>. </a:t>
+                      </a:r>
+                    </a:p>
+                    <a:p>
+                      <a:pPr marL="0" marR="0" lvl="0" indent="0" algn="l" defTabSz="4173538" rtl="0" eaLnBrk="1" fontAlgn="base" latinLnBrk="0" hangingPunct="1">
+                        <a:lnSpc>
+                          <a:spcPct val="100000"/>
+                        </a:lnSpc>
+                        <a:spcBef>
+                          <a:spcPct val="20000"/>
+                        </a:spcBef>
+                        <a:spcAft>
+                          <a:spcPct val="0"/>
+                        </a:spcAft>
+                        <a:buClrTx/>
+                        <a:buSzTx/>
+                        <a:buFontTx/>
+                        <a:buNone/>
+                        <a:tabLst/>
+                        <a:defRPr/>
+                      </a:pPr>
+                      <a:endParaRPr kumimoji="0" lang="en-GB" sz="2400" b="0" i="0" u="none" strike="noStrike" kern="0" cap="none" normalizeH="0" baseline="0" dirty="0" smtClean="0">
+                        <a:ln>
+                          <a:noFill/>
+                        </a:ln>
+                        <a:solidFill>
+                          <a:schemeClr val="tx1"/>
+                        </a:solidFill>
+                        <a:effectLst/>
+                        <a:latin typeface="Arial" pitchFamily="34" charset="0"/>
+                        <a:cs typeface="Arial" pitchFamily="34" charset="0"/>
+                      </a:endParaRPr>
+                    </a:p>
+                    <a:p>
+                      <a:pPr marL="0" marR="0" lvl="0" indent="0" algn="l" defTabSz="4173538" rtl="0" eaLnBrk="1" fontAlgn="base" latinLnBrk="0" hangingPunct="1">
+                        <a:lnSpc>
+                          <a:spcPct val="100000"/>
+                        </a:lnSpc>
+                        <a:spcBef>
+                          <a:spcPct val="20000"/>
+                        </a:spcBef>
+                        <a:spcAft>
+                          <a:spcPct val="0"/>
+                        </a:spcAft>
+                        <a:buClrTx/>
+                        <a:buSzTx/>
+                        <a:buFontTx/>
+                        <a:buNone/>
+                        <a:tabLst/>
+                        <a:defRPr/>
+                      </a:pPr>
+                      <a:r>
+                        <a:rPr kumimoji="0" lang="en-GB" sz="2400" b="0" i="0" u="none" strike="noStrike" kern="0" cap="none" normalizeH="0" baseline="0" dirty="0" smtClean="0">
+                          <a:ln>
+                            <a:noFill/>
+                          </a:ln>
+                          <a:solidFill>
+                            <a:schemeClr val="tx1"/>
+                          </a:solidFill>
+                          <a:effectLst/>
+                          <a:latin typeface="Arial" pitchFamily="34" charset="0"/>
+                          <a:cs typeface="Arial" pitchFamily="34" charset="0"/>
+                        </a:rPr>
+                        <a:t>As shown below it is launched from within </a:t>
+                      </a:r>
+                      <a:r>
+                        <a:rPr kumimoji="0" lang="en-GB" sz="2400" b="0" i="0" u="none" strike="noStrike" kern="0" cap="none" normalizeH="0" baseline="0" dirty="0" err="1" smtClean="0">
+                          <a:ln>
+                            <a:noFill/>
+                          </a:ln>
+                          <a:solidFill>
+                            <a:schemeClr val="tx1"/>
+                          </a:solidFill>
+                          <a:effectLst/>
+                          <a:latin typeface="Arial" pitchFamily="34" charset="0"/>
+                          <a:cs typeface="Arial" pitchFamily="34" charset="0"/>
+                        </a:rPr>
+                        <a:t>MantidPlot</a:t>
+                      </a:r>
+                      <a:r>
+                        <a:rPr kumimoji="0" lang="en-GB" sz="2400" b="0" i="0" u="none" strike="noStrike" kern="0" cap="none" normalizeH="0" baseline="0" dirty="0" smtClean="0">
+                          <a:ln>
+                            <a:noFill/>
+                          </a:ln>
+                          <a:solidFill>
+                            <a:schemeClr val="tx1"/>
+                          </a:solidFill>
+                          <a:effectLst/>
+                          <a:latin typeface="Arial" pitchFamily="34" charset="0"/>
+                          <a:cs typeface="Arial" pitchFamily="34" charset="0"/>
+                        </a:rPr>
+                        <a:t>, and once launched many important </a:t>
+                      </a:r>
+                      <a:r>
+                        <a:rPr kumimoji="0" lang="en-GB" sz="2400" b="0" i="0" u="none" strike="noStrike" kern="0" cap="none" normalizeH="0" baseline="0" dirty="0" err="1" smtClean="0">
+                          <a:ln>
+                            <a:noFill/>
+                          </a:ln>
+                          <a:solidFill>
+                            <a:schemeClr val="tx1"/>
+                          </a:solidFill>
+                          <a:effectLst/>
+                          <a:latin typeface="Arial" pitchFamily="34" charset="0"/>
+                          <a:cs typeface="Arial" pitchFamily="34" charset="0"/>
+                        </a:rPr>
+                        <a:t>muon</a:t>
+                      </a:r>
+                      <a:r>
+                        <a:rPr kumimoji="0" lang="en-GB" sz="2400" b="0" i="0" u="none" strike="noStrike" kern="0" cap="none" normalizeH="0" baseline="0" dirty="0" smtClean="0">
+                          <a:ln>
+                            <a:noFill/>
+                          </a:ln>
+                          <a:solidFill>
+                            <a:schemeClr val="tx1"/>
+                          </a:solidFill>
+                          <a:effectLst/>
+                          <a:latin typeface="Arial" pitchFamily="34" charset="0"/>
+                          <a:cs typeface="Arial" pitchFamily="34" charset="0"/>
+                        </a:rPr>
+                        <a:t> data analysis </a:t>
+                      </a:r>
+                      <a:r>
+                        <a:rPr kumimoji="0" lang="en-GB" sz="2400" b="0" i="0" u="none" strike="noStrike" kern="0" cap="none" normalizeH="0" baseline="0" dirty="0" smtClean="0">
+                          <a:ln>
+                            <a:noFill/>
+                          </a:ln>
+                          <a:solidFill>
+                            <a:schemeClr val="tx1"/>
+                          </a:solidFill>
+                          <a:effectLst/>
+                          <a:latin typeface="Arial" pitchFamily="34" charset="0"/>
+                          <a:cs typeface="Arial" pitchFamily="34" charset="0"/>
+                        </a:rPr>
+                        <a:t>tasks </a:t>
+                      </a:r>
+                      <a:r>
+                        <a:rPr kumimoji="0" lang="en-GB" sz="2400" b="0" i="0" u="none" strike="noStrike" kern="0" cap="none" normalizeH="0" baseline="0" dirty="0" smtClean="0">
+                          <a:ln>
+                            <a:noFill/>
+                          </a:ln>
+                          <a:solidFill>
+                            <a:schemeClr val="tx1"/>
+                          </a:solidFill>
+                          <a:effectLst/>
+                          <a:latin typeface="Arial" pitchFamily="34" charset="0"/>
+                          <a:cs typeface="Arial" pitchFamily="34" charset="0"/>
+                        </a:rPr>
+                        <a:t>can be performed entirely from within this interface. </a:t>
                       </a:r>
                     </a:p>
                     <a:p>
@@ -4250,17 +5779,20 @@
                         <a:tabLst/>
                         <a:defRPr/>
                       </a:pPr>
-                      <a:endParaRPr kumimoji="0" lang="en-GB" sz="2400" b="0" i="0" u="none" strike="noStrike" kern="0" cap="none" normalizeH="0" baseline="0" dirty="0" smtClean="0">
-                        <a:ln>
-                          <a:noFill/>
-                        </a:ln>
-                        <a:solidFill>
-                          <a:schemeClr val="tx1"/>
-                        </a:solidFill>
-                        <a:effectLst/>
-                        <a:latin typeface="Arial" pitchFamily="34" charset="0"/>
-                        <a:cs typeface="Arial" pitchFamily="34" charset="0"/>
-                      </a:endParaRPr>
+                      <a:r>
+                        <a:rPr kumimoji="0" lang="en-GB" sz="2400" b="0" i="0" u="none" strike="noStrike" kern="0" cap="none" normalizeH="0" baseline="0" dirty="0" smtClean="0">
+                          <a:ln>
+                            <a:noFill/>
+                          </a:ln>
+                          <a:solidFill>
+                            <a:schemeClr val="tx1"/>
+                          </a:solidFill>
+                          <a:effectLst/>
+                          <a:latin typeface="Arial" pitchFamily="34" charset="0"/>
+                          <a:cs typeface="Arial" pitchFamily="34" charset="0"/>
+                        </a:rPr>
+                        <a:t>Important tasks allowed by the user interface:</a:t>
+                      </a:r>
                     </a:p>
                     <a:p>
                       <a:pPr marL="0" marR="0" lvl="0" indent="0" algn="l" defTabSz="4173538" rtl="0" eaLnBrk="1" fontAlgn="base" latinLnBrk="0" hangingPunct="1">
@@ -4382,1340 +5914,6 @@
                     </a:p>
                   </a:txBody>
                   <a:tcPr horzOverflow="overflow">
-                    <a:lnL cap="flat">
-                      <a:noFill/>
-                    </a:lnL>
-                    <a:lnR>
-                      <a:noFill/>
-                    </a:lnR>
-                    <a:lnT cap="flat">
-                      <a:noFill/>
-                    </a:lnT>
-                    <a:lnB cap="flat">
-                      <a:noFill/>
-                    </a:lnB>
-                    <a:lnTlToBr>
-                      <a:noFill/>
-                    </a:lnTlToBr>
-                    <a:lnBlToTr>
-                      <a:noFill/>
-                    </a:lnBlToTr>
-                    <a:noFill/>
-                  </a:tcPr>
-                </a:tc>
-                <a:tc>
-                  <a:txBody>
-                    <a:bodyPr/>
-                    <a:lstStyle/>
-                    <a:p>
-                      <a:pPr marL="0" marR="0" lvl="0" indent="0" algn="l" defTabSz="4173538" rtl="0" eaLnBrk="1" fontAlgn="base" latinLnBrk="0" hangingPunct="1">
-                        <a:lnSpc>
-                          <a:spcPct val="100000"/>
-                        </a:lnSpc>
-                        <a:spcBef>
-                          <a:spcPct val="20000"/>
-                        </a:spcBef>
-                        <a:spcAft>
-                          <a:spcPct val="0"/>
-                        </a:spcAft>
-                        <a:buClrTx/>
-                        <a:buSzTx/>
-                        <a:buFontTx/>
-                        <a:buNone/>
-                        <a:tabLst/>
-                        <a:defRPr/>
-                      </a:pPr>
-                      <a:r>
-                        <a:rPr kumimoji="0" lang="en-US" sz="5000" b="0" i="0" u="none" strike="noStrike" kern="0" cap="none" normalizeH="0" baseline="0" dirty="0" smtClean="0">
-                          <a:ln>
-                            <a:noFill/>
-                          </a:ln>
-                          <a:solidFill>
-                            <a:srgbClr val="002D55"/>
-                          </a:solidFill>
-                          <a:effectLst/>
-                          <a:latin typeface="+mj-lt"/>
-                          <a:cs typeface="Arial" pitchFamily="34" charset="0"/>
-                        </a:rPr>
-                        <a:t>Scripting</a:t>
-                      </a:r>
-                      <a:endParaRPr kumimoji="0" lang="en-US" sz="5000" b="0" i="0" u="none" strike="noStrike" kern="0" cap="none" normalizeH="0" baseline="0" dirty="0" smtClean="0">
-                        <a:ln>
-                          <a:noFill/>
-                        </a:ln>
-                        <a:solidFill>
-                          <a:srgbClr val="002D55"/>
-                        </a:solidFill>
-                        <a:effectLst/>
-                        <a:latin typeface="+mj-lt"/>
-                        <a:cs typeface="Arial" pitchFamily="34" charset="0"/>
-                      </a:endParaRPr>
-                    </a:p>
-                    <a:p>
-                      <a:pPr marL="0" marR="0" lvl="0" indent="0" algn="l" defTabSz="4173538" rtl="0" eaLnBrk="1" fontAlgn="base" latinLnBrk="0" hangingPunct="1">
-                        <a:lnSpc>
-                          <a:spcPct val="100000"/>
-                        </a:lnSpc>
-                        <a:spcBef>
-                          <a:spcPct val="20000"/>
-                        </a:spcBef>
-                        <a:spcAft>
-                          <a:spcPct val="0"/>
-                        </a:spcAft>
-                        <a:buClrTx/>
-                        <a:buSzTx/>
-                        <a:buFontTx/>
-                        <a:buNone/>
-                        <a:tabLst/>
-                        <a:defRPr/>
-                      </a:pPr>
-                      <a:r>
-                        <a:rPr kumimoji="0" lang="en-GB" sz="2400" b="0" i="0" u="none" strike="noStrike" kern="0" cap="none" normalizeH="0" baseline="0" dirty="0" smtClean="0">
-                          <a:ln>
-                            <a:noFill/>
-                          </a:ln>
-                          <a:solidFill>
-                            <a:schemeClr val="tx1"/>
-                          </a:solidFill>
-                          <a:effectLst/>
-                          <a:latin typeface="Arial" pitchFamily="34" charset="0"/>
-                          <a:cs typeface="Arial" pitchFamily="34" charset="0"/>
-                        </a:rPr>
-                        <a:t>The visual interface makes calls to Mantid algorithms that are designed and coded to perform specific tasks within the workflow associated with analysing </a:t>
-                      </a:r>
-                      <a:r>
-                        <a:rPr kumimoji="0" lang="en-GB" sz="2400" b="0" i="0" u="none" strike="noStrike" kern="0" cap="none" normalizeH="0" baseline="0" dirty="0" err="1" smtClean="0">
-                          <a:ln>
-                            <a:noFill/>
-                          </a:ln>
-                          <a:solidFill>
-                            <a:schemeClr val="tx1"/>
-                          </a:solidFill>
-                          <a:effectLst/>
-                          <a:latin typeface="Arial" pitchFamily="34" charset="0"/>
-                          <a:cs typeface="Arial" pitchFamily="34" charset="0"/>
-                        </a:rPr>
-                        <a:t>muon</a:t>
-                      </a:r>
-                      <a:r>
-                        <a:rPr kumimoji="0" lang="en-GB" sz="2400" b="0" i="0" u="none" strike="noStrike" kern="0" cap="none" normalizeH="0" baseline="0" dirty="0" smtClean="0">
-                          <a:ln>
-                            <a:noFill/>
-                          </a:ln>
-                          <a:solidFill>
-                            <a:schemeClr val="tx1"/>
-                          </a:solidFill>
-                          <a:effectLst/>
-                          <a:latin typeface="Arial" pitchFamily="34" charset="0"/>
-                          <a:cs typeface="Arial" pitchFamily="34" charset="0"/>
-                        </a:rPr>
-                        <a:t> data. These include applying </a:t>
-                      </a:r>
-                      <a:r>
-                        <a:rPr kumimoji="0" lang="en-GB" sz="2400" b="0" i="0" u="none" strike="noStrike" kern="0" cap="none" normalizeH="0" baseline="0" dirty="0" err="1" smtClean="0">
-                          <a:ln>
-                            <a:noFill/>
-                          </a:ln>
-                          <a:solidFill>
-                            <a:schemeClr val="tx1"/>
-                          </a:solidFill>
-                          <a:effectLst/>
-                          <a:latin typeface="Arial" pitchFamily="34" charset="0"/>
-                          <a:cs typeface="Arial" pitchFamily="34" charset="0"/>
-                        </a:rPr>
-                        <a:t>deadtime</a:t>
-                      </a:r>
-                      <a:r>
-                        <a:rPr kumimoji="0" lang="en-GB" sz="2400" b="0" i="0" u="none" strike="noStrike" kern="0" cap="none" normalizeH="0" baseline="0" dirty="0" smtClean="0">
-                          <a:ln>
-                            <a:noFill/>
-                          </a:ln>
-                          <a:solidFill>
-                            <a:schemeClr val="tx1"/>
-                          </a:solidFill>
-                          <a:effectLst/>
-                          <a:latin typeface="Arial" pitchFamily="34" charset="0"/>
-                          <a:cs typeface="Arial" pitchFamily="34" charset="0"/>
-                        </a:rPr>
-                        <a:t> correction to the data, calculating asymmetry plots and data fitting with </a:t>
-                      </a:r>
-                      <a:r>
-                        <a:rPr kumimoji="0" lang="en-GB" sz="2400" b="0" i="0" u="none" strike="noStrike" kern="0" cap="none" normalizeH="0" baseline="0" dirty="0" err="1" smtClean="0">
-                          <a:ln>
-                            <a:noFill/>
-                          </a:ln>
-                          <a:solidFill>
-                            <a:schemeClr val="tx1"/>
-                          </a:solidFill>
-                          <a:effectLst/>
-                          <a:latin typeface="Arial" pitchFamily="34" charset="0"/>
-                          <a:cs typeface="Arial" pitchFamily="34" charset="0"/>
-                        </a:rPr>
-                        <a:t>muon</a:t>
-                      </a:r>
-                      <a:r>
-                        <a:rPr kumimoji="0" lang="en-GB" sz="2400" b="0" i="0" u="none" strike="noStrike" kern="0" cap="none" normalizeH="0" baseline="0" dirty="0" smtClean="0">
-                          <a:ln>
-                            <a:noFill/>
-                          </a:ln>
-                          <a:solidFill>
-                            <a:schemeClr val="tx1"/>
-                          </a:solidFill>
-                          <a:effectLst/>
-                          <a:latin typeface="Arial" pitchFamily="34" charset="0"/>
-                          <a:cs typeface="Arial" pitchFamily="34" charset="0"/>
-                        </a:rPr>
-                        <a:t> specific functions. </a:t>
-                      </a:r>
-                    </a:p>
-                    <a:p>
-                      <a:pPr marL="0" marR="0" lvl="0" indent="0" algn="l" defTabSz="4173538" rtl="0" eaLnBrk="1" fontAlgn="base" latinLnBrk="0" hangingPunct="1">
-                        <a:lnSpc>
-                          <a:spcPct val="100000"/>
-                        </a:lnSpc>
-                        <a:spcBef>
-                          <a:spcPct val="20000"/>
-                        </a:spcBef>
-                        <a:spcAft>
-                          <a:spcPct val="0"/>
-                        </a:spcAft>
-                        <a:buClrTx/>
-                        <a:buSzTx/>
-                        <a:buFontTx/>
-                        <a:buNone/>
-                        <a:tabLst/>
-                        <a:defRPr/>
-                      </a:pPr>
-                      <a:endParaRPr kumimoji="0" lang="en-GB" sz="2400" b="0" i="0" u="none" strike="noStrike" kern="0" cap="none" normalizeH="0" baseline="0" dirty="0" smtClean="0">
-                        <a:ln>
-                          <a:noFill/>
-                        </a:ln>
-                        <a:solidFill>
-                          <a:schemeClr val="tx1"/>
-                        </a:solidFill>
-                        <a:effectLst/>
-                        <a:latin typeface="Arial" pitchFamily="34" charset="0"/>
-                        <a:cs typeface="Arial" pitchFamily="34" charset="0"/>
-                      </a:endParaRPr>
-                    </a:p>
-                    <a:p>
-                      <a:pPr marL="0" marR="0" lvl="0" indent="0" algn="l" defTabSz="4173538" rtl="0" eaLnBrk="1" fontAlgn="base" latinLnBrk="0" hangingPunct="1">
-                        <a:lnSpc>
-                          <a:spcPct val="100000"/>
-                        </a:lnSpc>
-                        <a:spcBef>
-                          <a:spcPct val="20000"/>
-                        </a:spcBef>
-                        <a:spcAft>
-                          <a:spcPct val="0"/>
-                        </a:spcAft>
-                        <a:buClrTx/>
-                        <a:buSzTx/>
-                        <a:buFontTx/>
-                        <a:buNone/>
-                        <a:tabLst/>
-                        <a:defRPr/>
-                      </a:pPr>
-                      <a:r>
-                        <a:rPr kumimoji="0" lang="en-GB" sz="2400" b="0" i="0" u="none" strike="noStrike" kern="0" cap="none" normalizeH="0" baseline="0" dirty="0" smtClean="0">
-                          <a:ln>
-                            <a:noFill/>
-                          </a:ln>
-                          <a:solidFill>
-                            <a:schemeClr val="tx1"/>
-                          </a:solidFill>
-                          <a:effectLst/>
-                          <a:latin typeface="Arial" pitchFamily="34" charset="0"/>
-                          <a:cs typeface="Arial" pitchFamily="34" charset="0"/>
-                        </a:rPr>
-                        <a:t>All algorithms are available from the Mantid Python scripting interface, enabling users to carry out automated data reduction and to build customised analysis tools for specialised experiments. </a:t>
-                      </a:r>
-                    </a:p>
-                    <a:p>
-                      <a:pPr marL="0" marR="0" lvl="0" indent="0" algn="l" defTabSz="4173538" rtl="0" eaLnBrk="1" fontAlgn="base" latinLnBrk="0" hangingPunct="1">
-                        <a:lnSpc>
-                          <a:spcPct val="100000"/>
-                        </a:lnSpc>
-                        <a:spcBef>
-                          <a:spcPct val="20000"/>
-                        </a:spcBef>
-                        <a:spcAft>
-                          <a:spcPct val="0"/>
-                        </a:spcAft>
-                        <a:buClrTx/>
-                        <a:buSzTx/>
-                        <a:buFontTx/>
-                        <a:buNone/>
-                        <a:tabLst/>
-                        <a:defRPr/>
-                      </a:pPr>
-                      <a:endParaRPr kumimoji="0" lang="en-GB" sz="2400" b="0" i="0" u="none" strike="noStrike" kern="0" cap="none" normalizeH="0" baseline="0" dirty="0" smtClean="0">
-                        <a:ln>
-                          <a:noFill/>
-                        </a:ln>
-                        <a:solidFill>
-                          <a:schemeClr val="tx1"/>
-                        </a:solidFill>
-                        <a:effectLst/>
-                        <a:latin typeface="Arial" pitchFamily="34" charset="0"/>
-                        <a:cs typeface="Arial" pitchFamily="34" charset="0"/>
-                      </a:endParaRPr>
-                    </a:p>
-                    <a:p>
-                      <a:pPr marL="0" marR="0" lvl="0" indent="0" algn="l" defTabSz="4173538" rtl="0" eaLnBrk="1" fontAlgn="base" latinLnBrk="0" hangingPunct="1">
-                        <a:lnSpc>
-                          <a:spcPct val="100000"/>
-                        </a:lnSpc>
-                        <a:spcBef>
-                          <a:spcPct val="20000"/>
-                        </a:spcBef>
-                        <a:spcAft>
-                          <a:spcPct val="0"/>
-                        </a:spcAft>
-                        <a:buClrTx/>
-                        <a:buSzTx/>
-                        <a:buFontTx/>
-                        <a:buNone/>
-                        <a:tabLst/>
-                        <a:defRPr/>
-                      </a:pPr>
-                      <a:r>
-                        <a:rPr kumimoji="0" lang="en-GB" sz="2400" b="0" i="0" u="none" strike="noStrike" kern="0" cap="none" normalizeH="0" baseline="0" dirty="0" smtClean="0">
-                          <a:ln>
-                            <a:noFill/>
-                          </a:ln>
-                          <a:solidFill>
-                            <a:schemeClr val="tx1"/>
-                          </a:solidFill>
-                          <a:effectLst/>
-                          <a:latin typeface="Arial" pitchFamily="34" charset="0"/>
-                          <a:cs typeface="Arial" pitchFamily="34" charset="0"/>
-                        </a:rPr>
-                        <a:t>Below is shown an example where two datasets are loaded and one of these are corrected for </a:t>
-                      </a:r>
-                      <a:r>
-                        <a:rPr kumimoji="0" lang="en-GB" sz="2400" b="0" i="0" u="none" strike="noStrike" kern="0" cap="none" normalizeH="0" baseline="0" dirty="0" err="1" smtClean="0">
-                          <a:ln>
-                            <a:noFill/>
-                          </a:ln>
-                          <a:solidFill>
-                            <a:schemeClr val="tx1"/>
-                          </a:solidFill>
-                          <a:effectLst/>
-                          <a:latin typeface="Arial" pitchFamily="34" charset="0"/>
-                          <a:cs typeface="Arial" pitchFamily="34" charset="0"/>
-                        </a:rPr>
-                        <a:t>deadtimes</a:t>
-                      </a:r>
-                      <a:r>
-                        <a:rPr kumimoji="0" lang="en-GB" sz="2400" b="0" i="0" u="none" strike="noStrike" kern="0" cap="none" normalizeH="0" baseline="0" dirty="0" smtClean="0">
-                          <a:ln>
-                            <a:noFill/>
-                          </a:ln>
-                          <a:solidFill>
-                            <a:schemeClr val="tx1"/>
-                          </a:solidFill>
-                          <a:effectLst/>
-                          <a:latin typeface="Arial" pitchFamily="34" charset="0"/>
-                          <a:cs typeface="Arial" pitchFamily="34" charset="0"/>
-                        </a:rPr>
-                        <a:t>.</a:t>
-                      </a:r>
-                    </a:p>
-                    <a:p>
-                      <a:pPr marL="0" marR="0" lvl="0" indent="0" algn="l" defTabSz="4173538" rtl="0" eaLnBrk="1" fontAlgn="base" latinLnBrk="0" hangingPunct="1">
-                        <a:lnSpc>
-                          <a:spcPct val="100000"/>
-                        </a:lnSpc>
-                        <a:spcBef>
-                          <a:spcPct val="20000"/>
-                        </a:spcBef>
-                        <a:spcAft>
-                          <a:spcPct val="0"/>
-                        </a:spcAft>
-                        <a:buClrTx/>
-                        <a:buSzTx/>
-                        <a:buFontTx/>
-                        <a:buNone/>
-                        <a:tabLst/>
-                        <a:defRPr/>
-                      </a:pPr>
-                      <a:endParaRPr kumimoji="0" lang="en-GB" sz="2400" b="0" i="0" u="none" strike="noStrike" kern="0" cap="none" normalizeH="0" baseline="0" dirty="0" smtClean="0">
-                        <a:ln>
-                          <a:noFill/>
-                        </a:ln>
-                        <a:solidFill>
-                          <a:schemeClr val="tx1"/>
-                        </a:solidFill>
-                        <a:effectLst/>
-                        <a:latin typeface="Arial" pitchFamily="34" charset="0"/>
-                        <a:cs typeface="Arial" pitchFamily="34" charset="0"/>
-                      </a:endParaRPr>
-                    </a:p>
-                    <a:p>
-                      <a:pPr marL="0" marR="0" lvl="0" indent="0" algn="l" defTabSz="4173538" rtl="0" eaLnBrk="1" fontAlgn="base" latinLnBrk="0" hangingPunct="1">
-                        <a:lnSpc>
-                          <a:spcPct val="100000"/>
-                        </a:lnSpc>
-                        <a:spcBef>
-                          <a:spcPct val="20000"/>
-                        </a:spcBef>
-                        <a:spcAft>
-                          <a:spcPct val="0"/>
-                        </a:spcAft>
-                        <a:buClrTx/>
-                        <a:buSzTx/>
-                        <a:buFontTx/>
-                        <a:buNone/>
-                        <a:tabLst/>
-                        <a:defRPr/>
-                      </a:pPr>
-                      <a:endParaRPr kumimoji="0" lang="en-GB" sz="2400" b="0" i="0" u="none" strike="noStrike" kern="0" cap="none" normalizeH="0" baseline="0" dirty="0" smtClean="0">
-                        <a:ln>
-                          <a:noFill/>
-                        </a:ln>
-                        <a:solidFill>
-                          <a:schemeClr val="tx1"/>
-                        </a:solidFill>
-                        <a:effectLst/>
-                        <a:latin typeface="Arial" pitchFamily="34" charset="0"/>
-                        <a:cs typeface="Arial" pitchFamily="34" charset="0"/>
-                      </a:endParaRPr>
-                    </a:p>
-                    <a:p>
-                      <a:pPr marL="0" marR="0" lvl="0" indent="0" algn="l" defTabSz="4173538" rtl="0" eaLnBrk="1" fontAlgn="base" latinLnBrk="0" hangingPunct="1">
-                        <a:lnSpc>
-                          <a:spcPct val="100000"/>
-                        </a:lnSpc>
-                        <a:spcBef>
-                          <a:spcPct val="20000"/>
-                        </a:spcBef>
-                        <a:spcAft>
-                          <a:spcPct val="0"/>
-                        </a:spcAft>
-                        <a:buClrTx/>
-                        <a:buSzTx/>
-                        <a:buFontTx/>
-                        <a:buNone/>
-                        <a:tabLst/>
-                        <a:defRPr/>
-                      </a:pPr>
-                      <a:endParaRPr kumimoji="0" lang="en-GB" sz="2400" b="0" i="0" u="none" strike="noStrike" kern="0" cap="none" normalizeH="0" baseline="0" dirty="0" smtClean="0">
-                        <a:ln>
-                          <a:noFill/>
-                        </a:ln>
-                        <a:solidFill>
-                          <a:schemeClr val="tx1"/>
-                        </a:solidFill>
-                        <a:effectLst/>
-                        <a:latin typeface="Arial" pitchFamily="34" charset="0"/>
-                        <a:cs typeface="Arial" pitchFamily="34" charset="0"/>
-                      </a:endParaRPr>
-                    </a:p>
-                    <a:p>
-                      <a:pPr marL="0" marR="0" lvl="0" indent="0" algn="l" defTabSz="4173538" rtl="0" eaLnBrk="1" fontAlgn="base" latinLnBrk="0" hangingPunct="1">
-                        <a:lnSpc>
-                          <a:spcPct val="100000"/>
-                        </a:lnSpc>
-                        <a:spcBef>
-                          <a:spcPct val="20000"/>
-                        </a:spcBef>
-                        <a:spcAft>
-                          <a:spcPct val="0"/>
-                        </a:spcAft>
-                        <a:buClrTx/>
-                        <a:buSzTx/>
-                        <a:buFontTx/>
-                        <a:buNone/>
-                        <a:tabLst/>
-                        <a:defRPr/>
-                      </a:pPr>
-                      <a:endParaRPr kumimoji="0" lang="en-GB" sz="2400" b="0" i="0" u="none" strike="noStrike" kern="0" cap="none" normalizeH="0" baseline="0" dirty="0" smtClean="0">
-                        <a:ln>
-                          <a:noFill/>
-                        </a:ln>
-                        <a:solidFill>
-                          <a:schemeClr val="tx1"/>
-                        </a:solidFill>
-                        <a:effectLst/>
-                        <a:latin typeface="Arial" pitchFamily="34" charset="0"/>
-                        <a:cs typeface="Arial" pitchFamily="34" charset="0"/>
-                      </a:endParaRPr>
-                    </a:p>
-                    <a:p>
-                      <a:pPr marL="0" marR="0" lvl="0" indent="0" algn="l" defTabSz="4173538" rtl="0" eaLnBrk="1" fontAlgn="base" latinLnBrk="0" hangingPunct="1">
-                        <a:lnSpc>
-                          <a:spcPct val="100000"/>
-                        </a:lnSpc>
-                        <a:spcBef>
-                          <a:spcPct val="20000"/>
-                        </a:spcBef>
-                        <a:spcAft>
-                          <a:spcPct val="0"/>
-                        </a:spcAft>
-                        <a:buClrTx/>
-                        <a:buSzTx/>
-                        <a:buFontTx/>
-                        <a:buNone/>
-                        <a:tabLst/>
-                        <a:defRPr/>
-                      </a:pPr>
-                      <a:endParaRPr kumimoji="0" lang="en-GB" sz="2400" b="0" i="0" u="none" strike="noStrike" kern="0" cap="none" normalizeH="0" baseline="0" dirty="0" smtClean="0">
-                        <a:ln>
-                          <a:noFill/>
-                        </a:ln>
-                        <a:solidFill>
-                          <a:schemeClr val="tx1"/>
-                        </a:solidFill>
-                        <a:effectLst/>
-                        <a:latin typeface="Arial" pitchFamily="34" charset="0"/>
-                        <a:cs typeface="Arial" pitchFamily="34" charset="0"/>
-                      </a:endParaRPr>
-                    </a:p>
-                    <a:p>
-                      <a:pPr marL="0" marR="0" lvl="0" indent="0" algn="l" defTabSz="4173538" rtl="0" eaLnBrk="1" fontAlgn="base" latinLnBrk="0" hangingPunct="1">
-                        <a:lnSpc>
-                          <a:spcPct val="100000"/>
-                        </a:lnSpc>
-                        <a:spcBef>
-                          <a:spcPct val="20000"/>
-                        </a:spcBef>
-                        <a:spcAft>
-                          <a:spcPct val="0"/>
-                        </a:spcAft>
-                        <a:buClrTx/>
-                        <a:buSzTx/>
-                        <a:buFontTx/>
-                        <a:buNone/>
-                        <a:tabLst/>
-                        <a:defRPr/>
-                      </a:pPr>
-                      <a:endParaRPr kumimoji="0" lang="en-GB" sz="2400" b="0" i="0" u="none" strike="noStrike" kern="0" cap="none" normalizeH="0" baseline="0" dirty="0" smtClean="0">
-                        <a:ln>
-                          <a:noFill/>
-                        </a:ln>
-                        <a:solidFill>
-                          <a:schemeClr val="tx1"/>
-                        </a:solidFill>
-                        <a:effectLst/>
-                        <a:latin typeface="Arial" pitchFamily="34" charset="0"/>
-                        <a:cs typeface="Arial" pitchFamily="34" charset="0"/>
-                      </a:endParaRPr>
-                    </a:p>
-                    <a:p>
-                      <a:pPr marL="0" marR="0" lvl="0" indent="0" algn="l" defTabSz="4173538" rtl="0" eaLnBrk="1" fontAlgn="base" latinLnBrk="0" hangingPunct="1">
-                        <a:lnSpc>
-                          <a:spcPct val="100000"/>
-                        </a:lnSpc>
-                        <a:spcBef>
-                          <a:spcPct val="20000"/>
-                        </a:spcBef>
-                        <a:spcAft>
-                          <a:spcPct val="0"/>
-                        </a:spcAft>
-                        <a:buClrTx/>
-                        <a:buSzTx/>
-                        <a:buFontTx/>
-                        <a:buNone/>
-                        <a:tabLst/>
-                      </a:pPr>
-                      <a:endParaRPr kumimoji="0" lang="en-US" sz="2400" b="0" i="0" u="none" strike="noStrike" kern="0" cap="none" normalizeH="0" baseline="0" dirty="0" smtClean="0">
-                        <a:ln>
-                          <a:noFill/>
-                        </a:ln>
-                        <a:solidFill>
-                          <a:schemeClr val="tx1"/>
-                        </a:solidFill>
-                        <a:effectLst/>
-                        <a:latin typeface="Arial" pitchFamily="34" charset="0"/>
-                        <a:cs typeface="Arial" pitchFamily="34" charset="0"/>
-                      </a:endParaRPr>
-                    </a:p>
-                    <a:p>
-                      <a:pPr marL="0" marR="0" lvl="0" indent="0" algn="l" defTabSz="4173538" rtl="0" eaLnBrk="1" fontAlgn="base" latinLnBrk="0" hangingPunct="1">
-                        <a:lnSpc>
-                          <a:spcPct val="100000"/>
-                        </a:lnSpc>
-                        <a:spcBef>
-                          <a:spcPct val="20000"/>
-                        </a:spcBef>
-                        <a:spcAft>
-                          <a:spcPct val="0"/>
-                        </a:spcAft>
-                        <a:buClrTx/>
-                        <a:buSzTx/>
-                        <a:buFontTx/>
-                        <a:buNone/>
-                        <a:tabLst/>
-                      </a:pPr>
-                      <a:endParaRPr kumimoji="0" lang="en-US" sz="2400" b="0" i="0" u="none" strike="noStrike" kern="0" cap="none" normalizeH="0" baseline="0" dirty="0" smtClean="0">
-                        <a:ln>
-                          <a:noFill/>
-                        </a:ln>
-                        <a:solidFill>
-                          <a:schemeClr val="tx1"/>
-                        </a:solidFill>
-                        <a:effectLst/>
-                        <a:latin typeface="Arial" pitchFamily="34" charset="0"/>
-                        <a:cs typeface="Arial" pitchFamily="34" charset="0"/>
-                      </a:endParaRPr>
-                    </a:p>
-                    <a:p>
-                      <a:pPr marL="0" marR="0" lvl="0" indent="0" algn="l" defTabSz="4173538" rtl="0" eaLnBrk="1" fontAlgn="base" latinLnBrk="0" hangingPunct="1">
-                        <a:lnSpc>
-                          <a:spcPct val="100000"/>
-                        </a:lnSpc>
-                        <a:spcBef>
-                          <a:spcPct val="20000"/>
-                        </a:spcBef>
-                        <a:spcAft>
-                          <a:spcPct val="0"/>
-                        </a:spcAft>
-                        <a:buClrTx/>
-                        <a:buSzTx/>
-                        <a:buFontTx/>
-                        <a:buNone/>
-                        <a:tabLst/>
-                      </a:pPr>
-                      <a:endParaRPr kumimoji="0" lang="en-US" sz="2400" b="0" i="0" u="none" strike="noStrike" kern="0" cap="none" normalizeH="0" baseline="0" dirty="0" smtClean="0">
-                        <a:ln>
-                          <a:noFill/>
-                        </a:ln>
-                        <a:solidFill>
-                          <a:schemeClr val="tx1"/>
-                        </a:solidFill>
-                        <a:effectLst/>
-                        <a:latin typeface="Arial" pitchFamily="34" charset="0"/>
-                        <a:cs typeface="Arial" pitchFamily="34" charset="0"/>
-                      </a:endParaRPr>
-                    </a:p>
-                    <a:p>
-                      <a:pPr marL="0" marR="0" lvl="0" indent="0" algn="l" defTabSz="4173538" rtl="0" eaLnBrk="1" fontAlgn="base" latinLnBrk="0" hangingPunct="1">
-                        <a:lnSpc>
-                          <a:spcPct val="100000"/>
-                        </a:lnSpc>
-                        <a:spcBef>
-                          <a:spcPct val="20000"/>
-                        </a:spcBef>
-                        <a:spcAft>
-                          <a:spcPct val="0"/>
-                        </a:spcAft>
-                        <a:buClrTx/>
-                        <a:buSzTx/>
-                        <a:buFontTx/>
-                        <a:buNone/>
-                        <a:tabLst/>
-                      </a:pPr>
-                      <a:endParaRPr kumimoji="0" lang="en-US" sz="2400" b="0" i="0" u="none" strike="noStrike" kern="0" cap="none" normalizeH="0" baseline="0" dirty="0" smtClean="0">
-                        <a:ln>
-                          <a:noFill/>
-                        </a:ln>
-                        <a:solidFill>
-                          <a:schemeClr val="tx1"/>
-                        </a:solidFill>
-                        <a:effectLst/>
-                        <a:latin typeface="Arial" pitchFamily="34" charset="0"/>
-                        <a:cs typeface="Arial" pitchFamily="34" charset="0"/>
-                      </a:endParaRPr>
-                    </a:p>
-                    <a:p>
-                      <a:pPr marL="0" marR="0" lvl="0" indent="0" algn="l" defTabSz="4173538" rtl="0" eaLnBrk="1" fontAlgn="base" latinLnBrk="0" hangingPunct="1">
-                        <a:lnSpc>
-                          <a:spcPct val="100000"/>
-                        </a:lnSpc>
-                        <a:spcBef>
-                          <a:spcPct val="20000"/>
-                        </a:spcBef>
-                        <a:spcAft>
-                          <a:spcPct val="0"/>
-                        </a:spcAft>
-                        <a:buClrTx/>
-                        <a:buSzTx/>
-                        <a:buFontTx/>
-                        <a:buNone/>
-                        <a:tabLst/>
-                      </a:pPr>
-                      <a:endParaRPr kumimoji="0" lang="en-US" sz="2400" b="0" i="0" u="none" strike="noStrike" kern="0" cap="none" normalizeH="0" baseline="0" dirty="0" smtClean="0">
-                        <a:ln>
-                          <a:noFill/>
-                        </a:ln>
-                        <a:solidFill>
-                          <a:schemeClr val="tx1"/>
-                        </a:solidFill>
-                        <a:effectLst/>
-                        <a:latin typeface="Arial" pitchFamily="34" charset="0"/>
-                        <a:cs typeface="Arial" pitchFamily="34" charset="0"/>
-                      </a:endParaRPr>
-                    </a:p>
-                    <a:p>
-                      <a:pPr marL="0" marR="0" lvl="0" indent="0" algn="l" defTabSz="4173538" rtl="0" eaLnBrk="1" fontAlgn="base" latinLnBrk="0" hangingPunct="1">
-                        <a:lnSpc>
-                          <a:spcPct val="100000"/>
-                        </a:lnSpc>
-                        <a:spcBef>
-                          <a:spcPct val="20000"/>
-                        </a:spcBef>
-                        <a:spcAft>
-                          <a:spcPct val="0"/>
-                        </a:spcAft>
-                        <a:buClrTx/>
-                        <a:buSzTx/>
-                        <a:buFontTx/>
-                        <a:buNone/>
-                        <a:tabLst/>
-                      </a:pPr>
-                      <a:endParaRPr kumimoji="0" lang="en-US" sz="2400" b="0" i="0" u="none" strike="noStrike" kern="0" cap="none" normalizeH="0" baseline="0" dirty="0" smtClean="0">
-                        <a:ln>
-                          <a:noFill/>
-                        </a:ln>
-                        <a:solidFill>
-                          <a:schemeClr val="tx1"/>
-                        </a:solidFill>
-                        <a:effectLst/>
-                        <a:latin typeface="Arial" pitchFamily="34" charset="0"/>
-                        <a:cs typeface="Arial" pitchFamily="34" charset="0"/>
-                      </a:endParaRPr>
-                    </a:p>
-                    <a:p>
-                      <a:pPr marL="0" marR="0" lvl="0" indent="0" algn="l" defTabSz="4173538" rtl="0" eaLnBrk="1" fontAlgn="base" latinLnBrk="0" hangingPunct="1">
-                        <a:lnSpc>
-                          <a:spcPct val="100000"/>
-                        </a:lnSpc>
-                        <a:spcBef>
-                          <a:spcPct val="20000"/>
-                        </a:spcBef>
-                        <a:spcAft>
-                          <a:spcPct val="0"/>
-                        </a:spcAft>
-                        <a:buClrTx/>
-                        <a:buSzTx/>
-                        <a:buFontTx/>
-                        <a:buNone/>
-                        <a:tabLst/>
-                      </a:pPr>
-                      <a:endParaRPr kumimoji="0" lang="en-US" sz="2400" b="0" i="0" u="none" strike="noStrike" kern="0" cap="none" normalizeH="0" baseline="0" dirty="0" smtClean="0">
-                        <a:ln>
-                          <a:noFill/>
-                        </a:ln>
-                        <a:solidFill>
-                          <a:schemeClr val="tx1"/>
-                        </a:solidFill>
-                        <a:effectLst/>
-                        <a:latin typeface="Arial" pitchFamily="34" charset="0"/>
-                        <a:cs typeface="Arial" pitchFamily="34" charset="0"/>
-                      </a:endParaRPr>
-                    </a:p>
-                    <a:p>
-                      <a:pPr marL="0" marR="0" lvl="0" indent="0" algn="l" defTabSz="4173538" rtl="0" eaLnBrk="1" fontAlgn="base" latinLnBrk="0" hangingPunct="1">
-                        <a:lnSpc>
-                          <a:spcPct val="100000"/>
-                        </a:lnSpc>
-                        <a:spcBef>
-                          <a:spcPct val="20000"/>
-                        </a:spcBef>
-                        <a:spcAft>
-                          <a:spcPct val="0"/>
-                        </a:spcAft>
-                        <a:buClrTx/>
-                        <a:buSzTx/>
-                        <a:buFontTx/>
-                        <a:buNone/>
-                        <a:tabLst/>
-                      </a:pPr>
-                      <a:endParaRPr kumimoji="0" lang="en-US" sz="2400" b="0" i="0" u="none" strike="noStrike" kern="0" cap="none" normalizeH="0" baseline="0" dirty="0" smtClean="0">
-                        <a:ln>
-                          <a:noFill/>
-                        </a:ln>
-                        <a:solidFill>
-                          <a:schemeClr val="tx1"/>
-                        </a:solidFill>
-                        <a:effectLst/>
-                        <a:latin typeface="Arial" pitchFamily="34" charset="0"/>
-                        <a:cs typeface="Arial" pitchFamily="34" charset="0"/>
-                      </a:endParaRPr>
-                    </a:p>
-                    <a:p>
-                      <a:pPr marL="0" marR="0" lvl="0" indent="0" algn="l" defTabSz="4173538" rtl="0" eaLnBrk="1" fontAlgn="base" latinLnBrk="0" hangingPunct="1">
-                        <a:lnSpc>
-                          <a:spcPct val="100000"/>
-                        </a:lnSpc>
-                        <a:spcBef>
-                          <a:spcPct val="20000"/>
-                        </a:spcBef>
-                        <a:spcAft>
-                          <a:spcPct val="0"/>
-                        </a:spcAft>
-                        <a:buClrTx/>
-                        <a:buSzTx/>
-                        <a:buFontTx/>
-                        <a:buNone/>
-                        <a:tabLst/>
-                      </a:pPr>
-                      <a:endParaRPr kumimoji="0" lang="en-US" sz="2400" b="0" i="0" u="none" strike="noStrike" kern="0" cap="none" normalizeH="0" baseline="0" dirty="0" smtClean="0">
-                        <a:ln>
-                          <a:noFill/>
-                        </a:ln>
-                        <a:solidFill>
-                          <a:schemeClr val="tx1"/>
-                        </a:solidFill>
-                        <a:effectLst/>
-                        <a:latin typeface="Arial" pitchFamily="34" charset="0"/>
-                        <a:cs typeface="Arial" pitchFamily="34" charset="0"/>
-                      </a:endParaRPr>
-                    </a:p>
-                    <a:p>
-                      <a:pPr marL="0" marR="0" lvl="0" indent="0" algn="l" defTabSz="4173538" rtl="0" eaLnBrk="1" fontAlgn="base" latinLnBrk="0" hangingPunct="1">
-                        <a:lnSpc>
-                          <a:spcPct val="100000"/>
-                        </a:lnSpc>
-                        <a:spcBef>
-                          <a:spcPct val="20000"/>
-                        </a:spcBef>
-                        <a:spcAft>
-                          <a:spcPct val="0"/>
-                        </a:spcAft>
-                        <a:buClrTx/>
-                        <a:buSzTx/>
-                        <a:buFontTx/>
-                        <a:buNone/>
-                        <a:tabLst/>
-                      </a:pPr>
-                      <a:endParaRPr kumimoji="0" lang="en-US" sz="2400" b="0" i="0" u="none" strike="noStrike" kern="0" cap="none" normalizeH="0" baseline="0" dirty="0" smtClean="0">
-                        <a:ln>
-                          <a:noFill/>
-                        </a:ln>
-                        <a:solidFill>
-                          <a:schemeClr val="tx1"/>
-                        </a:solidFill>
-                        <a:effectLst/>
-                        <a:latin typeface="Arial" pitchFamily="34" charset="0"/>
-                        <a:cs typeface="Arial" pitchFamily="34" charset="0"/>
-                      </a:endParaRPr>
-                    </a:p>
-                    <a:p>
-                      <a:pPr marL="0" marR="0" lvl="0" indent="0" algn="l" defTabSz="4173538" rtl="0" eaLnBrk="1" fontAlgn="base" latinLnBrk="0" hangingPunct="1">
-                        <a:lnSpc>
-                          <a:spcPct val="100000"/>
-                        </a:lnSpc>
-                        <a:spcBef>
-                          <a:spcPct val="20000"/>
-                        </a:spcBef>
-                        <a:spcAft>
-                          <a:spcPct val="0"/>
-                        </a:spcAft>
-                        <a:buClrTx/>
-                        <a:buSzTx/>
-                        <a:buFontTx/>
-                        <a:buNone/>
-                        <a:tabLst/>
-                      </a:pPr>
-                      <a:endParaRPr kumimoji="0" lang="en-US" sz="2400" b="0" i="0" u="none" strike="noStrike" kern="0" cap="none" normalizeH="0" baseline="0" dirty="0" smtClean="0">
-                        <a:ln>
-                          <a:noFill/>
-                        </a:ln>
-                        <a:solidFill>
-                          <a:schemeClr val="tx1"/>
-                        </a:solidFill>
-                        <a:effectLst/>
-                        <a:latin typeface="Arial" pitchFamily="34" charset="0"/>
-                        <a:cs typeface="Arial" pitchFamily="34" charset="0"/>
-                      </a:endParaRPr>
-                    </a:p>
-                    <a:p>
-                      <a:pPr marL="0" marR="0" lvl="0" indent="0" algn="l" defTabSz="4173538" rtl="0" eaLnBrk="1" fontAlgn="base" latinLnBrk="0" hangingPunct="1">
-                        <a:lnSpc>
-                          <a:spcPct val="100000"/>
-                        </a:lnSpc>
-                        <a:spcBef>
-                          <a:spcPct val="20000"/>
-                        </a:spcBef>
-                        <a:spcAft>
-                          <a:spcPct val="0"/>
-                        </a:spcAft>
-                        <a:buClrTx/>
-                        <a:buSzTx/>
-                        <a:buFontTx/>
-                        <a:buNone/>
-                        <a:tabLst/>
-                      </a:pPr>
-                      <a:endParaRPr kumimoji="0" lang="en-US" sz="2400" b="0" i="0" u="none" strike="noStrike" kern="0" cap="none" normalizeH="0" baseline="0" dirty="0" smtClean="0">
-                        <a:ln>
-                          <a:noFill/>
-                        </a:ln>
-                        <a:solidFill>
-                          <a:schemeClr val="tx1"/>
-                        </a:solidFill>
-                        <a:effectLst/>
-                        <a:latin typeface="Arial" pitchFamily="34" charset="0"/>
-                        <a:cs typeface="Arial" pitchFamily="34" charset="0"/>
-                      </a:endParaRPr>
-                    </a:p>
-                    <a:p>
-                      <a:pPr marL="0" marR="0" lvl="0" indent="0" algn="l" defTabSz="4173538" rtl="0" eaLnBrk="1" fontAlgn="base" latinLnBrk="0" hangingPunct="1">
-                        <a:lnSpc>
-                          <a:spcPct val="100000"/>
-                        </a:lnSpc>
-                        <a:spcBef>
-                          <a:spcPct val="20000"/>
-                        </a:spcBef>
-                        <a:spcAft>
-                          <a:spcPct val="0"/>
-                        </a:spcAft>
-                        <a:buClrTx/>
-                        <a:buSzTx/>
-                        <a:buFontTx/>
-                        <a:buNone/>
-                        <a:tabLst/>
-                      </a:pPr>
-                      <a:endParaRPr kumimoji="0" lang="en-US" sz="2400" b="0" i="0" u="none" strike="noStrike" kern="0" cap="none" normalizeH="0" baseline="0" dirty="0" smtClean="0">
-                        <a:ln>
-                          <a:noFill/>
-                        </a:ln>
-                        <a:solidFill>
-                          <a:schemeClr val="tx1"/>
-                        </a:solidFill>
-                        <a:effectLst/>
-                        <a:latin typeface="Arial" pitchFamily="34" charset="0"/>
-                        <a:cs typeface="Arial" pitchFamily="34" charset="0"/>
-                      </a:endParaRPr>
-                    </a:p>
-                    <a:p>
-                      <a:pPr marL="0" marR="0" lvl="0" indent="0" algn="l" defTabSz="4173538" rtl="0" eaLnBrk="1" fontAlgn="base" latinLnBrk="0" hangingPunct="1">
-                        <a:lnSpc>
-                          <a:spcPct val="100000"/>
-                        </a:lnSpc>
-                        <a:spcBef>
-                          <a:spcPct val="20000"/>
-                        </a:spcBef>
-                        <a:spcAft>
-                          <a:spcPct val="0"/>
-                        </a:spcAft>
-                        <a:buClrTx/>
-                        <a:buSzTx/>
-                        <a:buFontTx/>
-                        <a:buNone/>
-                        <a:tabLst/>
-                      </a:pPr>
-                      <a:endParaRPr kumimoji="0" lang="en-US" sz="2400" b="0" i="0" u="none" strike="noStrike" kern="0" cap="none" normalizeH="0" baseline="0" dirty="0" smtClean="0">
-                        <a:ln>
-                          <a:noFill/>
-                        </a:ln>
-                        <a:solidFill>
-                          <a:schemeClr val="tx1"/>
-                        </a:solidFill>
-                        <a:effectLst/>
-                        <a:latin typeface="Arial" pitchFamily="34" charset="0"/>
-                        <a:cs typeface="Arial" pitchFamily="34" charset="0"/>
-                      </a:endParaRPr>
-                    </a:p>
-                    <a:p>
-                      <a:pPr marL="0" marR="0" lvl="0" indent="0" algn="l" defTabSz="4173538" rtl="0" eaLnBrk="1" fontAlgn="base" latinLnBrk="0" hangingPunct="1">
-                        <a:lnSpc>
-                          <a:spcPct val="100000"/>
-                        </a:lnSpc>
-                        <a:spcBef>
-                          <a:spcPct val="20000"/>
-                        </a:spcBef>
-                        <a:spcAft>
-                          <a:spcPct val="0"/>
-                        </a:spcAft>
-                        <a:buClrTx/>
-                        <a:buSzTx/>
-                        <a:buFontTx/>
-                        <a:buNone/>
-                        <a:tabLst/>
-                      </a:pPr>
-                      <a:endParaRPr kumimoji="0" lang="en-US" sz="2400" b="0" i="0" u="none" strike="noStrike" kern="0" cap="none" normalizeH="0" baseline="0" dirty="0" smtClean="0">
-                        <a:ln>
-                          <a:noFill/>
-                        </a:ln>
-                        <a:solidFill>
-                          <a:schemeClr val="tx1"/>
-                        </a:solidFill>
-                        <a:effectLst/>
-                        <a:latin typeface="Arial" pitchFamily="34" charset="0"/>
-                        <a:cs typeface="Arial" pitchFamily="34" charset="0"/>
-                      </a:endParaRPr>
-                    </a:p>
-                    <a:p>
-                      <a:pPr marL="0" marR="0" lvl="0" indent="0" algn="l" defTabSz="4173538" rtl="0" eaLnBrk="1" fontAlgn="base" latinLnBrk="0" hangingPunct="1">
-                        <a:lnSpc>
-                          <a:spcPct val="100000"/>
-                        </a:lnSpc>
-                        <a:spcBef>
-                          <a:spcPct val="20000"/>
-                        </a:spcBef>
-                        <a:spcAft>
-                          <a:spcPct val="0"/>
-                        </a:spcAft>
-                        <a:buClrTx/>
-                        <a:buSzTx/>
-                        <a:buFontTx/>
-                        <a:buNone/>
-                        <a:tabLst/>
-                      </a:pPr>
-                      <a:endParaRPr kumimoji="0" lang="en-US" sz="2400" b="0" i="0" u="none" strike="noStrike" kern="0" cap="none" normalizeH="0" baseline="0" dirty="0" smtClean="0">
-                        <a:ln>
-                          <a:noFill/>
-                        </a:ln>
-                        <a:solidFill>
-                          <a:schemeClr val="tx1"/>
-                        </a:solidFill>
-                        <a:effectLst/>
-                        <a:latin typeface="Arial" pitchFamily="34" charset="0"/>
-                        <a:cs typeface="Arial" pitchFamily="34" charset="0"/>
-                      </a:endParaRPr>
-                    </a:p>
-                    <a:p>
-                      <a:pPr marL="0" marR="0" lvl="0" indent="0" algn="l" defTabSz="4173538" rtl="0" eaLnBrk="1" fontAlgn="base" latinLnBrk="0" hangingPunct="1">
-                        <a:lnSpc>
-                          <a:spcPct val="100000"/>
-                        </a:lnSpc>
-                        <a:spcBef>
-                          <a:spcPct val="20000"/>
-                        </a:spcBef>
-                        <a:spcAft>
-                          <a:spcPct val="0"/>
-                        </a:spcAft>
-                        <a:buClrTx/>
-                        <a:buSzTx/>
-                        <a:buFontTx/>
-                        <a:buNone/>
-                        <a:tabLst/>
-                      </a:pPr>
-                      <a:endParaRPr kumimoji="0" lang="en-US" sz="2400" b="0" i="0" u="none" strike="noStrike" kern="0" cap="none" normalizeH="0" baseline="0" dirty="0" smtClean="0">
-                        <a:ln>
-                          <a:noFill/>
-                        </a:ln>
-                        <a:solidFill>
-                          <a:schemeClr val="tx1"/>
-                        </a:solidFill>
-                        <a:effectLst/>
-                        <a:latin typeface="Arial" pitchFamily="34" charset="0"/>
-                        <a:cs typeface="Arial" pitchFamily="34" charset="0"/>
-                      </a:endParaRPr>
-                    </a:p>
-                    <a:p>
-                      <a:pPr marL="0" marR="0" lvl="0" indent="0" algn="l" defTabSz="4173538" rtl="0" eaLnBrk="1" fontAlgn="base" latinLnBrk="0" hangingPunct="1">
-                        <a:lnSpc>
-                          <a:spcPct val="100000"/>
-                        </a:lnSpc>
-                        <a:spcBef>
-                          <a:spcPct val="20000"/>
-                        </a:spcBef>
-                        <a:spcAft>
-                          <a:spcPct val="0"/>
-                        </a:spcAft>
-                        <a:buClrTx/>
-                        <a:buSzTx/>
-                        <a:buFontTx/>
-                        <a:buNone/>
-                        <a:tabLst/>
-                      </a:pPr>
-                      <a:endParaRPr kumimoji="0" lang="en-US" sz="2400" b="0" i="0" u="none" strike="noStrike" kern="0" cap="none" normalizeH="0" baseline="0" dirty="0" smtClean="0">
-                        <a:ln>
-                          <a:noFill/>
-                        </a:ln>
-                        <a:solidFill>
-                          <a:schemeClr val="tx1"/>
-                        </a:solidFill>
-                        <a:effectLst/>
-                        <a:latin typeface="Arial" pitchFamily="34" charset="0"/>
-                        <a:cs typeface="Arial" pitchFamily="34" charset="0"/>
-                      </a:endParaRPr>
-                    </a:p>
-                    <a:p>
-                      <a:pPr marL="0" marR="0" lvl="0" indent="0" algn="l" defTabSz="4173538" rtl="0" eaLnBrk="1" fontAlgn="base" latinLnBrk="0" hangingPunct="1">
-                        <a:lnSpc>
-                          <a:spcPct val="100000"/>
-                        </a:lnSpc>
-                        <a:spcBef>
-                          <a:spcPct val="20000"/>
-                        </a:spcBef>
-                        <a:spcAft>
-                          <a:spcPct val="0"/>
-                        </a:spcAft>
-                        <a:buClrTx/>
-                        <a:buSzTx/>
-                        <a:buFontTx/>
-                        <a:buNone/>
-                        <a:tabLst/>
-                      </a:pPr>
-                      <a:endParaRPr kumimoji="0" lang="en-US" sz="2400" b="0" i="0" u="none" strike="noStrike" kern="0" cap="none" normalizeH="0" baseline="0" dirty="0" smtClean="0">
-                        <a:ln>
-                          <a:noFill/>
-                        </a:ln>
-                        <a:solidFill>
-                          <a:schemeClr val="tx1"/>
-                        </a:solidFill>
-                        <a:effectLst/>
-                        <a:latin typeface="Arial" pitchFamily="34" charset="0"/>
-                        <a:cs typeface="Arial" pitchFamily="34" charset="0"/>
-                      </a:endParaRPr>
-                    </a:p>
-                    <a:p>
-                      <a:pPr marL="0" marR="0" lvl="0" indent="0" algn="l" defTabSz="4173538" rtl="0" eaLnBrk="1" fontAlgn="base" latinLnBrk="0" hangingPunct="1">
-                        <a:lnSpc>
-                          <a:spcPct val="100000"/>
-                        </a:lnSpc>
-                        <a:spcBef>
-                          <a:spcPct val="20000"/>
-                        </a:spcBef>
-                        <a:spcAft>
-                          <a:spcPct val="0"/>
-                        </a:spcAft>
-                        <a:buClrTx/>
-                        <a:buSzTx/>
-                        <a:buFontTx/>
-                        <a:buNone/>
-                        <a:tabLst/>
-                      </a:pPr>
-                      <a:endParaRPr kumimoji="0" lang="en-US" sz="2400" b="0" i="0" u="none" strike="noStrike" kern="0" cap="none" normalizeH="0" baseline="0" dirty="0" smtClean="0">
-                        <a:ln>
-                          <a:noFill/>
-                        </a:ln>
-                        <a:solidFill>
-                          <a:schemeClr val="tx1"/>
-                        </a:solidFill>
-                        <a:effectLst/>
-                        <a:latin typeface="Arial" pitchFamily="34" charset="0"/>
-                        <a:cs typeface="Arial" pitchFamily="34" charset="0"/>
-                      </a:endParaRPr>
-                    </a:p>
-                    <a:p>
-                      <a:pPr marL="0" marR="0" lvl="0" indent="0" algn="l" defTabSz="4173538" rtl="0" eaLnBrk="1" fontAlgn="base" latinLnBrk="0" hangingPunct="1">
-                        <a:lnSpc>
-                          <a:spcPct val="100000"/>
-                        </a:lnSpc>
-                        <a:spcBef>
-                          <a:spcPct val="20000"/>
-                        </a:spcBef>
-                        <a:spcAft>
-                          <a:spcPct val="0"/>
-                        </a:spcAft>
-                        <a:buClrTx/>
-                        <a:buSzTx/>
-                        <a:buFontTx/>
-                        <a:buNone/>
-                        <a:tabLst/>
-                      </a:pPr>
-                      <a:endParaRPr kumimoji="0" lang="en-US" sz="2400" b="0" i="0" u="none" strike="noStrike" kern="0" cap="none" normalizeH="0" baseline="0" dirty="0" smtClean="0">
-                        <a:ln>
-                          <a:noFill/>
-                        </a:ln>
-                        <a:solidFill>
-                          <a:schemeClr val="tx1"/>
-                        </a:solidFill>
-                        <a:effectLst/>
-                        <a:latin typeface="Arial" pitchFamily="34" charset="0"/>
-                        <a:cs typeface="Arial" pitchFamily="34" charset="0"/>
-                      </a:endParaRPr>
-                    </a:p>
-                    <a:p>
-                      <a:pPr marL="0" marR="0" lvl="0" indent="0" algn="l" defTabSz="4173538" rtl="0" eaLnBrk="1" fontAlgn="base" latinLnBrk="0" hangingPunct="1">
-                        <a:lnSpc>
-                          <a:spcPct val="100000"/>
-                        </a:lnSpc>
-                        <a:spcBef>
-                          <a:spcPct val="20000"/>
-                        </a:spcBef>
-                        <a:spcAft>
-                          <a:spcPct val="0"/>
-                        </a:spcAft>
-                        <a:buClrTx/>
-                        <a:buSzTx/>
-                        <a:buFontTx/>
-                        <a:buNone/>
-                        <a:tabLst/>
-                      </a:pPr>
-                      <a:endParaRPr kumimoji="0" lang="en-US" sz="2400" b="0" i="0" u="none" strike="noStrike" kern="0" cap="none" normalizeH="0" baseline="0" dirty="0" smtClean="0">
-                        <a:ln>
-                          <a:noFill/>
-                        </a:ln>
-                        <a:solidFill>
-                          <a:schemeClr val="tx1"/>
-                        </a:solidFill>
-                        <a:effectLst/>
-                        <a:latin typeface="Arial" pitchFamily="34" charset="0"/>
-                        <a:cs typeface="Arial" pitchFamily="34" charset="0"/>
-                      </a:endParaRPr>
-                    </a:p>
-                    <a:p>
-                      <a:pPr marL="0" marR="0" lvl="0" indent="0" algn="l" defTabSz="4173538" rtl="0" eaLnBrk="1" fontAlgn="base" latinLnBrk="0" hangingPunct="1">
-                        <a:lnSpc>
-                          <a:spcPct val="100000"/>
-                        </a:lnSpc>
-                        <a:spcBef>
-                          <a:spcPct val="20000"/>
-                        </a:spcBef>
-                        <a:spcAft>
-                          <a:spcPct val="0"/>
-                        </a:spcAft>
-                        <a:buClrTx/>
-                        <a:buSzTx/>
-                        <a:buFontTx/>
-                        <a:buNone/>
-                        <a:tabLst/>
-                      </a:pPr>
-                      <a:endParaRPr kumimoji="0" lang="en-US" sz="2400" b="0" i="0" u="none" strike="noStrike" kern="0" cap="none" normalizeH="0" baseline="0" dirty="0" smtClean="0">
-                        <a:ln>
-                          <a:noFill/>
-                        </a:ln>
-                        <a:solidFill>
-                          <a:schemeClr val="tx1"/>
-                        </a:solidFill>
-                        <a:effectLst/>
-                        <a:latin typeface="Arial" pitchFamily="34" charset="0"/>
-                        <a:cs typeface="Arial" pitchFamily="34" charset="0"/>
-                      </a:endParaRPr>
-                    </a:p>
-                    <a:p>
-                      <a:pPr marL="0" marR="0" lvl="0" indent="0" algn="l" defTabSz="4173538" rtl="0" eaLnBrk="1" fontAlgn="base" latinLnBrk="0" hangingPunct="1">
-                        <a:lnSpc>
-                          <a:spcPct val="100000"/>
-                        </a:lnSpc>
-                        <a:spcBef>
-                          <a:spcPct val="20000"/>
-                        </a:spcBef>
-                        <a:spcAft>
-                          <a:spcPct val="0"/>
-                        </a:spcAft>
-                        <a:buClrTx/>
-                        <a:buSzTx/>
-                        <a:buFontTx/>
-                        <a:buNone/>
-                        <a:tabLst/>
-                      </a:pPr>
-                      <a:endParaRPr kumimoji="0" lang="en-US" sz="2400" b="0" i="0" u="none" strike="noStrike" kern="0" cap="none" normalizeH="0" baseline="0" dirty="0" smtClean="0">
-                        <a:ln>
-                          <a:noFill/>
-                        </a:ln>
-                        <a:solidFill>
-                          <a:schemeClr val="tx1"/>
-                        </a:solidFill>
-                        <a:effectLst/>
-                        <a:latin typeface="Arial" pitchFamily="34" charset="0"/>
-                        <a:cs typeface="Arial" pitchFamily="34" charset="0"/>
-                      </a:endParaRPr>
-                    </a:p>
-                    <a:p>
-                      <a:pPr marL="0" marR="0" lvl="0" indent="0" algn="l" defTabSz="4173538" rtl="0" eaLnBrk="1" fontAlgn="base" latinLnBrk="0" hangingPunct="1">
-                        <a:lnSpc>
-                          <a:spcPct val="100000"/>
-                        </a:lnSpc>
-                        <a:spcBef>
-                          <a:spcPct val="20000"/>
-                        </a:spcBef>
-                        <a:spcAft>
-                          <a:spcPct val="0"/>
-                        </a:spcAft>
-                        <a:buClrTx/>
-                        <a:buSzTx/>
-                        <a:buFontTx/>
-                        <a:buNone/>
-                        <a:tabLst/>
-                      </a:pPr>
-                      <a:endParaRPr kumimoji="0" lang="en-US" sz="2400" b="0" i="0" u="none" strike="noStrike" kern="0" cap="none" normalizeH="0" baseline="0" dirty="0" smtClean="0">
-                        <a:ln>
-                          <a:noFill/>
-                        </a:ln>
-                        <a:solidFill>
-                          <a:schemeClr val="tx1"/>
-                        </a:solidFill>
-                        <a:effectLst/>
-                        <a:latin typeface="Arial" pitchFamily="34" charset="0"/>
-                        <a:cs typeface="Arial" pitchFamily="34" charset="0"/>
-                      </a:endParaRPr>
-                    </a:p>
-                    <a:p>
-                      <a:pPr marL="0" marR="0" lvl="0" indent="0" algn="l" defTabSz="4173538" rtl="0" eaLnBrk="1" fontAlgn="base" latinLnBrk="0" hangingPunct="1">
-                        <a:lnSpc>
-                          <a:spcPct val="100000"/>
-                        </a:lnSpc>
-                        <a:spcBef>
-                          <a:spcPct val="20000"/>
-                        </a:spcBef>
-                        <a:spcAft>
-                          <a:spcPct val="0"/>
-                        </a:spcAft>
-                        <a:buClrTx/>
-                        <a:buSzTx/>
-                        <a:buFontTx/>
-                        <a:buNone/>
-                        <a:tabLst/>
-                      </a:pPr>
-                      <a:endParaRPr kumimoji="0" lang="en-US" sz="2400" b="0" i="0" u="none" strike="noStrike" kern="0" cap="none" normalizeH="0" baseline="0" dirty="0" smtClean="0">
-                        <a:ln>
-                          <a:noFill/>
-                        </a:ln>
-                        <a:solidFill>
-                          <a:schemeClr val="tx1"/>
-                        </a:solidFill>
-                        <a:effectLst/>
-                        <a:latin typeface="Arial" pitchFamily="34" charset="0"/>
-                        <a:cs typeface="Arial" pitchFamily="34" charset="0"/>
-                      </a:endParaRPr>
-                    </a:p>
-                    <a:p>
-                      <a:pPr marL="0" marR="0" lvl="0" indent="0" algn="l" defTabSz="4173538" rtl="0" eaLnBrk="1" fontAlgn="base" latinLnBrk="0" hangingPunct="1">
-                        <a:lnSpc>
-                          <a:spcPct val="100000"/>
-                        </a:lnSpc>
-                        <a:spcBef>
-                          <a:spcPct val="20000"/>
-                        </a:spcBef>
-                        <a:spcAft>
-                          <a:spcPct val="0"/>
-                        </a:spcAft>
-                        <a:buClrTx/>
-                        <a:buSzTx/>
-                        <a:buFontTx/>
-                        <a:buNone/>
-                        <a:tabLst/>
-                      </a:pPr>
-                      <a:endParaRPr kumimoji="0" lang="en-US" sz="2400" b="0" i="0" u="none" strike="noStrike" kern="0" cap="none" normalizeH="0" baseline="0" dirty="0" smtClean="0">
-                        <a:ln>
-                          <a:noFill/>
-                        </a:ln>
-                        <a:solidFill>
-                          <a:schemeClr val="tx1"/>
-                        </a:solidFill>
-                        <a:effectLst/>
-                        <a:latin typeface="Arial" pitchFamily="34" charset="0"/>
-                        <a:cs typeface="Arial" pitchFamily="34" charset="0"/>
-                      </a:endParaRPr>
-                    </a:p>
-                    <a:p>
-                      <a:pPr marL="0" marR="0" lvl="0" indent="0" algn="l" defTabSz="4173538" rtl="0" eaLnBrk="1" fontAlgn="base" latinLnBrk="0" hangingPunct="1">
-                        <a:lnSpc>
-                          <a:spcPct val="100000"/>
-                        </a:lnSpc>
-                        <a:spcBef>
-                          <a:spcPct val="20000"/>
-                        </a:spcBef>
-                        <a:spcAft>
-                          <a:spcPct val="0"/>
-                        </a:spcAft>
-                        <a:buClrTx/>
-                        <a:buSzTx/>
-                        <a:buFontTx/>
-                        <a:buNone/>
-                        <a:tabLst/>
-                      </a:pPr>
-                      <a:endParaRPr kumimoji="0" lang="en-US" sz="2400" b="0" i="0" u="none" strike="noStrike" kern="0" cap="none" normalizeH="0" baseline="0" dirty="0" smtClean="0">
-                        <a:ln>
-                          <a:noFill/>
-                        </a:ln>
-                        <a:solidFill>
-                          <a:schemeClr val="tx1"/>
-                        </a:solidFill>
-                        <a:effectLst/>
-                        <a:latin typeface="Arial" pitchFamily="34" charset="0"/>
-                        <a:cs typeface="Arial" pitchFamily="34" charset="0"/>
-                      </a:endParaRPr>
-                    </a:p>
-                  </a:txBody>
-                  <a:tcPr horzOverflow="overflow">
                     <a:lnL>
                       <a:noFill/>
                     </a:lnL>
@@ -5758,908 +5956,6 @@
                         <a:buNone/>
                         <a:tabLst/>
                       </a:pPr>
-                      <a:r>
-                        <a:rPr kumimoji="0" lang="en-US" sz="5000" b="0" i="0" u="none" strike="noStrike" kern="0" cap="none" normalizeH="0" baseline="0" dirty="0" smtClean="0">
-                          <a:ln>
-                            <a:noFill/>
-                          </a:ln>
-                          <a:solidFill>
-                            <a:srgbClr val="002D55"/>
-                          </a:solidFill>
-                          <a:effectLst/>
-                          <a:latin typeface="+mn-lt"/>
-                          <a:ea typeface="+mn-ea"/>
-                          <a:cs typeface="Arial" pitchFamily="34" charset="0"/>
-                        </a:rPr>
-                        <a:t>Adding fitting functions</a:t>
-                      </a:r>
-                    </a:p>
-                    <a:p>
-                      <a:pPr marL="0" marR="0" lvl="0" indent="0" algn="l" defTabSz="4173538" rtl="0" eaLnBrk="1" fontAlgn="base" latinLnBrk="0" hangingPunct="1">
-                        <a:lnSpc>
-                          <a:spcPct val="100000"/>
-                        </a:lnSpc>
-                        <a:spcBef>
-                          <a:spcPct val="20000"/>
-                        </a:spcBef>
-                        <a:spcAft>
-                          <a:spcPct val="0"/>
-                        </a:spcAft>
-                        <a:buClrTx/>
-                        <a:buSzTx/>
-                        <a:buFontTx/>
-                        <a:buNone/>
-                        <a:tabLst/>
-                      </a:pPr>
-                      <a:r>
-                        <a:rPr kumimoji="0" lang="en-GB" sz="2400" b="0" i="0" u="none" strike="noStrike" kern="0" cap="none" normalizeH="0" baseline="0" dirty="0" smtClean="0">
-                          <a:ln>
-                            <a:noFill/>
-                          </a:ln>
-                          <a:solidFill>
-                            <a:schemeClr val="tx1"/>
-                          </a:solidFill>
-                          <a:effectLst/>
-                          <a:latin typeface="Arial" pitchFamily="34" charset="0"/>
-                          <a:cs typeface="Arial" pitchFamily="34" charset="0"/>
-                        </a:rPr>
-                        <a:t>Mantid ships with a library of functions to fit against data. In addition </a:t>
-                      </a:r>
-                      <a:r>
-                        <a:rPr kumimoji="0" lang="en-GB" sz="2400" b="0" i="0" u="none" strike="noStrike" kern="0" cap="none" normalizeH="0" baseline="0" dirty="0" err="1" smtClean="0">
-                          <a:ln>
-                            <a:noFill/>
-                          </a:ln>
-                          <a:solidFill>
-                            <a:schemeClr val="tx1"/>
-                          </a:solidFill>
-                          <a:effectLst/>
-                          <a:latin typeface="Arial" pitchFamily="34" charset="0"/>
-                          <a:cs typeface="Arial" pitchFamily="34" charset="0"/>
-                        </a:rPr>
-                        <a:t>Mantid's</a:t>
-                      </a:r>
-                      <a:r>
-                        <a:rPr kumimoji="0" lang="en-GB" sz="2400" b="0" i="0" u="none" strike="noStrike" kern="0" cap="none" normalizeH="0" baseline="0" dirty="0" smtClean="0">
-                          <a:ln>
-                            <a:noFill/>
-                          </a:ln>
-                          <a:solidFill>
-                            <a:schemeClr val="tx1"/>
-                          </a:solidFill>
-                          <a:effectLst/>
-                          <a:latin typeface="Arial" pitchFamily="34" charset="0"/>
-                          <a:cs typeface="Arial" pitchFamily="34" charset="0"/>
-                        </a:rPr>
-                        <a:t> </a:t>
-                      </a:r>
-                      <a:r>
-                        <a:rPr kumimoji="0" lang="en-GB" sz="2400" b="0" i="0" u="none" strike="noStrike" kern="0" cap="none" normalizeH="0" baseline="0" dirty="0" err="1" smtClean="0">
-                          <a:ln>
-                            <a:noFill/>
-                          </a:ln>
-                          <a:solidFill>
-                            <a:schemeClr val="tx1"/>
-                          </a:solidFill>
-                          <a:effectLst/>
-                          <a:latin typeface="Arial" pitchFamily="34" charset="0"/>
-                          <a:cs typeface="Arial" pitchFamily="34" charset="0"/>
-                        </a:rPr>
-                        <a:t>plugin</a:t>
-                      </a:r>
-                      <a:r>
-                        <a:rPr kumimoji="0" lang="en-GB" sz="2400" b="0" i="0" u="none" strike="noStrike" kern="0" cap="none" normalizeH="0" baseline="0" dirty="0" smtClean="0">
-                          <a:ln>
-                            <a:noFill/>
-                          </a:ln>
-                          <a:solidFill>
-                            <a:schemeClr val="tx1"/>
-                          </a:solidFill>
-                          <a:effectLst/>
-                          <a:latin typeface="Arial" pitchFamily="34" charset="0"/>
-                          <a:cs typeface="Arial" pitchFamily="34" charset="0"/>
-                        </a:rPr>
-                        <a:t> architecture has been engineered so that it is easy for a user to write their own fitting functions. The latter was used in the early stages of this project, where a student, not otherwise familiar with the Mantid code, was able to create the first set the Muon fitting functions. This library of functions was further tested by members of the </a:t>
-                      </a:r>
-                      <a:r>
-                        <a:rPr kumimoji="0" lang="en-GB" sz="2400" b="0" i="0" u="none" strike="noStrike" kern="0" cap="none" normalizeH="0" baseline="0" dirty="0" err="1" smtClean="0">
-                          <a:ln>
-                            <a:noFill/>
-                          </a:ln>
-                          <a:solidFill>
-                            <a:schemeClr val="tx1"/>
-                          </a:solidFill>
-                          <a:effectLst/>
-                          <a:latin typeface="Arial" pitchFamily="34" charset="0"/>
-                          <a:cs typeface="Arial" pitchFamily="34" charset="0"/>
-                        </a:rPr>
-                        <a:t>muon</a:t>
-                      </a:r>
-                      <a:r>
-                        <a:rPr kumimoji="0" lang="en-GB" sz="2400" b="0" i="0" u="none" strike="noStrike" kern="0" cap="none" normalizeH="0" baseline="0" dirty="0" smtClean="0">
-                          <a:ln>
-                            <a:noFill/>
-                          </a:ln>
-                          <a:solidFill>
-                            <a:schemeClr val="tx1"/>
-                          </a:solidFill>
-                          <a:effectLst/>
-                          <a:latin typeface="Arial" pitchFamily="34" charset="0"/>
-                          <a:cs typeface="Arial" pitchFamily="34" charset="0"/>
-                        </a:rPr>
-                        <a:t> group, and then added to the Mantid project together with unit tests. </a:t>
-                      </a:r>
-                    </a:p>
-                    <a:p>
-                      <a:pPr marL="0" marR="0" lvl="0" indent="0" algn="l" defTabSz="4173538" rtl="0" eaLnBrk="1" fontAlgn="base" latinLnBrk="0" hangingPunct="1">
-                        <a:lnSpc>
-                          <a:spcPct val="100000"/>
-                        </a:lnSpc>
-                        <a:spcBef>
-                          <a:spcPct val="20000"/>
-                        </a:spcBef>
-                        <a:spcAft>
-                          <a:spcPct val="0"/>
-                        </a:spcAft>
-                        <a:buClrTx/>
-                        <a:buSzTx/>
-                        <a:buFontTx/>
-                        <a:buNone/>
-                        <a:tabLst/>
-                      </a:pPr>
-                      <a:endParaRPr kumimoji="0" lang="en-GB" sz="2400" b="0" i="0" u="none" strike="noStrike" kern="0" cap="none" normalizeH="0" baseline="0" dirty="0" smtClean="0">
-                        <a:ln>
-                          <a:noFill/>
-                        </a:ln>
-                        <a:solidFill>
-                          <a:schemeClr val="tx1"/>
-                        </a:solidFill>
-                        <a:effectLst/>
-                        <a:latin typeface="Arial" pitchFamily="34" charset="0"/>
-                        <a:cs typeface="Arial" pitchFamily="34" charset="0"/>
-                      </a:endParaRPr>
-                    </a:p>
-                    <a:p>
-                      <a:pPr marL="0" marR="0" lvl="0" indent="0" algn="l" defTabSz="4173538" rtl="0" eaLnBrk="1" fontAlgn="base" latinLnBrk="0" hangingPunct="1">
-                        <a:lnSpc>
-                          <a:spcPct val="100000"/>
-                        </a:lnSpc>
-                        <a:spcBef>
-                          <a:spcPct val="20000"/>
-                        </a:spcBef>
-                        <a:spcAft>
-                          <a:spcPct val="0"/>
-                        </a:spcAft>
-                        <a:buClrTx/>
-                        <a:buSzTx/>
-                        <a:buFontTx/>
-                        <a:buNone/>
-                        <a:tabLst/>
-                      </a:pPr>
-                      <a:r>
-                        <a:rPr kumimoji="0" lang="en-GB" sz="2400" b="0" i="0" u="none" strike="noStrike" kern="0" cap="none" normalizeH="0" baseline="0" dirty="0" smtClean="0">
-                          <a:ln>
-                            <a:noFill/>
-                          </a:ln>
-                          <a:solidFill>
-                            <a:schemeClr val="tx1"/>
-                          </a:solidFill>
-                          <a:effectLst/>
-                          <a:latin typeface="Arial" pitchFamily="34" charset="0"/>
-                          <a:cs typeface="Arial" pitchFamily="34" charset="0"/>
-                        </a:rPr>
-                        <a:t>To create a custom fitting function requires: </a:t>
-                      </a:r>
-                      <a:r>
-                        <a:rPr kumimoji="0" lang="en-GB" sz="2400" b="0" i="0" u="none" strike="noStrike" kern="0" cap="none" normalizeH="0" baseline="0" dirty="0" err="1" smtClean="0">
-                          <a:ln>
-                            <a:noFill/>
-                          </a:ln>
-                          <a:solidFill>
-                            <a:schemeClr val="tx1"/>
-                          </a:solidFill>
-                          <a:effectLst/>
-                          <a:latin typeface="Arial" pitchFamily="34" charset="0"/>
-                          <a:cs typeface="Arial" pitchFamily="34" charset="0"/>
-                        </a:rPr>
-                        <a:t>MantidPlot</a:t>
-                      </a:r>
-                      <a:r>
-                        <a:rPr kumimoji="0" lang="en-GB" sz="2400" b="0" i="0" u="none" strike="noStrike" kern="0" cap="none" normalizeH="0" baseline="0" dirty="0" smtClean="0">
-                          <a:ln>
-                            <a:noFill/>
-                          </a:ln>
-                          <a:solidFill>
-                            <a:schemeClr val="tx1"/>
-                          </a:solidFill>
-                          <a:effectLst/>
-                          <a:latin typeface="Arial" pitchFamily="34" charset="0"/>
-                          <a:cs typeface="Arial" pitchFamily="34" charset="0"/>
-                        </a:rPr>
-                        <a:t> installed, a C++ compiler, filling in the blanks of a template .</a:t>
-                      </a:r>
-                      <a:r>
-                        <a:rPr kumimoji="0" lang="en-GB" sz="2400" b="0" i="0" u="none" strike="noStrike" kern="0" cap="none" normalizeH="0" baseline="0" dirty="0" err="1" smtClean="0">
-                          <a:ln>
-                            <a:noFill/>
-                          </a:ln>
-                          <a:solidFill>
-                            <a:schemeClr val="tx1"/>
-                          </a:solidFill>
-                          <a:effectLst/>
-                          <a:latin typeface="Arial" pitchFamily="34" charset="0"/>
-                          <a:cs typeface="Arial" pitchFamily="34" charset="0"/>
-                        </a:rPr>
-                        <a:t>cpp</a:t>
-                      </a:r>
-                      <a:r>
-                        <a:rPr kumimoji="0" lang="en-GB" sz="2400" b="0" i="0" u="none" strike="noStrike" kern="0" cap="none" normalizeH="0" baseline="0" dirty="0" smtClean="0">
-                          <a:ln>
-                            <a:noFill/>
-                          </a:ln>
-                          <a:solidFill>
-                            <a:schemeClr val="tx1"/>
-                          </a:solidFill>
-                          <a:effectLst/>
-                          <a:latin typeface="Arial" pitchFamily="34" charset="0"/>
-                          <a:cs typeface="Arial" pitchFamily="34" charset="0"/>
-                        </a:rPr>
-                        <a:t> file and a .h file, and placing these in a subfolder of the Mantid install directory.  </a:t>
-                      </a:r>
-                    </a:p>
-                    <a:p>
-                      <a:pPr marL="0" marR="0" lvl="0" indent="0" algn="l" defTabSz="4173538" rtl="0" eaLnBrk="1" fontAlgn="base" latinLnBrk="0" hangingPunct="1">
-                        <a:lnSpc>
-                          <a:spcPct val="100000"/>
-                        </a:lnSpc>
-                        <a:spcBef>
-                          <a:spcPct val="20000"/>
-                        </a:spcBef>
-                        <a:spcAft>
-                          <a:spcPct val="0"/>
-                        </a:spcAft>
-                        <a:buClrTx/>
-                        <a:buSzTx/>
-                        <a:buFontTx/>
-                        <a:buNone/>
-                        <a:tabLst/>
-                      </a:pPr>
-                      <a:endParaRPr kumimoji="0" lang="en-GB" sz="2400" b="0" i="0" u="none" strike="noStrike" kern="0" cap="none" normalizeH="0" baseline="0" dirty="0" smtClean="0">
-                        <a:ln>
-                          <a:noFill/>
-                        </a:ln>
-                        <a:solidFill>
-                          <a:schemeClr val="tx1"/>
-                        </a:solidFill>
-                        <a:effectLst/>
-                        <a:latin typeface="Arial" pitchFamily="34" charset="0"/>
-                        <a:cs typeface="Arial" pitchFamily="34" charset="0"/>
-                      </a:endParaRPr>
-                    </a:p>
-                    <a:p>
-                      <a:pPr marL="0" marR="0" lvl="0" indent="0" algn="l" defTabSz="4173538" rtl="0" eaLnBrk="1" fontAlgn="base" latinLnBrk="0" hangingPunct="1">
-                        <a:lnSpc>
-                          <a:spcPct val="100000"/>
-                        </a:lnSpc>
-                        <a:spcBef>
-                          <a:spcPct val="20000"/>
-                        </a:spcBef>
-                        <a:spcAft>
-                          <a:spcPct val="0"/>
-                        </a:spcAft>
-                        <a:buClrTx/>
-                        <a:buSzTx/>
-                        <a:buFontTx/>
-                        <a:buNone/>
-                        <a:tabLst/>
-                      </a:pPr>
-                      <a:r>
-                        <a:rPr kumimoji="0" lang="en-GB" sz="2400" b="0" i="0" u="none" strike="noStrike" kern="0" cap="none" normalizeH="0" baseline="0" dirty="0" smtClean="0">
-                          <a:ln>
-                            <a:noFill/>
-                          </a:ln>
-                          <a:solidFill>
-                            <a:schemeClr val="tx1"/>
-                          </a:solidFill>
-                          <a:effectLst/>
-                          <a:latin typeface="Arial" pitchFamily="34" charset="0"/>
-                          <a:cs typeface="Arial" pitchFamily="34" charset="0"/>
-                        </a:rPr>
-                        <a:t>Below is shown a copy of a </a:t>
-                      </a:r>
-                      <a:r>
-                        <a:rPr kumimoji="0" lang="en-GB" sz="2400" b="0" i="0" u="none" strike="noStrike" kern="0" cap="none" normalizeH="0" baseline="0" dirty="0" err="1" smtClean="0">
-                          <a:ln>
-                            <a:noFill/>
-                          </a:ln>
-                          <a:solidFill>
-                            <a:schemeClr val="tx1"/>
-                          </a:solidFill>
-                          <a:effectLst/>
-                          <a:latin typeface="Arial" pitchFamily="34" charset="0"/>
-                          <a:cs typeface="Arial" pitchFamily="34" charset="0"/>
-                        </a:rPr>
-                        <a:t>Lorentzian</a:t>
-                      </a:r>
-                      <a:r>
-                        <a:rPr kumimoji="0" lang="en-GB" sz="2400" b="0" i="0" u="none" strike="noStrike" kern="0" cap="none" normalizeH="0" baseline="0" dirty="0" smtClean="0">
-                          <a:ln>
-                            <a:noFill/>
-                          </a:ln>
-                          <a:solidFill>
-                            <a:schemeClr val="tx1"/>
-                          </a:solidFill>
-                          <a:effectLst/>
-                          <a:latin typeface="Arial" pitchFamily="34" charset="0"/>
-                          <a:cs typeface="Arial" pitchFamily="34" charset="0"/>
-                        </a:rPr>
-                        <a:t> fitting unction</a:t>
-                      </a:r>
-                    </a:p>
-                    <a:p>
-                      <a:pPr marL="0" marR="0" lvl="0" indent="0" algn="l" defTabSz="4173538" rtl="0" eaLnBrk="1" fontAlgn="base" latinLnBrk="0" hangingPunct="1">
-                        <a:lnSpc>
-                          <a:spcPct val="100000"/>
-                        </a:lnSpc>
-                        <a:spcBef>
-                          <a:spcPct val="20000"/>
-                        </a:spcBef>
-                        <a:spcAft>
-                          <a:spcPct val="0"/>
-                        </a:spcAft>
-                        <a:buClrTx/>
-                        <a:buSzTx/>
-                        <a:buFontTx/>
-                        <a:buNone/>
-                        <a:tabLst/>
-                      </a:pPr>
-                      <a:endParaRPr kumimoji="0" lang="en-GB" sz="2400" b="0" i="0" u="none" strike="noStrike" cap="none" normalizeH="0" baseline="0" dirty="0" smtClean="0">
-                        <a:ln>
-                          <a:noFill/>
-                        </a:ln>
-                        <a:solidFill>
-                          <a:schemeClr val="tx1"/>
-                        </a:solidFill>
-                        <a:effectLst/>
-                        <a:latin typeface="Arial" pitchFamily="34" charset="0"/>
-                        <a:cs typeface="Arial" pitchFamily="34" charset="0"/>
-                      </a:endParaRPr>
-                    </a:p>
-                    <a:p>
-                      <a:pPr marL="0" marR="0" lvl="0" indent="0" algn="l" defTabSz="4173538" rtl="0" eaLnBrk="1" fontAlgn="base" latinLnBrk="0" hangingPunct="1">
-                        <a:lnSpc>
-                          <a:spcPct val="100000"/>
-                        </a:lnSpc>
-                        <a:spcBef>
-                          <a:spcPct val="20000"/>
-                        </a:spcBef>
-                        <a:spcAft>
-                          <a:spcPct val="0"/>
-                        </a:spcAft>
-                        <a:buClrTx/>
-                        <a:buSzTx/>
-                        <a:buFontTx/>
-                        <a:buNone/>
-                        <a:tabLst/>
-                      </a:pPr>
-                      <a:endParaRPr kumimoji="0" lang="en-GB" sz="2400" b="0" i="0" u="none" strike="noStrike" cap="none" normalizeH="0" baseline="0" dirty="0" smtClean="0">
-                        <a:ln>
-                          <a:noFill/>
-                        </a:ln>
-                        <a:solidFill>
-                          <a:schemeClr val="tx1"/>
-                        </a:solidFill>
-                        <a:effectLst/>
-                        <a:latin typeface="Arial" pitchFamily="34" charset="0"/>
-                        <a:cs typeface="Arial" pitchFamily="34" charset="0"/>
-                      </a:endParaRPr>
-                    </a:p>
-                    <a:p>
-                      <a:pPr marL="0" marR="0" lvl="0" indent="0" algn="l" defTabSz="4173538" rtl="0" eaLnBrk="1" fontAlgn="base" latinLnBrk="0" hangingPunct="1">
-                        <a:lnSpc>
-                          <a:spcPct val="100000"/>
-                        </a:lnSpc>
-                        <a:spcBef>
-                          <a:spcPct val="20000"/>
-                        </a:spcBef>
-                        <a:spcAft>
-                          <a:spcPct val="0"/>
-                        </a:spcAft>
-                        <a:buClrTx/>
-                        <a:buSzTx/>
-                        <a:buFontTx/>
-                        <a:buNone/>
-                        <a:tabLst/>
-                      </a:pPr>
-                      <a:endParaRPr kumimoji="0" lang="en-GB" sz="2400" b="0" i="0" u="none" strike="noStrike" cap="none" normalizeH="0" baseline="0" dirty="0" smtClean="0">
-                        <a:ln>
-                          <a:noFill/>
-                        </a:ln>
-                        <a:solidFill>
-                          <a:schemeClr val="tx1"/>
-                        </a:solidFill>
-                        <a:effectLst/>
-                        <a:latin typeface="Arial" pitchFamily="34" charset="0"/>
-                        <a:cs typeface="Arial" pitchFamily="34" charset="0"/>
-                      </a:endParaRPr>
-                    </a:p>
-                    <a:p>
-                      <a:pPr marL="0" marR="0" lvl="0" indent="0" algn="l" defTabSz="4173538" rtl="0" eaLnBrk="1" fontAlgn="base" latinLnBrk="0" hangingPunct="1">
-                        <a:lnSpc>
-                          <a:spcPct val="100000"/>
-                        </a:lnSpc>
-                        <a:spcBef>
-                          <a:spcPct val="20000"/>
-                        </a:spcBef>
-                        <a:spcAft>
-                          <a:spcPct val="0"/>
-                        </a:spcAft>
-                        <a:buClrTx/>
-                        <a:buSzTx/>
-                        <a:buFontTx/>
-                        <a:buNone/>
-                        <a:tabLst/>
-                      </a:pPr>
-                      <a:endParaRPr kumimoji="0" lang="en-GB" sz="2400" b="0" i="0" u="none" strike="noStrike" cap="none" normalizeH="0" baseline="0" dirty="0" smtClean="0">
-                        <a:ln>
-                          <a:noFill/>
-                        </a:ln>
-                        <a:solidFill>
-                          <a:schemeClr val="tx1"/>
-                        </a:solidFill>
-                        <a:effectLst/>
-                        <a:latin typeface="Arial" pitchFamily="34" charset="0"/>
-                        <a:cs typeface="Arial" pitchFamily="34" charset="0"/>
-                      </a:endParaRPr>
-                    </a:p>
-                    <a:p>
-                      <a:pPr marL="0" marR="0" lvl="0" indent="0" algn="l" defTabSz="4173538" rtl="0" eaLnBrk="1" fontAlgn="base" latinLnBrk="0" hangingPunct="1">
-                        <a:lnSpc>
-                          <a:spcPct val="100000"/>
-                        </a:lnSpc>
-                        <a:spcBef>
-                          <a:spcPct val="20000"/>
-                        </a:spcBef>
-                        <a:spcAft>
-                          <a:spcPct val="0"/>
-                        </a:spcAft>
-                        <a:buClrTx/>
-                        <a:buSzTx/>
-                        <a:buFontTx/>
-                        <a:buNone/>
-                        <a:tabLst/>
-                      </a:pPr>
-                      <a:endParaRPr kumimoji="0" lang="en-GB" sz="2400" b="0" i="0" u="none" strike="noStrike" cap="none" normalizeH="0" baseline="0" dirty="0" smtClean="0">
-                        <a:ln>
-                          <a:noFill/>
-                        </a:ln>
-                        <a:solidFill>
-                          <a:schemeClr val="tx1"/>
-                        </a:solidFill>
-                        <a:effectLst/>
-                        <a:latin typeface="Arial" pitchFamily="34" charset="0"/>
-                        <a:cs typeface="Arial" pitchFamily="34" charset="0"/>
-                      </a:endParaRPr>
-                    </a:p>
-                    <a:p>
-                      <a:pPr marL="0" marR="0" lvl="0" indent="0" algn="l" defTabSz="4173538" rtl="0" eaLnBrk="1" fontAlgn="base" latinLnBrk="0" hangingPunct="1">
-                        <a:lnSpc>
-                          <a:spcPct val="100000"/>
-                        </a:lnSpc>
-                        <a:spcBef>
-                          <a:spcPct val="20000"/>
-                        </a:spcBef>
-                        <a:spcAft>
-                          <a:spcPct val="0"/>
-                        </a:spcAft>
-                        <a:buClrTx/>
-                        <a:buSzTx/>
-                        <a:buFontTx/>
-                        <a:buNone/>
-                        <a:tabLst/>
-                      </a:pPr>
-                      <a:endParaRPr kumimoji="0" lang="en-GB" sz="2400" b="0" i="0" u="none" strike="noStrike" cap="none" normalizeH="0" baseline="0" dirty="0" smtClean="0">
-                        <a:ln>
-                          <a:noFill/>
-                        </a:ln>
-                        <a:solidFill>
-                          <a:schemeClr val="tx1"/>
-                        </a:solidFill>
-                        <a:effectLst/>
-                        <a:latin typeface="Arial" pitchFamily="34" charset="0"/>
-                        <a:cs typeface="Arial" pitchFamily="34" charset="0"/>
-                      </a:endParaRPr>
-                    </a:p>
-                    <a:p>
-                      <a:pPr marL="0" marR="0" lvl="0" indent="0" algn="l" defTabSz="4173538" rtl="0" eaLnBrk="1" fontAlgn="base" latinLnBrk="0" hangingPunct="1">
-                        <a:lnSpc>
-                          <a:spcPct val="100000"/>
-                        </a:lnSpc>
-                        <a:spcBef>
-                          <a:spcPct val="20000"/>
-                        </a:spcBef>
-                        <a:spcAft>
-                          <a:spcPct val="0"/>
-                        </a:spcAft>
-                        <a:buClrTx/>
-                        <a:buSzTx/>
-                        <a:buFontTx/>
-                        <a:buNone/>
-                        <a:tabLst/>
-                      </a:pPr>
-                      <a:endParaRPr kumimoji="0" lang="en-GB" sz="2400" b="0" i="0" u="none" strike="noStrike" cap="none" normalizeH="0" baseline="0" dirty="0" smtClean="0">
-                        <a:ln>
-                          <a:noFill/>
-                        </a:ln>
-                        <a:solidFill>
-                          <a:schemeClr val="tx1"/>
-                        </a:solidFill>
-                        <a:effectLst/>
-                        <a:latin typeface="Arial" pitchFamily="34" charset="0"/>
-                        <a:cs typeface="Arial" pitchFamily="34" charset="0"/>
-                      </a:endParaRPr>
-                    </a:p>
-                    <a:p>
-                      <a:pPr marL="0" marR="0" lvl="0" indent="0" algn="l" defTabSz="4173538" rtl="0" eaLnBrk="1" fontAlgn="base" latinLnBrk="0" hangingPunct="1">
-                        <a:lnSpc>
-                          <a:spcPct val="100000"/>
-                        </a:lnSpc>
-                        <a:spcBef>
-                          <a:spcPct val="20000"/>
-                        </a:spcBef>
-                        <a:spcAft>
-                          <a:spcPct val="0"/>
-                        </a:spcAft>
-                        <a:buClrTx/>
-                        <a:buSzTx/>
-                        <a:buFontTx/>
-                        <a:buNone/>
-                        <a:tabLst/>
-                      </a:pPr>
-                      <a:endParaRPr kumimoji="0" lang="en-GB" sz="2400" b="0" i="0" u="none" strike="noStrike" cap="none" normalizeH="0" baseline="0" dirty="0" smtClean="0">
-                        <a:ln>
-                          <a:noFill/>
-                        </a:ln>
-                        <a:solidFill>
-                          <a:schemeClr val="tx1"/>
-                        </a:solidFill>
-                        <a:effectLst/>
-                        <a:latin typeface="Arial" pitchFamily="34" charset="0"/>
-                        <a:cs typeface="Arial" pitchFamily="34" charset="0"/>
-                      </a:endParaRPr>
-                    </a:p>
-                    <a:p>
-                      <a:pPr marL="0" marR="0" lvl="0" indent="0" algn="l" defTabSz="4173538" rtl="0" eaLnBrk="1" fontAlgn="base" latinLnBrk="0" hangingPunct="1">
-                        <a:lnSpc>
-                          <a:spcPct val="100000"/>
-                        </a:lnSpc>
-                        <a:spcBef>
-                          <a:spcPct val="20000"/>
-                        </a:spcBef>
-                        <a:spcAft>
-                          <a:spcPct val="0"/>
-                        </a:spcAft>
-                        <a:buClrTx/>
-                        <a:buSzTx/>
-                        <a:buFontTx/>
-                        <a:buNone/>
-                        <a:tabLst/>
-                      </a:pPr>
-                      <a:endParaRPr kumimoji="0" lang="en-GB" sz="2400" b="0" i="0" u="none" strike="noStrike" cap="none" normalizeH="0" baseline="0" dirty="0" smtClean="0">
-                        <a:ln>
-                          <a:noFill/>
-                        </a:ln>
-                        <a:solidFill>
-                          <a:schemeClr val="tx1"/>
-                        </a:solidFill>
-                        <a:effectLst/>
-                        <a:latin typeface="Arial" pitchFamily="34" charset="0"/>
-                        <a:cs typeface="Arial" pitchFamily="34" charset="0"/>
-                      </a:endParaRPr>
-                    </a:p>
-                    <a:p>
-                      <a:pPr marL="0" marR="0" lvl="0" indent="0" algn="l" defTabSz="4173538" rtl="0" eaLnBrk="1" fontAlgn="base" latinLnBrk="0" hangingPunct="1">
-                        <a:lnSpc>
-                          <a:spcPct val="100000"/>
-                        </a:lnSpc>
-                        <a:spcBef>
-                          <a:spcPct val="20000"/>
-                        </a:spcBef>
-                        <a:spcAft>
-                          <a:spcPct val="0"/>
-                        </a:spcAft>
-                        <a:buClrTx/>
-                        <a:buSzTx/>
-                        <a:buFontTx/>
-                        <a:buNone/>
-                        <a:tabLst/>
-                      </a:pPr>
-                      <a:endParaRPr kumimoji="0" lang="en-GB" sz="2400" b="0" i="0" u="none" strike="noStrike" cap="none" normalizeH="0" baseline="0" dirty="0" smtClean="0">
-                        <a:ln>
-                          <a:noFill/>
-                        </a:ln>
-                        <a:solidFill>
-                          <a:schemeClr val="tx1"/>
-                        </a:solidFill>
-                        <a:effectLst/>
-                        <a:latin typeface="Arial" pitchFamily="34" charset="0"/>
-                        <a:cs typeface="Arial" pitchFamily="34" charset="0"/>
-                      </a:endParaRPr>
-                    </a:p>
-                    <a:p>
-                      <a:pPr marL="0" marR="0" lvl="0" indent="0" algn="l" defTabSz="4173538" rtl="0" eaLnBrk="1" fontAlgn="base" latinLnBrk="0" hangingPunct="1">
-                        <a:lnSpc>
-                          <a:spcPct val="100000"/>
-                        </a:lnSpc>
-                        <a:spcBef>
-                          <a:spcPct val="20000"/>
-                        </a:spcBef>
-                        <a:spcAft>
-                          <a:spcPct val="0"/>
-                        </a:spcAft>
-                        <a:buClrTx/>
-                        <a:buSzTx/>
-                        <a:buFontTx/>
-                        <a:buNone/>
-                        <a:tabLst/>
-                      </a:pPr>
-                      <a:endParaRPr kumimoji="0" lang="en-GB" sz="2400" b="0" i="0" u="none" strike="noStrike" cap="none" normalizeH="0" baseline="0" dirty="0" smtClean="0">
-                        <a:ln>
-                          <a:noFill/>
-                        </a:ln>
-                        <a:solidFill>
-                          <a:schemeClr val="tx1"/>
-                        </a:solidFill>
-                        <a:effectLst/>
-                        <a:latin typeface="Arial" pitchFamily="34" charset="0"/>
-                        <a:cs typeface="Arial" pitchFamily="34" charset="0"/>
-                      </a:endParaRPr>
-                    </a:p>
-                    <a:p>
-                      <a:pPr marL="0" marR="0" lvl="0" indent="0" algn="l" defTabSz="4173538" rtl="0" eaLnBrk="1" fontAlgn="base" latinLnBrk="0" hangingPunct="1">
-                        <a:lnSpc>
-                          <a:spcPct val="100000"/>
-                        </a:lnSpc>
-                        <a:spcBef>
-                          <a:spcPct val="20000"/>
-                        </a:spcBef>
-                        <a:spcAft>
-                          <a:spcPct val="0"/>
-                        </a:spcAft>
-                        <a:buClrTx/>
-                        <a:buSzTx/>
-                        <a:buFontTx/>
-                        <a:buNone/>
-                        <a:tabLst/>
-                      </a:pPr>
-                      <a:endParaRPr kumimoji="0" lang="en-GB" sz="2400" b="0" i="0" u="none" strike="noStrike" cap="none" normalizeH="0" baseline="0" dirty="0" smtClean="0">
-                        <a:ln>
-                          <a:noFill/>
-                        </a:ln>
-                        <a:solidFill>
-                          <a:schemeClr val="tx1"/>
-                        </a:solidFill>
-                        <a:effectLst/>
-                        <a:latin typeface="Arial" pitchFamily="34" charset="0"/>
-                        <a:cs typeface="Arial" pitchFamily="34" charset="0"/>
-                      </a:endParaRPr>
-                    </a:p>
-                    <a:p>
-                      <a:pPr marL="0" marR="0" lvl="0" indent="0" algn="l" defTabSz="4173538" rtl="0" eaLnBrk="1" fontAlgn="base" latinLnBrk="0" hangingPunct="1">
-                        <a:lnSpc>
-                          <a:spcPct val="100000"/>
-                        </a:lnSpc>
-                        <a:spcBef>
-                          <a:spcPct val="20000"/>
-                        </a:spcBef>
-                        <a:spcAft>
-                          <a:spcPct val="0"/>
-                        </a:spcAft>
-                        <a:buClrTx/>
-                        <a:buSzTx/>
-                        <a:buFontTx/>
-                        <a:buNone/>
-                        <a:tabLst/>
-                      </a:pPr>
-                      <a:endParaRPr kumimoji="0" lang="en-GB" sz="2400" b="0" i="0" u="none" strike="noStrike" cap="none" normalizeH="0" baseline="0" dirty="0" smtClean="0">
-                        <a:ln>
-                          <a:noFill/>
-                        </a:ln>
-                        <a:solidFill>
-                          <a:schemeClr val="tx1"/>
-                        </a:solidFill>
-                        <a:effectLst/>
-                        <a:latin typeface="Arial" pitchFamily="34" charset="0"/>
-                        <a:cs typeface="Arial" pitchFamily="34" charset="0"/>
-                      </a:endParaRPr>
-                    </a:p>
-                    <a:p>
-                      <a:pPr marL="0" marR="0" lvl="0" indent="0" algn="l" defTabSz="4173538" rtl="0" eaLnBrk="1" fontAlgn="base" latinLnBrk="0" hangingPunct="1">
-                        <a:lnSpc>
-                          <a:spcPct val="100000"/>
-                        </a:lnSpc>
-                        <a:spcBef>
-                          <a:spcPct val="20000"/>
-                        </a:spcBef>
-                        <a:spcAft>
-                          <a:spcPct val="0"/>
-                        </a:spcAft>
-                        <a:buClrTx/>
-                        <a:buSzTx/>
-                        <a:buFontTx/>
-                        <a:buNone/>
-                        <a:tabLst/>
-                      </a:pPr>
-                      <a:endParaRPr kumimoji="0" lang="en-GB" sz="2400" b="0" i="0" u="none" strike="noStrike" cap="none" normalizeH="0" baseline="0" dirty="0" smtClean="0">
-                        <a:ln>
-                          <a:noFill/>
-                        </a:ln>
-                        <a:solidFill>
-                          <a:schemeClr val="tx1"/>
-                        </a:solidFill>
-                        <a:effectLst/>
-                        <a:latin typeface="Arial" pitchFamily="34" charset="0"/>
-                        <a:cs typeface="Arial" pitchFamily="34" charset="0"/>
-                      </a:endParaRPr>
-                    </a:p>
-                    <a:p>
-                      <a:pPr marL="0" marR="0" lvl="0" indent="0" algn="l" defTabSz="4173538" rtl="0" eaLnBrk="1" fontAlgn="base" latinLnBrk="0" hangingPunct="1">
-                        <a:lnSpc>
-                          <a:spcPct val="100000"/>
-                        </a:lnSpc>
-                        <a:spcBef>
-                          <a:spcPct val="20000"/>
-                        </a:spcBef>
-                        <a:spcAft>
-                          <a:spcPct val="0"/>
-                        </a:spcAft>
-                        <a:buClrTx/>
-                        <a:buSzTx/>
-                        <a:buFontTx/>
-                        <a:buNone/>
-                        <a:tabLst/>
-                      </a:pPr>
-                      <a:endParaRPr kumimoji="0" lang="en-GB" sz="2400" b="0" i="0" u="none" strike="noStrike" cap="none" normalizeH="0" baseline="0" dirty="0" smtClean="0">
-                        <a:ln>
-                          <a:noFill/>
-                        </a:ln>
-                        <a:solidFill>
-                          <a:schemeClr val="tx1"/>
-                        </a:solidFill>
-                        <a:effectLst/>
-                        <a:latin typeface="Arial" pitchFamily="34" charset="0"/>
-                        <a:cs typeface="Arial" pitchFamily="34" charset="0"/>
-                      </a:endParaRPr>
-                    </a:p>
-                    <a:p>
-                      <a:pPr marL="0" marR="0" lvl="0" indent="0" algn="l" defTabSz="4173538" rtl="0" eaLnBrk="1" fontAlgn="base" latinLnBrk="0" hangingPunct="1">
-                        <a:lnSpc>
-                          <a:spcPct val="100000"/>
-                        </a:lnSpc>
-                        <a:spcBef>
-                          <a:spcPct val="20000"/>
-                        </a:spcBef>
-                        <a:spcAft>
-                          <a:spcPct val="0"/>
-                        </a:spcAft>
-                        <a:buClrTx/>
-                        <a:buSzTx/>
-                        <a:buFontTx/>
-                        <a:buNone/>
-                        <a:tabLst/>
-                      </a:pPr>
-                      <a:endParaRPr kumimoji="0" lang="en-GB" sz="2400" b="0" i="0" u="none" strike="noStrike" cap="none" normalizeH="0" baseline="0" dirty="0" smtClean="0">
-                        <a:ln>
-                          <a:noFill/>
-                        </a:ln>
-                        <a:solidFill>
-                          <a:schemeClr val="tx1"/>
-                        </a:solidFill>
-                        <a:effectLst/>
-                        <a:latin typeface="Arial" pitchFamily="34" charset="0"/>
-                        <a:cs typeface="Arial" pitchFamily="34" charset="0"/>
-                      </a:endParaRPr>
-                    </a:p>
-                    <a:p>
-                      <a:pPr marL="0" marR="0" lvl="0" indent="0" algn="l" defTabSz="4173538" rtl="0" eaLnBrk="1" fontAlgn="base" latinLnBrk="0" hangingPunct="1">
-                        <a:lnSpc>
-                          <a:spcPct val="100000"/>
-                        </a:lnSpc>
-                        <a:spcBef>
-                          <a:spcPct val="20000"/>
-                        </a:spcBef>
-                        <a:spcAft>
-                          <a:spcPct val="0"/>
-                        </a:spcAft>
-                        <a:buClrTx/>
-                        <a:buSzTx/>
-                        <a:buFontTx/>
-                        <a:buNone/>
-                        <a:tabLst/>
-                      </a:pPr>
-                      <a:endParaRPr kumimoji="0" lang="en-GB" sz="2400" b="0" i="0" u="none" strike="noStrike" cap="none" normalizeH="0" baseline="0" dirty="0" smtClean="0">
-                        <a:ln>
-                          <a:noFill/>
-                        </a:ln>
-                        <a:solidFill>
-                          <a:schemeClr val="tx1"/>
-                        </a:solidFill>
-                        <a:effectLst/>
-                        <a:latin typeface="Arial" pitchFamily="34" charset="0"/>
-                        <a:cs typeface="Arial" pitchFamily="34" charset="0"/>
-                      </a:endParaRPr>
-                    </a:p>
-                    <a:p>
-                      <a:pPr marL="0" marR="0" lvl="0" indent="0" algn="ctr" defTabSz="4173538" rtl="0" eaLnBrk="1" fontAlgn="base" latinLnBrk="0" hangingPunct="1">
-                        <a:lnSpc>
-                          <a:spcPct val="100000"/>
-                        </a:lnSpc>
-                        <a:spcBef>
-                          <a:spcPct val="20000"/>
-                        </a:spcBef>
-                        <a:spcAft>
-                          <a:spcPct val="0"/>
-                        </a:spcAft>
-                        <a:buClrTx/>
-                        <a:buSzTx/>
-                        <a:buFontTx/>
-                        <a:buNone/>
-                        <a:tabLst/>
-                        <a:defRPr/>
-                      </a:pPr>
-                      <a:endParaRPr lang="en-GB" sz="2400" i="1" kern="1200" baseline="0" dirty="0" smtClean="0">
-                        <a:solidFill>
-                          <a:schemeClr val="tx1"/>
-                        </a:solidFill>
-                        <a:latin typeface="+mj-lt"/>
-                        <a:ea typeface="+mn-ea"/>
-                        <a:cs typeface="Arial" pitchFamily="34" charset="0"/>
-                      </a:endParaRPr>
-                    </a:p>
-                    <a:p>
-                      <a:pPr marL="0" marR="0" lvl="0" indent="0" algn="ctr" defTabSz="4173538" rtl="0" eaLnBrk="1" fontAlgn="base" latinLnBrk="0" hangingPunct="1">
-                        <a:lnSpc>
-                          <a:spcPct val="100000"/>
-                        </a:lnSpc>
-                        <a:spcBef>
-                          <a:spcPct val="20000"/>
-                        </a:spcBef>
-                        <a:spcAft>
-                          <a:spcPct val="0"/>
-                        </a:spcAft>
-                        <a:buClrTx/>
-                        <a:buSzTx/>
-                        <a:buFontTx/>
-                        <a:buNone/>
-                        <a:tabLst/>
-                        <a:defRPr/>
-                      </a:pPr>
-                      <a:endParaRPr lang="en-GB" sz="2400" i="1" kern="1200" dirty="0" smtClean="0">
-                        <a:solidFill>
-                          <a:schemeClr val="tx1"/>
-                        </a:solidFill>
-                        <a:latin typeface="Arial" pitchFamily="34" charset="0"/>
-                        <a:ea typeface="+mn-ea"/>
-                        <a:cs typeface="Arial" pitchFamily="34" charset="0"/>
-                      </a:endParaRPr>
-                    </a:p>
-                    <a:p>
-                      <a:pPr marL="0" marR="0" lvl="0" indent="0" algn="l" defTabSz="4173538" rtl="0" eaLnBrk="1" fontAlgn="base" latinLnBrk="0" hangingPunct="1">
-                        <a:lnSpc>
-                          <a:spcPct val="100000"/>
-                        </a:lnSpc>
-                        <a:spcBef>
-                          <a:spcPct val="20000"/>
-                        </a:spcBef>
-                        <a:spcAft>
-                          <a:spcPct val="0"/>
-                        </a:spcAft>
-                        <a:buClrTx/>
-                        <a:buSzTx/>
-                        <a:buFontTx/>
-                        <a:buNone/>
-                        <a:tabLst/>
-                      </a:pPr>
                       <a:endParaRPr kumimoji="0" lang="en-US" sz="5000" b="0" i="0" u="none" strike="noStrike" kern="0" cap="none" normalizeH="0" baseline="0" dirty="0" smtClean="0">
                         <a:ln>
                           <a:noFill/>
@@ -6669,290 +5965,6 @@
                         </a:solidFill>
                         <a:effectLst/>
                         <a:latin typeface="+mj-lt"/>
-                        <a:cs typeface="Arial" pitchFamily="34" charset="0"/>
-                      </a:endParaRPr>
-                    </a:p>
-                    <a:p>
-                      <a:pPr marL="0" marR="0" lvl="0" indent="0" algn="l" defTabSz="4173538" rtl="0" eaLnBrk="1" fontAlgn="base" latinLnBrk="0" hangingPunct="1">
-                        <a:lnSpc>
-                          <a:spcPct val="100000"/>
-                        </a:lnSpc>
-                        <a:spcBef>
-                          <a:spcPct val="20000"/>
-                        </a:spcBef>
-                        <a:spcAft>
-                          <a:spcPct val="0"/>
-                        </a:spcAft>
-                        <a:buClrTx/>
-                        <a:buSzTx/>
-                        <a:buFontTx/>
-                        <a:buNone/>
-                        <a:tabLst/>
-                      </a:pPr>
-                      <a:endParaRPr kumimoji="0" lang="en-US" sz="5000" b="0" i="0" u="none" strike="noStrike" kern="0" cap="none" normalizeH="0" baseline="0" dirty="0" smtClean="0">
-                        <a:ln>
-                          <a:noFill/>
-                        </a:ln>
-                        <a:solidFill>
-                          <a:srgbClr val="002D55"/>
-                        </a:solidFill>
-                        <a:effectLst/>
-                        <a:latin typeface="+mj-lt"/>
-                        <a:cs typeface="Arial" pitchFamily="34" charset="0"/>
-                      </a:endParaRPr>
-                    </a:p>
-                    <a:p>
-                      <a:pPr marL="0" marR="0" lvl="0" indent="0" algn="l" defTabSz="4173538" rtl="0" eaLnBrk="1" fontAlgn="base" latinLnBrk="0" hangingPunct="1">
-                        <a:lnSpc>
-                          <a:spcPct val="100000"/>
-                        </a:lnSpc>
-                        <a:spcBef>
-                          <a:spcPct val="20000"/>
-                        </a:spcBef>
-                        <a:spcAft>
-                          <a:spcPct val="0"/>
-                        </a:spcAft>
-                        <a:buClrTx/>
-                        <a:buSzTx/>
-                        <a:buFontTx/>
-                        <a:buNone/>
-                        <a:tabLst/>
-                      </a:pPr>
-                      <a:r>
-                        <a:rPr kumimoji="0" lang="en-US" sz="5000" b="0" i="0" u="none" strike="noStrike" kern="0" cap="none" normalizeH="0" baseline="0" dirty="0" smtClean="0">
-                          <a:ln>
-                            <a:noFill/>
-                          </a:ln>
-                          <a:solidFill>
-                            <a:srgbClr val="002D55"/>
-                          </a:solidFill>
-                          <a:effectLst/>
-                          <a:latin typeface="+mj-lt"/>
-                          <a:cs typeface="Arial" pitchFamily="34" charset="0"/>
-                        </a:rPr>
-                        <a:t>Documentation</a:t>
-                      </a:r>
-                      <a:endParaRPr kumimoji="0" lang="en-US" sz="5000" b="0" i="0" u="none" strike="noStrike" kern="0" cap="none" normalizeH="0" baseline="0" dirty="0" smtClean="0">
-                        <a:ln>
-                          <a:noFill/>
-                        </a:ln>
-                        <a:solidFill>
-                          <a:srgbClr val="002D55"/>
-                        </a:solidFill>
-                        <a:effectLst/>
-                        <a:latin typeface="+mj-lt"/>
-                        <a:cs typeface="Arial" pitchFamily="34" charset="0"/>
-                      </a:endParaRPr>
-                    </a:p>
-                    <a:p>
-                      <a:pPr marL="0" marR="0" lvl="0" indent="0" algn="l" defTabSz="4173538" rtl="0" eaLnBrk="1" fontAlgn="base" latinLnBrk="0" hangingPunct="1">
-                        <a:lnSpc>
-                          <a:spcPct val="100000"/>
-                        </a:lnSpc>
-                        <a:spcBef>
-                          <a:spcPct val="20000"/>
-                        </a:spcBef>
-                        <a:spcAft>
-                          <a:spcPct val="0"/>
-                        </a:spcAft>
-                        <a:buClrTx/>
-                        <a:buSzTx/>
-                        <a:buFontTx/>
-                        <a:buNone/>
-                        <a:tabLst/>
-                        <a:defRPr/>
-                      </a:pPr>
-                      <a:r>
-                        <a:rPr kumimoji="0" lang="en-GB" sz="2400" b="0" i="0" u="none" strike="noStrike" kern="0" cap="none" normalizeH="0" baseline="0" dirty="0" smtClean="0">
-                          <a:ln>
-                            <a:noFill/>
-                          </a:ln>
-                          <a:solidFill>
-                            <a:schemeClr val="tx1"/>
-                          </a:solidFill>
-                          <a:effectLst/>
-                          <a:latin typeface="Arial" pitchFamily="34" charset="0"/>
-                          <a:cs typeface="Arial" pitchFamily="34" charset="0"/>
-                        </a:rPr>
-                        <a:t>For documentation on the Mantid Muon interface see </a:t>
-                      </a:r>
-                      <a:r>
-                        <a:rPr kumimoji="0" lang="en-GB" sz="2400" b="0" i="0" u="none" strike="noStrike" kern="0" cap="none" normalizeH="0" baseline="0" dirty="0" smtClean="0">
-                          <a:ln>
-                            <a:noFill/>
-                          </a:ln>
-                          <a:solidFill>
-                            <a:schemeClr val="tx1"/>
-                          </a:solidFill>
-                          <a:effectLst/>
-                          <a:latin typeface="Arial" pitchFamily="34" charset="0"/>
-                          <a:cs typeface="Arial" pitchFamily="34" charset="0"/>
-                          <a:hlinkClick r:id="rId4"/>
-                        </a:rPr>
-                        <a:t>www.mantidproject.org/MuonAnalysis</a:t>
-                      </a:r>
-                      <a:r>
-                        <a:rPr kumimoji="0" lang="en-GB" sz="2400" b="0" i="0" u="none" strike="noStrike" kern="0" cap="none" normalizeH="0" baseline="0" dirty="0" smtClean="0">
-                          <a:ln>
-                            <a:noFill/>
-                          </a:ln>
-                          <a:solidFill>
-                            <a:schemeClr val="tx1"/>
-                          </a:solidFill>
-                          <a:effectLst/>
-                          <a:latin typeface="Arial" pitchFamily="34" charset="0"/>
-                          <a:cs typeface="Arial" pitchFamily="34" charset="0"/>
-                        </a:rPr>
-                        <a:t>. For Mantid doc in general see  </a:t>
-                      </a:r>
-                      <a:r>
-                        <a:rPr kumimoji="0" lang="en-GB" sz="2400" b="0" i="0" u="none" strike="noStrike" kern="0" cap="none" normalizeH="0" baseline="0" dirty="0" smtClean="0">
-                          <a:ln>
-                            <a:noFill/>
-                          </a:ln>
-                          <a:solidFill>
-                            <a:schemeClr val="tx1"/>
-                          </a:solidFill>
-                          <a:effectLst/>
-                          <a:latin typeface="Arial" pitchFamily="34" charset="0"/>
-                          <a:cs typeface="Arial" pitchFamily="34" charset="0"/>
-                          <a:hlinkClick r:id="rId3"/>
-                        </a:rPr>
-                        <a:t>www.mantidproject.org</a:t>
-                      </a:r>
-                      <a:r>
-                        <a:rPr kumimoji="0" lang="en-GB" sz="2400" b="0" i="0" u="none" strike="noStrike" kern="0" cap="none" normalizeH="0" baseline="0" dirty="0" smtClean="0">
-                          <a:ln>
-                            <a:noFill/>
-                          </a:ln>
-                          <a:solidFill>
-                            <a:schemeClr val="tx1"/>
-                          </a:solidFill>
-                          <a:effectLst/>
-                          <a:latin typeface="Arial" pitchFamily="34" charset="0"/>
-                          <a:cs typeface="Arial" pitchFamily="34" charset="0"/>
-                        </a:rPr>
-                        <a:t>. Some of the work presented here was also recently reported in </a:t>
-                      </a:r>
-                      <a:r>
-                        <a:rPr kumimoji="0" lang="fr-FR" sz="2400" b="0" i="0" u="none" strike="noStrike" kern="0" cap="none" normalizeH="0" baseline="0" dirty="0" smtClean="0">
-                          <a:ln>
-                            <a:noFill/>
-                          </a:ln>
-                          <a:solidFill>
-                            <a:schemeClr val="tx1"/>
-                          </a:solidFill>
-                          <a:effectLst/>
-                          <a:latin typeface="Arial" pitchFamily="34" charset="0"/>
-                          <a:cs typeface="Arial" pitchFamily="34" charset="0"/>
-                        </a:rPr>
-                        <a:t>S. Cottrell et al., </a:t>
-                      </a:r>
-                      <a:r>
-                        <a:rPr kumimoji="0" lang="fr-FR" sz="2400" b="0" i="0" u="none" strike="noStrike" kern="0" cap="none" normalizeH="0" baseline="0" dirty="0" err="1" smtClean="0">
-                          <a:ln>
-                            <a:noFill/>
-                          </a:ln>
-                          <a:solidFill>
-                            <a:schemeClr val="tx1"/>
-                          </a:solidFill>
-                          <a:effectLst/>
-                          <a:latin typeface="Arial" pitchFamily="34" charset="0"/>
-                          <a:cs typeface="Arial" pitchFamily="34" charset="0"/>
-                        </a:rPr>
-                        <a:t>Physics</a:t>
-                      </a:r>
-                      <a:r>
-                        <a:rPr kumimoji="0" lang="fr-FR" sz="2400" b="0" i="0" u="none" strike="noStrike" kern="0" cap="none" normalizeH="0" baseline="0" dirty="0" smtClean="0">
-                          <a:ln>
-                            <a:noFill/>
-                          </a:ln>
-                          <a:solidFill>
-                            <a:schemeClr val="tx1"/>
-                          </a:solidFill>
-                          <a:effectLst/>
-                          <a:latin typeface="Arial" pitchFamily="34" charset="0"/>
-                          <a:cs typeface="Arial" pitchFamily="34" charset="0"/>
-                        </a:rPr>
-                        <a:t> </a:t>
-                      </a:r>
-                      <a:r>
-                        <a:rPr kumimoji="0" lang="fr-FR" sz="2400" b="0" i="0" u="none" strike="noStrike" kern="0" cap="none" normalizeH="0" baseline="0" dirty="0" err="1" smtClean="0">
-                          <a:ln>
-                            <a:noFill/>
-                          </a:ln>
-                          <a:solidFill>
-                            <a:schemeClr val="tx1"/>
-                          </a:solidFill>
-                          <a:effectLst/>
-                          <a:latin typeface="Arial" pitchFamily="34" charset="0"/>
-                          <a:cs typeface="Arial" pitchFamily="34" charset="0"/>
-                        </a:rPr>
-                        <a:t>Procedia</a:t>
-                      </a:r>
-                      <a:r>
-                        <a:rPr kumimoji="0" lang="fr-FR" sz="2400" b="0" i="0" u="none" strike="noStrike" kern="0" cap="none" normalizeH="0" baseline="0" dirty="0" smtClean="0">
-                          <a:ln>
-                            <a:noFill/>
-                          </a:ln>
-                          <a:solidFill>
-                            <a:schemeClr val="tx1"/>
-                          </a:solidFill>
-                          <a:effectLst/>
-                          <a:latin typeface="Arial" pitchFamily="34" charset="0"/>
-                          <a:cs typeface="Arial" pitchFamily="34" charset="0"/>
-                        </a:rPr>
-                        <a:t> 30, 20-25 (2012)</a:t>
-                      </a:r>
-                      <a:r>
-                        <a:rPr kumimoji="0" lang="en-GB" sz="2400" b="0" i="0" u="none" strike="noStrike" kern="0" cap="none" normalizeH="0" baseline="0" dirty="0" smtClean="0">
-                          <a:ln>
-                            <a:noFill/>
-                          </a:ln>
-                          <a:solidFill>
-                            <a:schemeClr val="tx1"/>
-                          </a:solidFill>
-                          <a:effectLst/>
-                          <a:latin typeface="Arial" pitchFamily="34" charset="0"/>
-                          <a:cs typeface="Arial" pitchFamily="34" charset="0"/>
-                        </a:rPr>
-                        <a:t>. </a:t>
-                      </a:r>
-                      <a:endParaRPr lang="en-GB" sz="2400" i="1" kern="1200" dirty="0" smtClean="0">
-                        <a:solidFill>
-                          <a:schemeClr val="tx1"/>
-                        </a:solidFill>
-                        <a:latin typeface="Corisande"/>
-                        <a:ea typeface="+mn-ea"/>
-                        <a:cs typeface="+mn-cs"/>
-                      </a:endParaRPr>
-                    </a:p>
-                    <a:p>
-                      <a:pPr marL="0" marR="0" lvl="0" indent="0" algn="l" defTabSz="4173538" rtl="0" eaLnBrk="1" fontAlgn="base" latinLnBrk="0" hangingPunct="1">
-                        <a:lnSpc>
-                          <a:spcPct val="100000"/>
-                        </a:lnSpc>
-                        <a:spcBef>
-                          <a:spcPct val="20000"/>
-                        </a:spcBef>
-                        <a:spcAft>
-                          <a:spcPct val="0"/>
-                        </a:spcAft>
-                        <a:buClrTx/>
-                        <a:buSzTx/>
-                        <a:buFontTx/>
-                        <a:buNone/>
-                        <a:tabLst/>
-                      </a:pPr>
-                      <a:endParaRPr kumimoji="0" lang="en-US" sz="2400" b="0" i="0" u="none" strike="noStrike" kern="0" cap="none" normalizeH="0" baseline="0" dirty="0" smtClean="0">
-                        <a:ln>
-                          <a:noFill/>
-                        </a:ln>
-                        <a:solidFill>
-                          <a:schemeClr val="tx1"/>
-                        </a:solidFill>
-                        <a:effectLst/>
-                        <a:latin typeface="Arial" pitchFamily="34" charset="0"/>
                         <a:cs typeface="Arial" pitchFamily="34" charset="0"/>
                       </a:endParaRPr>
                     </a:p>
@@ -7156,7 +6168,7 @@
         </p:nvSpPr>
         <p:spPr bwMode="auto">
           <a:xfrm>
-            <a:off x="1143000" y="7162800"/>
+            <a:off x="1143000" y="6640241"/>
             <a:ext cx="27813000" cy="830997"/>
           </a:xfrm>
           <a:prstGeom prst="rect">
@@ -7328,16 +6340,7 @@
                 </a:solidFill>
                 <a:latin typeface="Corisande Light" pitchFamily="2" charset="0"/>
               </a:rPr>
-              <a:t>, Yuan </a:t>
-            </a:r>
-            <a:r>
-              <a:rPr lang="en-US" dirty="0" smtClean="0">
-                <a:solidFill>
-                  <a:srgbClr val="002D55"/>
-                </a:solidFill>
-                <a:latin typeface="Corisande Light" pitchFamily="2" charset="0"/>
-              </a:rPr>
-              <a:t>Yao</a:t>
+              <a:t>, Yuan Yao</a:t>
             </a:r>
             <a:r>
               <a:rPr lang="en-US" baseline="30000" dirty="0" smtClean="0">
@@ -7403,16 +6406,7 @@
                 </a:solidFill>
                 <a:latin typeface="+mn-lt"/>
               </a:rPr>
-              <a:t>Tessella plc, 26 The Quadrant, Abingdon, Oxfordshire, OX14 3YS, </a:t>
-            </a:r>
-            <a:r>
-              <a:rPr lang="en-US" dirty="0" smtClean="0">
-                <a:solidFill>
-                  <a:srgbClr val="002D55"/>
-                </a:solidFill>
-                <a:latin typeface="+mn-lt"/>
-              </a:rPr>
-              <a:t>UK </a:t>
+              <a:t>Tessella plc, 26 The Quadrant, Abingdon, Oxfordshire, OX14 3YS, UK </a:t>
             </a:r>
             <a:r>
               <a:rPr lang="en-US" baseline="30000" dirty="0" smtClean="0">
@@ -7430,16 +6424,7 @@
                 </a:solidFill>
                 <a:latin typeface="+mn-lt"/>
               </a:rPr>
-              <a:t>Department </a:t>
-            </a:r>
-            <a:r>
-              <a:rPr lang="en-US" dirty="0" smtClean="0">
-                <a:solidFill>
-                  <a:srgbClr val="002D55"/>
-                </a:solidFill>
-                <a:latin typeface="+mn-lt"/>
-              </a:rPr>
-              <a:t>of Physics, Clarendon Laboratory, Parks Road, Oxford, Oxfordshire, OX1 3PU, UK</a:t>
+              <a:t>Department of Physics, Clarendon Laboratory, Parks Road, Oxford, Oxfordshire, OX1 3PU, UK</a:t>
             </a:r>
             <a:endParaRPr lang="en-US" dirty="0">
               <a:solidFill>
@@ -7529,21 +6514,7 @@
                 <a:latin typeface="Arial" charset="0"/>
                 <a:cs typeface="Arial" charset="0"/>
               </a:rPr>
-              <a:t>Acknowledgements: Martyn </a:t>
-            </a:r>
-            <a:r>
-              <a:rPr lang="en-US" dirty="0" err="1" smtClean="0">
-                <a:latin typeface="Arial" charset="0"/>
-                <a:cs typeface="Arial" charset="0"/>
-              </a:rPr>
-              <a:t>Giggs</a:t>
-            </a:r>
-            <a:r>
-              <a:rPr lang="en-US" dirty="0" smtClean="0">
-                <a:latin typeface="Arial" charset="0"/>
-                <a:cs typeface="Arial" charset="0"/>
-              </a:rPr>
-              <a:t>, Roman Tolchenov and Karl Palmen</a:t>
+              <a:t>Acknowledgements: Martyn Gigg, Roman Tolchenov and Karl Palmen</a:t>
             </a:r>
             <a:endParaRPr lang="en-US" dirty="0">
               <a:latin typeface="Arial" charset="0"/>
@@ -7563,7 +6534,7 @@
         <p:spPr bwMode="auto">
           <a:xfrm>
             <a:off x="3903663" y="4541838"/>
-            <a:ext cx="22002750" cy="1016000"/>
+            <a:ext cx="22002750" cy="1107996"/>
           </a:xfrm>
           <a:prstGeom prst="rect">
             <a:avLst/>
@@ -7584,30 +6555,30 @@
           <a:p>
             <a:pPr algn="ctr"/>
             <a:r>
-              <a:rPr lang="en-GB" sz="6000" b="1" dirty="0" smtClean="0">
+              <a:rPr lang="en-GB" sz="6600" b="1" dirty="0" smtClean="0">
                 <a:latin typeface="Corisande" pitchFamily="2" charset="0"/>
               </a:rPr>
               <a:t>Mantid as a tool for </a:t>
             </a:r>
             <a:r>
-              <a:rPr lang="en-GB" sz="6000" dirty="0" err="1" smtClean="0">
+              <a:rPr lang="en-GB" sz="6600" dirty="0" err="1" smtClean="0">
                 <a:latin typeface="Corisande" pitchFamily="2" charset="0"/>
               </a:rPr>
               <a:t>μ</a:t>
             </a:r>
             <a:r>
-              <a:rPr lang="en-GB" sz="6000" b="1" dirty="0" err="1" smtClean="0">
+              <a:rPr lang="en-GB" sz="6600" b="1" dirty="0" err="1" smtClean="0">
                 <a:latin typeface="Corisande" pitchFamily="2" charset="0"/>
               </a:rPr>
               <a:t>SR</a:t>
             </a:r>
             <a:r>
-              <a:rPr lang="en-GB" sz="6000" b="1" dirty="0" smtClean="0">
+              <a:rPr lang="en-GB" sz="6600" b="1" dirty="0" smtClean="0">
                 <a:latin typeface="Corisande" pitchFamily="2" charset="0"/>
               </a:rPr>
               <a:t> analysis</a:t>
             </a:r>
-            <a:endParaRPr lang="en-GB" sz="6000" b="1" dirty="0">
+            <a:endParaRPr lang="en-GB" sz="6600" b="1" dirty="0">
               <a:latin typeface="Corisande" pitchFamily="2" charset="0"/>
             </a:endParaRPr>
           </a:p>
@@ -7622,7 +6593,7 @@
           <p:nvPr/>
         </p:nvPicPr>
         <p:blipFill>
-          <a:blip r:embed="rId5" cstate="print"/>
+          <a:blip r:embed="rId4" cstate="print"/>
           <a:srcRect/>
           <a:stretch>
             <a:fillRect/>
@@ -7648,7 +6619,7 @@
           <p:nvPr/>
         </p:nvPicPr>
         <p:blipFill>
-          <a:blip r:embed="rId6" cstate="print"/>
+          <a:blip r:embed="rId5" cstate="print"/>
           <a:srcRect/>
           <a:stretch>
             <a:fillRect/>
@@ -7674,7 +6645,7 @@
           <p:nvPr/>
         </p:nvPicPr>
         <p:blipFill>
-          <a:blip r:embed="rId7" cstate="print"/>
+          <a:blip r:embed="rId6" cstate="print"/>
           <a:srcRect/>
           <a:stretch>
             <a:fillRect/>
@@ -7700,7 +6671,7 @@
           <p:nvPr/>
         </p:nvPicPr>
         <p:blipFill>
-          <a:blip r:embed="rId8" cstate="print"/>
+          <a:blip r:embed="rId7" cstate="print"/>
           <a:srcRect/>
           <a:stretch>
             <a:fillRect/>
@@ -7708,7 +6679,7 @@
         </p:blipFill>
         <p:spPr bwMode="auto">
           <a:xfrm>
-            <a:off x="20663966" y="15641241"/>
+            <a:off x="1988592" y="29468885"/>
             <a:ext cx="6650038" cy="8278812"/>
           </a:xfrm>
           <a:prstGeom prst="rect">
@@ -7726,7 +6697,7 @@
           <p:nvPr/>
         </p:nvPicPr>
         <p:blipFill>
-          <a:blip r:embed="rId9" cstate="print"/>
+          <a:blip r:embed="rId8" cstate="print"/>
           <a:srcRect/>
           <a:stretch>
             <a:fillRect/>
@@ -7734,34 +6705,8 @@
         </p:blipFill>
         <p:spPr bwMode="auto">
           <a:xfrm>
-            <a:off x="13520166" y="19529673"/>
+            <a:off x="23112238" y="12688913"/>
             <a:ext cx="6135688" cy="7278687"/>
-          </a:xfrm>
-          <a:prstGeom prst="rect">
-            <a:avLst/>
-          </a:prstGeom>
-          <a:noFill/>
-        </p:spPr>
-      </p:pic>
-      <p:pic>
-        <p:nvPicPr>
-          <p:cNvPr id="5" name="Picture 14" descr="C:\Users\ajm64\Desktop\Capture12.PNG"/>
-          <p:cNvPicPr>
-            <a:picLocks noChangeAspect="1" noChangeArrowheads="1"/>
-          </p:cNvPicPr>
-          <p:nvPr/>
-        </p:nvPicPr>
-        <p:blipFill>
-          <a:blip r:embed="rId10" cstate="print"/>
-          <a:srcRect/>
-          <a:stretch>
-            <a:fillRect/>
-          </a:stretch>
-        </p:blipFill>
-        <p:spPr bwMode="auto">
-          <a:xfrm>
-            <a:off x="10798870" y="14899804"/>
-            <a:ext cx="7593012" cy="1533525"/>
           </a:xfrm>
           <a:prstGeom prst="rect">
             <a:avLst/>
@@ -7777,7 +6722,7 @@
         </p:nvGrpSpPr>
         <p:grpSpPr>
           <a:xfrm>
-            <a:off x="1111845" y="19529673"/>
+            <a:off x="10654854" y="12688913"/>
             <a:ext cx="12279313" cy="7926388"/>
             <a:chOff x="861766" y="20177745"/>
             <a:chExt cx="12279313" cy="7926388"/>
@@ -7792,7 +6737,7 @@
             <p:nvPr/>
           </p:nvPicPr>
           <p:blipFill>
-            <a:blip r:embed="rId11" cstate="print"/>
+            <a:blip r:embed="rId9" cstate="print"/>
             <a:srcRect/>
             <a:stretch>
               <a:fillRect/>
@@ -7977,8 +6922,8 @@
         </p:nvSpPr>
         <p:spPr>
           <a:xfrm>
-            <a:off x="13559617" y="18779976"/>
-            <a:ext cx="5016117" cy="461665"/>
+            <a:off x="23203753" y="10443305"/>
+            <a:ext cx="5093061" cy="2308324"/>
           </a:xfrm>
           <a:prstGeom prst="rect">
             <a:avLst/>
@@ -7986,15 +6931,17 @@
           <a:noFill/>
         </p:spPr>
         <p:txBody>
-          <a:bodyPr wrap="none" rtlCol="0">
+          <a:bodyPr wrap="square" rtlCol="0">
             <a:spAutoFit/>
           </a:bodyPr>
           <a:lstStyle/>
           <a:p>
             <a:r>
               <a:rPr lang="en-GB" dirty="0" smtClean="0"/>
-              <a:t>Optionally visualise data on instrument</a:t>
-            </a:r>
+              <a:t>Optionally visualise data in the instrument view. This view shows a 3D view of the instrument, which, for example, can be used to visually spot if a detector is faulty  </a:t>
+            </a:r>
+          </a:p>
+          <a:p>
             <a:endParaRPr lang="en-GB" dirty="0"/>
           </a:p>
         </p:txBody>
@@ -8007,7 +6954,7 @@
         </p:nvSpPr>
         <p:spPr>
           <a:xfrm>
-            <a:off x="1005782" y="18521561"/>
+            <a:off x="10798870" y="12073940"/>
             <a:ext cx="7552067" cy="830997"/>
           </a:xfrm>
           <a:prstGeom prst="rect">
@@ -8035,96 +6982,6 @@
           </a:p>
         </p:txBody>
       </p:sp>
-      <p:sp>
-        <p:nvSpPr>
-          <p:cNvPr id="43" name="TextBox 42"/>
-          <p:cNvSpPr txBox="1"/>
-          <p:nvPr/>
-        </p:nvSpPr>
-        <p:spPr>
-          <a:xfrm>
-            <a:off x="1005782" y="28746697"/>
-            <a:ext cx="1840568" cy="830997"/>
-          </a:xfrm>
-          <a:prstGeom prst="rect">
-            <a:avLst/>
-          </a:prstGeom>
-          <a:noFill/>
-        </p:spPr>
-        <p:txBody>
-          <a:bodyPr wrap="none" rtlCol="0">
-            <a:spAutoFit/>
-          </a:bodyPr>
-          <a:lstStyle/>
-          <a:p>
-            <a:pPr lvl="0"/>
-            <a:r>
-              <a:rPr lang="en-GB" b="1" kern="0" dirty="0" smtClean="0">
-                <a:latin typeface="Arial" pitchFamily="34" charset="0"/>
-                <a:cs typeface="Arial" pitchFamily="34" charset="0"/>
-              </a:rPr>
-              <a:t>Fitting data</a:t>
-            </a:r>
-          </a:p>
-          <a:p>
-            <a:endParaRPr lang="en-GB" dirty="0"/>
-          </a:p>
-        </p:txBody>
-      </p:sp>
-      <p:sp>
-        <p:nvSpPr>
-          <p:cNvPr id="44" name="TextBox 43"/>
-          <p:cNvSpPr txBox="1"/>
-          <p:nvPr/>
-        </p:nvSpPr>
-        <p:spPr>
-          <a:xfrm>
-            <a:off x="12527062" y="28818705"/>
-            <a:ext cx="5040162" cy="830997"/>
-          </a:xfrm>
-          <a:prstGeom prst="rect">
-            <a:avLst/>
-          </a:prstGeom>
-          <a:noFill/>
-        </p:spPr>
-        <p:txBody>
-          <a:bodyPr wrap="none" rtlCol="0">
-            <a:spAutoFit/>
-          </a:bodyPr>
-          <a:lstStyle/>
-          <a:p>
-            <a:pPr lvl="0"/>
-            <a:r>
-              <a:rPr lang="en-US" b="1" kern="0" dirty="0" err="1" smtClean="0">
-                <a:latin typeface="Arial" pitchFamily="34" charset="0"/>
-                <a:cs typeface="Arial" pitchFamily="34" charset="0"/>
-              </a:rPr>
-              <a:t>Analyse</a:t>
-            </a:r>
-            <a:r>
-              <a:rPr lang="en-US" b="1" kern="0" dirty="0" smtClean="0">
-                <a:latin typeface="Arial" pitchFamily="34" charset="0"/>
-                <a:cs typeface="Arial" pitchFamily="34" charset="0"/>
-              </a:rPr>
-              <a:t> results from </a:t>
-            </a:r>
-            <a:r>
-              <a:rPr lang="en-US" b="1" kern="0" dirty="0" smtClean="0">
-                <a:latin typeface="Arial" pitchFamily="34" charset="0"/>
-                <a:cs typeface="Arial" pitchFamily="34" charset="0"/>
-              </a:rPr>
-              <a:t>multiple fits</a:t>
-            </a:r>
-            <a:endParaRPr lang="en-US" b="1" kern="0" dirty="0" smtClean="0">
-              <a:latin typeface="Arial" pitchFamily="34" charset="0"/>
-              <a:cs typeface="Arial" pitchFamily="34" charset="0"/>
-            </a:endParaRPr>
-          </a:p>
-          <a:p>
-            <a:endParaRPr lang="en-GB" dirty="0"/>
-          </a:p>
-        </p:txBody>
-      </p:sp>
       <p:grpSp>
         <p:nvGrpSpPr>
           <p:cNvPr id="58" name="Group 57"/>
@@ -8133,7 +6990,7 @@
         </p:nvGrpSpPr>
         <p:grpSpPr>
           <a:xfrm>
-            <a:off x="1077790" y="29898825"/>
+            <a:off x="18143686" y="22698025"/>
             <a:ext cx="11098213" cy="7935913"/>
             <a:chOff x="789758" y="30186857"/>
             <a:chExt cx="11098213" cy="7935913"/>
@@ -8148,7 +7005,7 @@
             <p:nvPr/>
           </p:nvPicPr>
           <p:blipFill>
-            <a:blip r:embed="rId12" cstate="print"/>
+            <a:blip r:embed="rId10" cstate="print"/>
             <a:srcRect/>
             <a:stretch>
               <a:fillRect/>
@@ -8355,15 +7212,7 @@
                     <a:srgbClr val="FF0000"/>
                   </a:solidFill>
                 </a:rPr>
-                <a:t>f</a:t>
-              </a:r>
-              <a:r>
-                <a:rPr lang="en-GB" sz="1800" dirty="0" smtClean="0">
-                  <a:solidFill>
-                    <a:srgbClr val="FF0000"/>
-                  </a:solidFill>
-                </a:rPr>
-                <a:t>itting</a:t>
+                <a:t>fitting</a:t>
               </a:r>
             </a:p>
             <a:p>
@@ -8373,15 +7222,7 @@
                     <a:srgbClr val="FF0000"/>
                   </a:solidFill>
                 </a:rPr>
-                <a:t>f</a:t>
-              </a:r>
-              <a:r>
-                <a:rPr lang="en-GB" sz="1800" dirty="0" smtClean="0">
-                  <a:solidFill>
-                    <a:srgbClr val="FF0000"/>
-                  </a:solidFill>
-                </a:rPr>
-                <a:t>unctions</a:t>
+                <a:t>functions</a:t>
               </a:r>
               <a:endParaRPr lang="en-GB" sz="1800" dirty="0">
                 <a:solidFill>
@@ -8487,15 +7328,7 @@
                     <a:srgbClr val="FF0000"/>
                   </a:solidFill>
                 </a:rPr>
-                <a:t>u</a:t>
-              </a:r>
-              <a:r>
-                <a:rPr lang="en-GB" sz="1600" dirty="0" smtClean="0">
-                  <a:solidFill>
-                    <a:srgbClr val="FF0000"/>
-                  </a:solidFill>
-                </a:rPr>
-                <a:t>sed for</a:t>
+                <a:t>used for</a:t>
               </a:r>
             </a:p>
             <a:p>
@@ -8524,7 +7357,7 @@
         </p:nvGrpSpPr>
         <p:grpSpPr>
           <a:xfrm>
-            <a:off x="12628775" y="29878460"/>
+            <a:off x="11662966" y="31483001"/>
             <a:ext cx="17180207" cy="7869237"/>
             <a:chOff x="12815094" y="30166492"/>
             <a:chExt cx="17180207" cy="7869237"/>
@@ -8553,7 +7386,7 @@
               <p:nvPr/>
             </p:nvPicPr>
             <p:blipFill>
-              <a:blip r:embed="rId13" cstate="print"/>
+              <a:blip r:embed="rId11" cstate="print"/>
               <a:srcRect/>
               <a:stretch>
                 <a:fillRect/>
@@ -9010,15 +7843,7 @@
                     <a:srgbClr val="FF0000"/>
                   </a:solidFill>
                 </a:rPr>
-                <a:t>c</a:t>
-              </a:r>
-              <a:r>
-                <a:rPr lang="en-GB" sz="1600" dirty="0" smtClean="0">
-                  <a:solidFill>
-                    <a:srgbClr val="FF0000"/>
-                  </a:solidFill>
-                </a:rPr>
-                <a:t>reated</a:t>
+                <a:t>created</a:t>
               </a:r>
             </a:p>
             <a:p>
@@ -9028,15 +7853,7 @@
                     <a:srgbClr val="FF0000"/>
                   </a:solidFill>
                 </a:rPr>
-                <a:t>d</a:t>
-              </a:r>
-              <a:r>
-                <a:rPr lang="en-GB" sz="1600" dirty="0" smtClean="0">
-                  <a:solidFill>
-                    <a:srgbClr val="FF0000"/>
-                  </a:solidFill>
-                </a:rPr>
-                <a:t>uring </a:t>
+                <a:t>during </a:t>
               </a:r>
             </a:p>
             <a:p>
@@ -9057,6 +7874,551 @@
           </p:txBody>
         </p:sp>
       </p:grpSp>
+      <p:sp>
+        <p:nvSpPr>
+          <p:cNvPr id="48" name="Down Arrow 47"/>
+          <p:cNvSpPr/>
+          <p:nvPr/>
+        </p:nvSpPr>
+        <p:spPr bwMode="auto">
+          <a:xfrm>
+            <a:off x="19727862" y="20825817"/>
+            <a:ext cx="504056" cy="1512168"/>
+          </a:xfrm>
+          <a:prstGeom prst="downArrow">
+            <a:avLst/>
+          </a:prstGeom>
+          <a:solidFill>
+            <a:schemeClr val="accent1"/>
+          </a:solidFill>
+          <a:ln w="9525" cap="flat" cmpd="sng" algn="ctr">
+            <a:solidFill>
+              <a:schemeClr val="tx1"/>
+            </a:solidFill>
+            <a:prstDash val="solid"/>
+            <a:round/>
+            <a:headEnd type="none" w="med" len="med"/>
+            <a:tailEnd type="none" w="med" len="med"/>
+          </a:ln>
+          <a:effectLst/>
+        </p:spPr>
+        <p:txBody>
+          <a:bodyPr vert="horz" wrap="square" lIns="91440" tIns="45720" rIns="91440" bIns="45720" numCol="1" rtlCol="0" anchor="t" anchorCtr="0" compatLnSpc="1">
+            <a:prstTxWarp prst="textNoShape">
+              <a:avLst/>
+            </a:prstTxWarp>
+          </a:bodyPr>
+          <a:lstStyle/>
+          <a:p>
+            <a:pPr marL="0" marR="0" indent="0" algn="l" defTabSz="914400" rtl="0" eaLnBrk="0" fontAlgn="base" latinLnBrk="0" hangingPunct="0">
+              <a:lnSpc>
+                <a:spcPct val="100000"/>
+              </a:lnSpc>
+              <a:spcBef>
+                <a:spcPct val="0"/>
+              </a:spcBef>
+              <a:spcAft>
+                <a:spcPct val="0"/>
+              </a:spcAft>
+              <a:buClrTx/>
+              <a:buSzTx/>
+              <a:buFontTx/>
+              <a:buNone/>
+              <a:tabLst/>
+            </a:pPr>
+            <a:endParaRPr kumimoji="0" lang="en-GB" sz="2400" b="0" i="0" u="none" strike="noStrike" cap="none" normalizeH="0" baseline="0" smtClean="0">
+              <a:ln>
+                <a:noFill/>
+              </a:ln>
+              <a:solidFill>
+                <a:schemeClr val="tx1"/>
+              </a:solidFill>
+              <a:effectLst/>
+              <a:latin typeface="Times" pitchFamily="18" charset="0"/>
+            </a:endParaRPr>
+          </a:p>
+        </p:txBody>
+      </p:sp>
+      <p:sp>
+        <p:nvSpPr>
+          <p:cNvPr id="50" name="TextBox 49"/>
+          <p:cNvSpPr txBox="1"/>
+          <p:nvPr/>
+        </p:nvSpPr>
+        <p:spPr>
+          <a:xfrm>
+            <a:off x="20735974" y="21185857"/>
+            <a:ext cx="7983339" cy="830997"/>
+          </a:xfrm>
+          <a:prstGeom prst="rect">
+            <a:avLst/>
+          </a:prstGeom>
+          <a:noFill/>
+        </p:spPr>
+        <p:txBody>
+          <a:bodyPr wrap="none" rtlCol="0">
+            <a:spAutoFit/>
+          </a:bodyPr>
+          <a:lstStyle/>
+          <a:p>
+            <a:r>
+              <a:rPr lang="en-GB" b="1" dirty="0" smtClean="0"/>
+              <a:t>After visualising </a:t>
+            </a:r>
+            <a:r>
+              <a:rPr lang="en-GB" b="1" dirty="0" smtClean="0"/>
+              <a:t>data, it is time to </a:t>
+            </a:r>
+            <a:r>
+              <a:rPr lang="en-GB" b="1" dirty="0" smtClean="0"/>
+              <a:t>extract information from </a:t>
+            </a:r>
+            <a:endParaRPr lang="en-GB" b="1" dirty="0" smtClean="0"/>
+          </a:p>
+          <a:p>
+            <a:r>
+              <a:rPr lang="en-GB" b="1" dirty="0" smtClean="0"/>
+              <a:t>the data by </a:t>
+            </a:r>
+            <a:r>
+              <a:rPr lang="en-GB" b="1" dirty="0" smtClean="0"/>
+              <a:t>fitting data against </a:t>
+            </a:r>
+            <a:r>
+              <a:rPr lang="en-GB" b="1" dirty="0" err="1" smtClean="0"/>
+              <a:t>muon</a:t>
+            </a:r>
+            <a:r>
+              <a:rPr lang="en-GB" b="1" dirty="0" smtClean="0"/>
+              <a:t> fitting functions</a:t>
+            </a:r>
+            <a:endParaRPr lang="en-GB" b="1" dirty="0"/>
+          </a:p>
+        </p:txBody>
+      </p:sp>
+      <p:sp>
+        <p:nvSpPr>
+          <p:cNvPr id="55" name="Down Arrow 54"/>
+          <p:cNvSpPr/>
+          <p:nvPr/>
+        </p:nvSpPr>
+        <p:spPr bwMode="auto">
+          <a:xfrm flipH="1">
+            <a:off x="16487502" y="29322761"/>
+            <a:ext cx="576064" cy="1800200"/>
+          </a:xfrm>
+          <a:prstGeom prst="downArrow">
+            <a:avLst/>
+          </a:prstGeom>
+          <a:solidFill>
+            <a:schemeClr val="accent1"/>
+          </a:solidFill>
+          <a:ln w="9525" cap="flat" cmpd="sng" algn="ctr">
+            <a:solidFill>
+              <a:schemeClr val="tx1"/>
+            </a:solidFill>
+            <a:prstDash val="solid"/>
+            <a:round/>
+            <a:headEnd type="none" w="med" len="med"/>
+            <a:tailEnd type="none" w="med" len="med"/>
+          </a:ln>
+          <a:effectLst/>
+          <a:scene3d>
+            <a:camera prst="orthographicFront">
+              <a:rot lat="0" lon="0" rev="19499999"/>
+            </a:camera>
+            <a:lightRig rig="threePt" dir="t"/>
+          </a:scene3d>
+        </p:spPr>
+        <p:txBody>
+          <a:bodyPr vert="horz" wrap="square" lIns="91440" tIns="45720" rIns="91440" bIns="45720" numCol="1" rtlCol="0" anchor="t" anchorCtr="0" compatLnSpc="1">
+            <a:prstTxWarp prst="textNoShape">
+              <a:avLst/>
+            </a:prstTxWarp>
+          </a:bodyPr>
+          <a:lstStyle/>
+          <a:p>
+            <a:pPr marL="0" marR="0" indent="0" algn="l" defTabSz="914400" rtl="0" eaLnBrk="0" fontAlgn="base" latinLnBrk="0" hangingPunct="0">
+              <a:lnSpc>
+                <a:spcPct val="100000"/>
+              </a:lnSpc>
+              <a:spcBef>
+                <a:spcPct val="0"/>
+              </a:spcBef>
+              <a:spcAft>
+                <a:spcPct val="0"/>
+              </a:spcAft>
+              <a:buClrTx/>
+              <a:buSzTx/>
+              <a:buFontTx/>
+              <a:buNone/>
+              <a:tabLst/>
+            </a:pPr>
+            <a:endParaRPr kumimoji="0" lang="en-GB" sz="2400" b="0" i="0" u="none" strike="noStrike" cap="none" normalizeH="0" baseline="0" smtClean="0">
+              <a:ln>
+                <a:noFill/>
+              </a:ln>
+              <a:solidFill>
+                <a:schemeClr val="tx1"/>
+              </a:solidFill>
+              <a:effectLst/>
+              <a:latin typeface="Times" pitchFamily="18" charset="0"/>
+            </a:endParaRPr>
+          </a:p>
+        </p:txBody>
+      </p:sp>
+      <p:sp>
+        <p:nvSpPr>
+          <p:cNvPr id="60" name="TextBox 59"/>
+          <p:cNvSpPr txBox="1"/>
+          <p:nvPr/>
+        </p:nvSpPr>
+        <p:spPr>
+          <a:xfrm>
+            <a:off x="9718750" y="29610793"/>
+            <a:ext cx="6635150" cy="830997"/>
+          </a:xfrm>
+          <a:prstGeom prst="rect">
+            <a:avLst/>
+          </a:prstGeom>
+          <a:noFill/>
+        </p:spPr>
+        <p:txBody>
+          <a:bodyPr wrap="none" rtlCol="0">
+            <a:spAutoFit/>
+          </a:bodyPr>
+          <a:lstStyle/>
+          <a:p>
+            <a:pPr lvl="0"/>
+            <a:r>
+              <a:rPr lang="en-GB" b="1" kern="0" dirty="0" smtClean="0">
+                <a:latin typeface="Arial" pitchFamily="34" charset="0"/>
+                <a:cs typeface="Arial" pitchFamily="34" charset="0"/>
+              </a:rPr>
+              <a:t>Analyse results from fits to several datasets</a:t>
+            </a:r>
+          </a:p>
+          <a:p>
+            <a:endParaRPr lang="en-GB" dirty="0"/>
+          </a:p>
+        </p:txBody>
+      </p:sp>
+      <p:sp>
+        <p:nvSpPr>
+          <p:cNvPr id="64" name="TextBox 63"/>
+          <p:cNvSpPr txBox="1"/>
+          <p:nvPr/>
+        </p:nvSpPr>
+        <p:spPr>
+          <a:xfrm>
+            <a:off x="10942887" y="22529030"/>
+            <a:ext cx="6048671" cy="6001643"/>
+          </a:xfrm>
+          <a:prstGeom prst="rect">
+            <a:avLst/>
+          </a:prstGeom>
+          <a:noFill/>
+        </p:spPr>
+        <p:txBody>
+          <a:bodyPr wrap="square" rtlCol="0">
+            <a:spAutoFit/>
+          </a:bodyPr>
+          <a:lstStyle/>
+          <a:p>
+            <a:pPr lvl="0" defTabSz="4173538" eaLnBrk="1" hangingPunct="1">
+              <a:spcBef>
+                <a:spcPct val="20000"/>
+              </a:spcBef>
+              <a:buFont typeface="Arial" pitchFamily="34" charset="0"/>
+              <a:buChar char="•"/>
+              <a:defRPr/>
+            </a:pPr>
+            <a:r>
+              <a:rPr lang="en-GB" kern="0" dirty="0" smtClean="0">
+                <a:latin typeface="Arial" pitchFamily="34" charset="0"/>
+                <a:cs typeface="Arial" pitchFamily="34" charset="0"/>
+              </a:rPr>
+              <a:t> Quick visualisations of data, either current data or past data; using information in the data files and info from the settings tab to ensure that the most useful view of </a:t>
+            </a:r>
+            <a:r>
+              <a:rPr lang="en-GB" kern="0" dirty="0" err="1" smtClean="0">
+                <a:latin typeface="Arial" pitchFamily="34" charset="0"/>
+                <a:cs typeface="Arial" pitchFamily="34" charset="0"/>
+              </a:rPr>
+              <a:t>muon</a:t>
+            </a:r>
+            <a:r>
+              <a:rPr lang="en-GB" kern="0" dirty="0" smtClean="0">
+                <a:latin typeface="Arial" pitchFamily="34" charset="0"/>
+                <a:cs typeface="Arial" pitchFamily="34" charset="0"/>
+              </a:rPr>
+              <a:t> data gets displayed</a:t>
+            </a:r>
+          </a:p>
+          <a:p>
+            <a:pPr lvl="0" defTabSz="4173538" eaLnBrk="1" hangingPunct="1">
+              <a:spcBef>
+                <a:spcPct val="20000"/>
+              </a:spcBef>
+              <a:buFont typeface="Arial" pitchFamily="34" charset="0"/>
+              <a:buChar char="•"/>
+              <a:defRPr/>
+            </a:pPr>
+            <a:r>
+              <a:rPr lang="en-GB" kern="0" dirty="0" smtClean="0">
+                <a:latin typeface="Arial" pitchFamily="34" charset="0"/>
+                <a:cs typeface="Arial" pitchFamily="34" charset="0"/>
+              </a:rPr>
+              <a:t> Optionally have the data corrected for </a:t>
+            </a:r>
+            <a:r>
+              <a:rPr lang="en-GB" kern="0" dirty="0" err="1" smtClean="0">
+                <a:latin typeface="Arial" pitchFamily="34" charset="0"/>
+                <a:cs typeface="Arial" pitchFamily="34" charset="0"/>
+              </a:rPr>
+              <a:t>deadtimes</a:t>
+            </a:r>
+            <a:r>
+              <a:rPr lang="en-GB" kern="0" dirty="0" smtClean="0">
+                <a:latin typeface="Arial" pitchFamily="34" charset="0"/>
+                <a:cs typeface="Arial" pitchFamily="34" charset="0"/>
+              </a:rPr>
+              <a:t> before they are displayed</a:t>
+            </a:r>
+          </a:p>
+          <a:p>
+            <a:pPr lvl="0" defTabSz="4173538" eaLnBrk="1" hangingPunct="1">
+              <a:spcBef>
+                <a:spcPct val="20000"/>
+              </a:spcBef>
+              <a:buFont typeface="Arial" pitchFamily="34" charset="0"/>
+              <a:buChar char="•"/>
+              <a:defRPr/>
+            </a:pPr>
+            <a:r>
+              <a:rPr lang="en-GB" kern="0" dirty="0" smtClean="0">
+                <a:latin typeface="Arial" pitchFamily="34" charset="0"/>
+                <a:cs typeface="Arial" pitchFamily="34" charset="0"/>
+              </a:rPr>
+              <a:t> Change how spectra are grouped and form pairs</a:t>
+            </a:r>
+          </a:p>
+          <a:p>
+            <a:pPr lvl="0" defTabSz="4173538" eaLnBrk="1" hangingPunct="1">
+              <a:spcBef>
+                <a:spcPct val="20000"/>
+              </a:spcBef>
+              <a:buFont typeface="Arial" pitchFamily="34" charset="0"/>
+              <a:buChar char="•"/>
+              <a:defRPr/>
+            </a:pPr>
+            <a:r>
+              <a:rPr lang="en-GB" kern="0" dirty="0" smtClean="0">
+                <a:latin typeface="Arial" pitchFamily="34" charset="0"/>
+                <a:cs typeface="Arial" pitchFamily="34" charset="0"/>
+              </a:rPr>
+              <a:t> Plot various </a:t>
+            </a:r>
+            <a:r>
+              <a:rPr lang="en-GB" kern="0" dirty="0" err="1" smtClean="0">
+                <a:latin typeface="Arial" pitchFamily="34" charset="0"/>
+                <a:cs typeface="Arial" pitchFamily="34" charset="0"/>
+              </a:rPr>
+              <a:t>muon</a:t>
+            </a:r>
+            <a:r>
+              <a:rPr lang="en-GB" kern="0" dirty="0" smtClean="0">
+                <a:latin typeface="Arial" pitchFamily="34" charset="0"/>
+                <a:cs typeface="Arial" pitchFamily="34" charset="0"/>
+              </a:rPr>
+              <a:t> specific types of plots used for visually inspect data</a:t>
+            </a:r>
+          </a:p>
+          <a:p>
+            <a:pPr lvl="0" defTabSz="4173538" eaLnBrk="1" hangingPunct="1">
+              <a:spcBef>
+                <a:spcPct val="20000"/>
+              </a:spcBef>
+              <a:buFont typeface="Arial" pitchFamily="34" charset="0"/>
+              <a:buChar char="•"/>
+              <a:defRPr/>
+            </a:pPr>
+            <a:r>
+              <a:rPr lang="en-GB" kern="0" dirty="0" smtClean="0">
+                <a:latin typeface="Arial" pitchFamily="34" charset="0"/>
+                <a:cs typeface="Arial" pitchFamily="34" charset="0"/>
+              </a:rPr>
+              <a:t> Fit data to </a:t>
+            </a:r>
+            <a:r>
+              <a:rPr lang="en-GB" kern="0" dirty="0" err="1" smtClean="0">
+                <a:latin typeface="Arial" pitchFamily="34" charset="0"/>
+                <a:cs typeface="Arial" pitchFamily="34" charset="0"/>
+              </a:rPr>
+              <a:t>muon</a:t>
+            </a:r>
+            <a:r>
+              <a:rPr lang="en-GB" kern="0" dirty="0" smtClean="0">
+                <a:latin typeface="Arial" pitchFamily="34" charset="0"/>
+                <a:cs typeface="Arial" pitchFamily="34" charset="0"/>
+              </a:rPr>
+              <a:t> model functions</a:t>
+            </a:r>
+          </a:p>
+          <a:p>
+            <a:pPr lvl="0" defTabSz="4173538" eaLnBrk="1" hangingPunct="1">
+              <a:spcBef>
+                <a:spcPct val="20000"/>
+              </a:spcBef>
+              <a:buFont typeface="Arial" pitchFamily="34" charset="0"/>
+              <a:buChar char="•"/>
+              <a:defRPr/>
+            </a:pPr>
+            <a:r>
+              <a:rPr lang="en-GB" kern="0" dirty="0" smtClean="0">
+                <a:latin typeface="Arial" pitchFamily="34" charset="0"/>
+                <a:cs typeface="Arial" pitchFamily="34" charset="0"/>
+              </a:rPr>
+              <a:t> Analyse results from fits to several datasets</a:t>
+            </a:r>
+          </a:p>
+          <a:p>
+            <a:endParaRPr lang="en-GB" dirty="0"/>
+          </a:p>
+        </p:txBody>
+      </p:sp>
+      <p:sp>
+        <p:nvSpPr>
+          <p:cNvPr id="66" name="TextBox 65"/>
+          <p:cNvSpPr txBox="1"/>
+          <p:nvPr/>
+        </p:nvSpPr>
+        <p:spPr>
+          <a:xfrm>
+            <a:off x="16703527" y="41132073"/>
+            <a:ext cx="12601399" cy="1569660"/>
+          </a:xfrm>
+          <a:prstGeom prst="rect">
+            <a:avLst/>
+          </a:prstGeom>
+          <a:noFill/>
+        </p:spPr>
+        <p:txBody>
+          <a:bodyPr wrap="square" rtlCol="0">
+            <a:spAutoFit/>
+          </a:bodyPr>
+          <a:lstStyle/>
+          <a:p>
+            <a:pPr lvl="0"/>
+            <a:r>
+              <a:rPr lang="en-GB" kern="0" dirty="0" smtClean="0">
+                <a:latin typeface="Arial" pitchFamily="34" charset="0"/>
+                <a:cs typeface="Arial" pitchFamily="34" charset="0"/>
+              </a:rPr>
+              <a:t>For documentation on the Mantid Muon interface see </a:t>
+            </a:r>
+            <a:r>
+              <a:rPr lang="en-GB" kern="0" dirty="0" smtClean="0">
+                <a:latin typeface="Arial" pitchFamily="34" charset="0"/>
+                <a:cs typeface="Arial" pitchFamily="34" charset="0"/>
+                <a:hlinkClick r:id="rId12"/>
+              </a:rPr>
+              <a:t>www.mantidproject.org/MuonAnalysis</a:t>
+            </a:r>
+            <a:r>
+              <a:rPr lang="en-GB" kern="0" dirty="0" smtClean="0">
+                <a:latin typeface="Arial" pitchFamily="34" charset="0"/>
+                <a:cs typeface="Arial" pitchFamily="34" charset="0"/>
+              </a:rPr>
+              <a:t>. </a:t>
+            </a:r>
+          </a:p>
+          <a:p>
+            <a:pPr lvl="0"/>
+            <a:r>
+              <a:rPr lang="en-GB" kern="0" dirty="0" smtClean="0">
+                <a:latin typeface="Arial" pitchFamily="34" charset="0"/>
+                <a:cs typeface="Arial" pitchFamily="34" charset="0"/>
+              </a:rPr>
+              <a:t>Some of the work presented here was also recently reported in </a:t>
+            </a:r>
+            <a:r>
+              <a:rPr lang="fr-FR" kern="0" dirty="0" smtClean="0">
+                <a:latin typeface="Arial" pitchFamily="34" charset="0"/>
+                <a:cs typeface="Arial" pitchFamily="34" charset="0"/>
+              </a:rPr>
+              <a:t>S. Cottrell et al., </a:t>
+            </a:r>
+            <a:r>
+              <a:rPr lang="fr-FR" kern="0" dirty="0" err="1" smtClean="0">
+                <a:latin typeface="Arial" pitchFamily="34" charset="0"/>
+                <a:cs typeface="Arial" pitchFamily="34" charset="0"/>
+              </a:rPr>
+              <a:t>Physics</a:t>
+            </a:r>
+            <a:r>
+              <a:rPr lang="fr-FR" kern="0" dirty="0" smtClean="0">
+                <a:latin typeface="Arial" pitchFamily="34" charset="0"/>
+                <a:cs typeface="Arial" pitchFamily="34" charset="0"/>
+              </a:rPr>
+              <a:t> </a:t>
+            </a:r>
+            <a:r>
+              <a:rPr lang="fr-FR" kern="0" dirty="0" err="1" smtClean="0">
+                <a:latin typeface="Arial" pitchFamily="34" charset="0"/>
+                <a:cs typeface="Arial" pitchFamily="34" charset="0"/>
+              </a:rPr>
+              <a:t>Procedia</a:t>
+            </a:r>
+            <a:r>
+              <a:rPr lang="fr-FR" kern="0" dirty="0" smtClean="0">
+                <a:latin typeface="Arial" pitchFamily="34" charset="0"/>
+                <a:cs typeface="Arial" pitchFamily="34" charset="0"/>
+              </a:rPr>
+              <a:t> 30, 20-25 (2012)</a:t>
+            </a:r>
+            <a:r>
+              <a:rPr lang="en-GB" kern="0" dirty="0" smtClean="0">
+                <a:latin typeface="Arial" pitchFamily="34" charset="0"/>
+                <a:cs typeface="Arial" pitchFamily="34" charset="0"/>
+              </a:rPr>
+              <a:t>. </a:t>
+            </a:r>
+            <a:endParaRPr lang="en-GB" i="1" dirty="0" smtClean="0">
+              <a:latin typeface="Corisande"/>
+            </a:endParaRPr>
+          </a:p>
+          <a:p>
+            <a:endParaRPr lang="en-GB" dirty="0"/>
+          </a:p>
+        </p:txBody>
+      </p:sp>
+      <p:pic>
+        <p:nvPicPr>
+          <p:cNvPr id="1026" name="Picture 2" descr="C:\Users\ajm64\Desktop\Capture.PNG"/>
+          <p:cNvPicPr>
+            <a:picLocks noChangeAspect="1" noChangeArrowheads="1"/>
+          </p:cNvPicPr>
+          <p:nvPr/>
+        </p:nvPicPr>
+        <p:blipFill>
+          <a:blip r:embed="rId13" cstate="print"/>
+          <a:srcRect/>
+          <a:stretch>
+            <a:fillRect/>
+          </a:stretch>
+        </p:blipFill>
+        <p:spPr bwMode="auto">
+          <a:xfrm>
+            <a:off x="1365822" y="21041841"/>
+            <a:ext cx="8316913" cy="1476375"/>
+          </a:xfrm>
+          <a:prstGeom prst="rect">
+            <a:avLst/>
+          </a:prstGeom>
+          <a:noFill/>
+        </p:spPr>
+      </p:pic>
     </p:spTree>
   </p:cSld>
   <p:clrMapOvr>
@@ -10482,19 +9844,6 @@
 </file>
 
 <file path=customXml/item1.xml><?xml version="1.0" encoding="utf-8"?>
-<LongProperties xmlns="http://schemas.microsoft.com/office/2006/metadata/longProperties"/>
-</file>
-
-<file path=customXml/item2.xml><?xml version="1.0" encoding="utf-8"?>
-<?mso-contentType ?>
-<FormTemplates xmlns="http://schemas.microsoft.com/sharepoint/v3/contenttype/forms">
-  <Display>DocumentLibraryForm</Display>
-  <Edit>DocumentLibraryForm</Edit>
-  <New>DocumentLibraryForm</New>
-</FormTemplates>
-</file>
-
-<file path=customXml/item3.xml><?xml version="1.0" encoding="utf-8"?>
 <ct:contentTypeSchema xmlns:ct="http://schemas.microsoft.com/office/2006/metadata/contentType" xmlns:ma="http://schemas.microsoft.com/office/2006/metadata/properties/metaAttributes" ct:_="" ma:_="" ma:contentTypeName="Document" ma:contentTypeID="0x0101000BFEB35FB51C0F42A9A471BD9DD2DD1B" ma:contentTypeVersion="1" ma:contentTypeDescription="Create a new document." ma:contentTypeScope="" ma:versionID="35a5236f1a4e3acf6a385f2c1bfe2746">
   <xsd:schema xmlns:xsd="http://www.w3.org/2001/XMLSchema" xmlns:xs="http://www.w3.org/2001/XMLSchema" xmlns:p="http://schemas.microsoft.com/office/2006/metadata/properties" xmlns:ns1="http://schemas.microsoft.com/sharepoint/v3" targetNamespace="http://schemas.microsoft.com/office/2006/metadata/properties" ma:root="true" ma:fieldsID="a447206dab0015f8b9f8924535193e8c" ns1:_="">
     <xsd:import namespace="http://schemas.microsoft.com/sharepoint/v3"/>
@@ -10626,6 +9975,19 @@
 </ct:contentTypeSchema>
 </file>
 
+<file path=customXml/item2.xml><?xml version="1.0" encoding="utf-8"?>
+<?mso-contentType ?>
+<FormTemplates xmlns="http://schemas.microsoft.com/sharepoint/v3/contenttype/forms">
+  <Display>DocumentLibraryForm</Display>
+  <Edit>DocumentLibraryForm</Edit>
+  <New>DocumentLibraryForm</New>
+</FormTemplates>
+</file>
+
+<file path=customXml/item3.xml><?xml version="1.0" encoding="utf-8"?>
+<LongProperties xmlns="http://schemas.microsoft.com/office/2006/metadata/longProperties"/>
+</file>
+
 <file path=customXml/item4.xml><?xml version="1.0" encoding="utf-8"?>
 <p:properties xmlns:p="http://schemas.microsoft.com/office/2006/metadata/properties" xmlns:xsi="http://www.w3.org/2001/XMLSchema-instance">
   <documentManagement>
@@ -10636,22 +9998,6 @@
 </file>
 
 <file path=customXml/itemProps1.xml><?xml version="1.0" encoding="utf-8"?>
-<ds:datastoreItem xmlns:ds="http://schemas.openxmlformats.org/officeDocument/2006/customXml" ds:itemID="{5593874F-BA98-4A0D-88E6-76DECBDFE515}">
-  <ds:schemaRefs>
-    <ds:schemaRef ds:uri="http://schemas.microsoft.com/office/2006/metadata/longProperties"/>
-  </ds:schemaRefs>
-</ds:datastoreItem>
-</file>
-
-<file path=customXml/itemProps2.xml><?xml version="1.0" encoding="utf-8"?>
-<ds:datastoreItem xmlns:ds="http://schemas.openxmlformats.org/officeDocument/2006/customXml" ds:itemID="{BB870582-39B3-4EE1-B4C9-D3C3087CF0F0}">
-  <ds:schemaRefs>
-    <ds:schemaRef ds:uri="http://schemas.microsoft.com/sharepoint/v3/contenttype/forms"/>
-  </ds:schemaRefs>
-</ds:datastoreItem>
-</file>
-
-<file path=customXml/itemProps3.xml><?xml version="1.0" encoding="utf-8"?>
 <ds:datastoreItem xmlns:ds="http://schemas.openxmlformats.org/officeDocument/2006/customXml" ds:itemID="{3B5FA4EA-6C34-4AED-AF36-BD45CB995C14}">
   <ds:schemaRefs>
     <ds:schemaRef ds:uri="http://schemas.microsoft.com/office/2006/metadata/contentType"/>
@@ -10669,6 +10015,22 @@
 </ds:datastoreItem>
 </file>
 
+<file path=customXml/itemProps2.xml><?xml version="1.0" encoding="utf-8"?>
+<ds:datastoreItem xmlns:ds="http://schemas.openxmlformats.org/officeDocument/2006/customXml" ds:itemID="{BB870582-39B3-4EE1-B4C9-D3C3087CF0F0}">
+  <ds:schemaRefs>
+    <ds:schemaRef ds:uri="http://schemas.microsoft.com/sharepoint/v3/contenttype/forms"/>
+  </ds:schemaRefs>
+</ds:datastoreItem>
+</file>
+
+<file path=customXml/itemProps3.xml><?xml version="1.0" encoding="utf-8"?>
+<ds:datastoreItem xmlns:ds="http://schemas.openxmlformats.org/officeDocument/2006/customXml" ds:itemID="{5593874F-BA98-4A0D-88E6-76DECBDFE515}">
+  <ds:schemaRefs>
+    <ds:schemaRef ds:uri="http://schemas.microsoft.com/office/2006/metadata/longProperties"/>
+  </ds:schemaRefs>
+</ds:datastoreItem>
+</file>
+
 <file path=customXml/itemProps4.xml><?xml version="1.0" encoding="utf-8"?>
 <ds:datastoreItem xmlns:ds="http://schemas.openxmlformats.org/officeDocument/2006/customXml" ds:itemID="{BBE466B2-E11B-4338-AFEC-553026806900}">
   <ds:schemaRefs>
